--- a/高松ゲーム.pptx
+++ b/高松ゲーム.pptx
@@ -109,6 +109,11 @@
       </a:defRPr>
     </a:lvl9pPr>
   </p:defaultTextStyle>
+  <p:extLst>
+    <p:ext uri="{EFAFB233-063F-42B5-8137-9DF3F51BA10A}">
+      <p15:sldGuideLst xmlns:p15="http://schemas.microsoft.com/office/powerpoint/2012/main"/>
+    </p:ext>
+  </p:extLst>
 </p:presentation>
 </file>
 
@@ -3521,15 +3526,7 @@
             <a:pPr lvl="1"/>
             <a:r>
               <a:rPr lang="ja-JP" altLang="en-US" dirty="0" smtClean="0"/>
-              <a:t>敵　</a:t>
-            </a:r>
-            <a:r>
-              <a:rPr lang="ja-JP" altLang="en-US" dirty="0" smtClean="0"/>
-              <a:t>立ち絵　</a:t>
-            </a:r>
-            <a:r>
-              <a:rPr lang="ja-JP" altLang="en-US" dirty="0" smtClean="0"/>
-              <a:t>移動　（色変え）</a:t>
+              <a:t>敵　立ち絵　移動　（色変え）</a:t>
             </a:r>
             <a:endParaRPr lang="en-US" altLang="ja-JP" dirty="0"/>
           </a:p>
@@ -3585,11 +3582,11 @@
   <p:clrMapOvr>
     <a:masterClrMapping/>
   </p:clrMapOvr>
-  <mc:AlternateContent xmlns:mc="http://schemas.openxmlformats.org/markup-compatibility/2006">
-    <mc:Choice xmlns:p14="http://schemas.microsoft.com/office/powerpoint/2010/main" Requires="p14">
+  <mc:AlternateContent xmlns:mc="http://schemas.openxmlformats.org/markup-compatibility/2006" xmlns:p14="http://schemas.microsoft.com/office/powerpoint/2010/main">
+    <mc:Choice Requires="p14">
       <p:transition spd="slow" p14:dur="2000"/>
     </mc:Choice>
-    <mc:Fallback>
+    <mc:Fallback xmlns="">
       <p:transition spd="slow"/>
     </mc:Fallback>
   </mc:AlternateContent>
@@ -3710,11 +3707,11 @@
   <p:clrMapOvr>
     <a:masterClrMapping/>
   </p:clrMapOvr>
-  <mc:AlternateContent xmlns:mc="http://schemas.openxmlformats.org/markup-compatibility/2006">
-    <mc:Choice xmlns:p14="http://schemas.microsoft.com/office/powerpoint/2010/main" Requires="p14">
+  <mc:AlternateContent xmlns:mc="http://schemas.openxmlformats.org/markup-compatibility/2006" xmlns:p14="http://schemas.microsoft.com/office/powerpoint/2010/main">
+    <mc:Choice Requires="p14">
       <p:transition spd="slow" p14:dur="2000"/>
     </mc:Choice>
-    <mc:Fallback>
+    <mc:Fallback xmlns="">
       <p:transition spd="slow"/>
     </mc:Fallback>
   </mc:AlternateContent>
@@ -3874,7 +3871,7 @@
 </file>
 
 <file path=ppt/slides/slide6.xml><?xml version="1.0" encoding="utf-8"?>
-<p:sld xmlns:a="http://schemas.openxmlformats.org/drawingml/2006/main" xmlns:r="http://schemas.openxmlformats.org/officeDocument/2006/relationships" xmlns:p="http://schemas.openxmlformats.org/presentationml/2006/main">
+<p:sld xmlns:a="http://schemas.openxmlformats.org/drawingml/2006/main" xmlns:r="http://schemas.openxmlformats.org/officeDocument/2006/relationships" xmlns:p="http://schemas.openxmlformats.org/presentationml/2006/main" show="0">
   <p:cSld>
     <p:spTree>
       <p:nvGrpSpPr>
@@ -3953,6 +3950,14 @@
   <p:clrMapOvr>
     <a:masterClrMapping/>
   </p:clrMapOvr>
+  <mc:AlternateContent xmlns:mc="http://schemas.openxmlformats.org/markup-compatibility/2006">
+    <mc:Choice xmlns:p14="http://schemas.microsoft.com/office/powerpoint/2010/main" Requires="p14">
+      <p:transition spd="slow" p14:dur="2000"/>
+    </mc:Choice>
+    <mc:Fallback>
+      <p:transition spd="slow"/>
+    </mc:Fallback>
+  </mc:AlternateContent>
 </p:sld>
 </file>
 

--- a/高松ゲーム.pptx
+++ b/高松ゲーム.pptx
@@ -9,8 +9,9 @@
     <p:sldId id="257" r:id="rId3"/>
     <p:sldId id="259" r:id="rId4"/>
     <p:sldId id="260" r:id="rId5"/>
-    <p:sldId id="261" r:id="rId6"/>
-    <p:sldId id="258" r:id="rId7"/>
+    <p:sldId id="258" r:id="rId6"/>
+    <p:sldId id="261" r:id="rId7"/>
+    <p:sldId id="262" r:id="rId8"/>
   </p:sldIdLst>
   <p:sldSz cx="12192000" cy="6858000"/>
   <p:notesSz cx="6858000" cy="9144000"/>
@@ -248,7 +249,7 @@
           <a:p>
             <a:fld id="{B3F240BB-2125-409E-A5B5-13BDFD591304}" type="datetimeFigureOut">
               <a:rPr kumimoji="1" lang="ja-JP" altLang="en-US" smtClean="0"/>
-              <a:t>2023/3/1</a:t>
+              <a:t>2023/3/2</a:t>
             </a:fld>
             <a:endParaRPr kumimoji="1" lang="ja-JP" altLang="en-US"/>
           </a:p>
@@ -450,7 +451,7 @@
           <a:p>
             <a:fld id="{B3F240BB-2125-409E-A5B5-13BDFD591304}" type="datetimeFigureOut">
               <a:rPr kumimoji="1" lang="ja-JP" altLang="en-US" smtClean="0"/>
-              <a:t>2023/3/1</a:t>
+              <a:t>2023/3/2</a:t>
             </a:fld>
             <a:endParaRPr kumimoji="1" lang="ja-JP" altLang="en-US"/>
           </a:p>
@@ -662,7 +663,7 @@
           <a:p>
             <a:fld id="{B3F240BB-2125-409E-A5B5-13BDFD591304}" type="datetimeFigureOut">
               <a:rPr kumimoji="1" lang="ja-JP" altLang="en-US" smtClean="0"/>
-              <a:t>2023/3/1</a:t>
+              <a:t>2023/3/2</a:t>
             </a:fld>
             <a:endParaRPr kumimoji="1" lang="ja-JP" altLang="en-US"/>
           </a:p>
@@ -864,7 +865,7 @@
           <a:p>
             <a:fld id="{B3F240BB-2125-409E-A5B5-13BDFD591304}" type="datetimeFigureOut">
               <a:rPr kumimoji="1" lang="ja-JP" altLang="en-US" smtClean="0"/>
-              <a:t>2023/3/1</a:t>
+              <a:t>2023/3/2</a:t>
             </a:fld>
             <a:endParaRPr kumimoji="1" lang="ja-JP" altLang="en-US"/>
           </a:p>
@@ -1110,7 +1111,7 @@
           <a:p>
             <a:fld id="{B3F240BB-2125-409E-A5B5-13BDFD591304}" type="datetimeFigureOut">
               <a:rPr kumimoji="1" lang="ja-JP" altLang="en-US" smtClean="0"/>
-              <a:t>2023/3/1</a:t>
+              <a:t>2023/3/2</a:t>
             </a:fld>
             <a:endParaRPr kumimoji="1" lang="ja-JP" altLang="en-US"/>
           </a:p>
@@ -1406,7 +1407,7 @@
           <a:p>
             <a:fld id="{B3F240BB-2125-409E-A5B5-13BDFD591304}" type="datetimeFigureOut">
               <a:rPr kumimoji="1" lang="ja-JP" altLang="en-US" smtClean="0"/>
-              <a:t>2023/3/1</a:t>
+              <a:t>2023/3/2</a:t>
             </a:fld>
             <a:endParaRPr kumimoji="1" lang="ja-JP" altLang="en-US"/>
           </a:p>
@@ -1837,7 +1838,7 @@
           <a:p>
             <a:fld id="{B3F240BB-2125-409E-A5B5-13BDFD591304}" type="datetimeFigureOut">
               <a:rPr kumimoji="1" lang="ja-JP" altLang="en-US" smtClean="0"/>
-              <a:t>2023/3/1</a:t>
+              <a:t>2023/3/2</a:t>
             </a:fld>
             <a:endParaRPr kumimoji="1" lang="ja-JP" altLang="en-US"/>
           </a:p>
@@ -1955,7 +1956,7 @@
           <a:p>
             <a:fld id="{B3F240BB-2125-409E-A5B5-13BDFD591304}" type="datetimeFigureOut">
               <a:rPr kumimoji="1" lang="ja-JP" altLang="en-US" smtClean="0"/>
-              <a:t>2023/3/1</a:t>
+              <a:t>2023/3/2</a:t>
             </a:fld>
             <a:endParaRPr kumimoji="1" lang="ja-JP" altLang="en-US"/>
           </a:p>
@@ -2050,7 +2051,7 @@
           <a:p>
             <a:fld id="{B3F240BB-2125-409E-A5B5-13BDFD591304}" type="datetimeFigureOut">
               <a:rPr kumimoji="1" lang="ja-JP" altLang="en-US" smtClean="0"/>
-              <a:t>2023/3/1</a:t>
+              <a:t>2023/3/2</a:t>
             </a:fld>
             <a:endParaRPr kumimoji="1" lang="ja-JP" altLang="en-US"/>
           </a:p>
@@ -2359,7 +2360,7 @@
           <a:p>
             <a:fld id="{B3F240BB-2125-409E-A5B5-13BDFD591304}" type="datetimeFigureOut">
               <a:rPr kumimoji="1" lang="ja-JP" altLang="en-US" smtClean="0"/>
-              <a:t>2023/3/1</a:t>
+              <a:t>2023/3/2</a:t>
             </a:fld>
             <a:endParaRPr kumimoji="1" lang="ja-JP" altLang="en-US"/>
           </a:p>
@@ -2612,7 +2613,7 @@
           <a:p>
             <a:fld id="{B3F240BB-2125-409E-A5B5-13BDFD591304}" type="datetimeFigureOut">
               <a:rPr kumimoji="1" lang="ja-JP" altLang="en-US" smtClean="0"/>
-              <a:t>2023/3/1</a:t>
+              <a:t>2023/3/2</a:t>
             </a:fld>
             <a:endParaRPr kumimoji="1" lang="ja-JP" altLang="en-US"/>
           </a:p>
@@ -2857,7 +2858,7 @@
           <a:p>
             <a:fld id="{B3F240BB-2125-409E-A5B5-13BDFD591304}" type="datetimeFigureOut">
               <a:rPr kumimoji="1" lang="ja-JP" altLang="en-US" smtClean="0"/>
-              <a:t>2023/3/1</a:t>
+              <a:t>2023/3/2</a:t>
             </a:fld>
             <a:endParaRPr kumimoji="1" lang="ja-JP" altLang="en-US"/>
           </a:p>
@@ -3719,6 +3720,97 @@
 </file>
 
 <file path=ppt/slides/slide5.xml><?xml version="1.0" encoding="utf-8"?>
+<p:sld xmlns:a="http://schemas.openxmlformats.org/drawingml/2006/main" xmlns:r="http://schemas.openxmlformats.org/officeDocument/2006/relationships" xmlns:p="http://schemas.openxmlformats.org/presentationml/2006/main" show="0">
+  <p:cSld>
+    <p:spTree>
+      <p:nvGrpSpPr>
+        <p:cNvPr id="1" name=""/>
+        <p:cNvGrpSpPr/>
+        <p:nvPr/>
+      </p:nvGrpSpPr>
+      <p:grpSpPr>
+        <a:xfrm>
+          <a:off x="0" y="0"/>
+          <a:ext cx="0" cy="0"/>
+          <a:chOff x="0" y="0"/>
+          <a:chExt cx="0" cy="0"/>
+        </a:xfrm>
+      </p:grpSpPr>
+      <p:sp>
+        <p:nvSpPr>
+          <p:cNvPr id="2" name="タイトル 1"/>
+          <p:cNvSpPr>
+            <a:spLocks noGrp="1"/>
+          </p:cNvSpPr>
+          <p:nvPr>
+            <p:ph type="title"/>
+          </p:nvPr>
+        </p:nvSpPr>
+        <p:spPr/>
+        <p:txBody>
+          <a:bodyPr/>
+          <a:lstStyle/>
+          <a:p>
+            <a:r>
+              <a:rPr kumimoji="1" lang="ja-JP" altLang="en-US" dirty="0" smtClean="0"/>
+              <a:t>キャラクター（仮）</a:t>
+            </a:r>
+            <a:endParaRPr kumimoji="1" lang="ja-JP" altLang="en-US" dirty="0"/>
+          </a:p>
+        </p:txBody>
+      </p:sp>
+      <p:sp>
+        <p:nvSpPr>
+          <p:cNvPr id="3" name="コンテンツ プレースホルダー 2"/>
+          <p:cNvSpPr>
+            <a:spLocks noGrp="1"/>
+          </p:cNvSpPr>
+          <p:nvPr>
+            <p:ph idx="1"/>
+          </p:nvPr>
+        </p:nvSpPr>
+        <p:spPr/>
+        <p:txBody>
+          <a:bodyPr/>
+          <a:lstStyle/>
+          <a:p>
+            <a:r>
+              <a:rPr lang="ja-JP" altLang="en-US" dirty="0"/>
+              <a:t>人間</a:t>
+            </a:r>
+            <a:endParaRPr lang="en-US" altLang="ja-JP" dirty="0"/>
+          </a:p>
+          <a:p>
+            <a:r>
+              <a:rPr lang="ja-JP" altLang="en-US" dirty="0" smtClean="0"/>
+              <a:t>動物（哺乳類）</a:t>
+            </a:r>
+            <a:endParaRPr lang="en-US" altLang="ja-JP" dirty="0" smtClean="0"/>
+          </a:p>
+        </p:txBody>
+      </p:sp>
+    </p:spTree>
+    <p:extLst>
+      <p:ext uri="{BB962C8B-B14F-4D97-AF65-F5344CB8AC3E}">
+        <p14:creationId xmlns:p14="http://schemas.microsoft.com/office/powerpoint/2010/main" val="1907180841"/>
+      </p:ext>
+    </p:extLst>
+  </p:cSld>
+  <p:clrMapOvr>
+    <a:masterClrMapping/>
+  </p:clrMapOvr>
+  <mc:AlternateContent xmlns:mc="http://schemas.openxmlformats.org/markup-compatibility/2006" xmlns:p14="http://schemas.microsoft.com/office/powerpoint/2010/main">
+    <mc:Choice Requires="p14">
+      <p:transition spd="slow" p14:dur="2000"/>
+    </mc:Choice>
+    <mc:Fallback xmlns="">
+      <p:transition spd="slow"/>
+    </mc:Fallback>
+  </mc:AlternateContent>
+</p:sld>
+</file>
+
+<file path=ppt/slides/slide6.xml><?xml version="1.0" encoding="utf-8"?>
 <p:sld xmlns:a="http://schemas.openxmlformats.org/drawingml/2006/main" xmlns:r="http://schemas.openxmlformats.org/officeDocument/2006/relationships" xmlns:p="http://schemas.openxmlformats.org/presentationml/2006/main">
   <p:cSld>
     <p:spTree>
@@ -3870,8 +3962,8 @@
 </p:sld>
 </file>
 
-<file path=ppt/slides/slide6.xml><?xml version="1.0" encoding="utf-8"?>
-<p:sld xmlns:a="http://schemas.openxmlformats.org/drawingml/2006/main" xmlns:r="http://schemas.openxmlformats.org/officeDocument/2006/relationships" xmlns:p="http://schemas.openxmlformats.org/presentationml/2006/main" show="0">
+<file path=ppt/slides/slide7.xml><?xml version="1.0" encoding="utf-8"?>
+<p:sld xmlns:a="http://schemas.openxmlformats.org/drawingml/2006/main" xmlns:r="http://schemas.openxmlformats.org/officeDocument/2006/relationships" xmlns:p="http://schemas.openxmlformats.org/presentationml/2006/main">
   <p:cSld>
     <p:spTree>
       <p:nvGrpSpPr>
@@ -3904,7 +3996,7 @@
           <a:p>
             <a:r>
               <a:rPr kumimoji="1" lang="ja-JP" altLang="en-US" dirty="0" smtClean="0"/>
-              <a:t>キャラクター（仮）</a:t>
+              <a:t>キャラクター機能</a:t>
             </a:r>
             <a:endParaRPr kumimoji="1" lang="ja-JP" altLang="en-US" dirty="0"/>
           </a:p>
@@ -3920,44 +4012,304 @@
             <p:ph idx="1"/>
           </p:nvPr>
         </p:nvSpPr>
-        <p:spPr/>
-        <p:txBody>
-          <a:bodyPr/>
-          <a:lstStyle/>
-          <a:p>
-            <a:r>
-              <a:rPr lang="ja-JP" altLang="en-US" dirty="0"/>
-              <a:t>人間</a:t>
-            </a:r>
-            <a:endParaRPr lang="en-US" altLang="ja-JP" dirty="0"/>
-          </a:p>
-          <a:p>
+        <p:spPr>
+          <a:xfrm>
+            <a:off x="838200" y="1825625"/>
+            <a:ext cx="5220855" cy="4351338"/>
+          </a:xfrm>
+        </p:spPr>
+        <p:txBody>
+          <a:bodyPr/>
+          <a:lstStyle/>
+          <a:p>
+            <a:r>
+              <a:rPr kumimoji="1" lang="ja-JP" altLang="en-US" dirty="0" smtClean="0"/>
+              <a:t>必須</a:t>
+            </a:r>
+            <a:endParaRPr kumimoji="1" lang="en-US" altLang="ja-JP" dirty="0" smtClean="0"/>
+          </a:p>
+          <a:p>
+            <a:pPr lvl="1"/>
+            <a:r>
+              <a:rPr kumimoji="1" lang="ja-JP" altLang="en-US" dirty="0" smtClean="0"/>
+              <a:t>待機</a:t>
+            </a:r>
+            <a:endParaRPr kumimoji="1" lang="en-US" altLang="ja-JP" dirty="0" smtClean="0"/>
+          </a:p>
+          <a:p>
+            <a:pPr lvl="1"/>
+            <a:r>
+              <a:rPr kumimoji="1" lang="ja-JP" altLang="en-US" dirty="0" smtClean="0"/>
+              <a:t>移動　歩き</a:t>
+            </a:r>
+            <a:r>
+              <a:rPr kumimoji="1" lang="en-US" altLang="ja-JP" dirty="0" smtClean="0"/>
+              <a:t>or</a:t>
+            </a:r>
+            <a:r>
+              <a:rPr kumimoji="1" lang="ja-JP" altLang="en-US" dirty="0" smtClean="0"/>
+              <a:t>走り</a:t>
+            </a:r>
+            <a:endParaRPr kumimoji="1" lang="en-US" altLang="ja-JP" dirty="0" smtClean="0"/>
+          </a:p>
+          <a:p>
+            <a:pPr lvl="1"/>
             <a:r>
               <a:rPr lang="ja-JP" altLang="en-US" dirty="0" smtClean="0"/>
-              <a:t>動物（哺乳類）</a:t>
+              <a:t>ジャンプ</a:t>
             </a:r>
             <a:endParaRPr lang="en-US" altLang="ja-JP" dirty="0" smtClean="0"/>
+          </a:p>
+          <a:p>
+            <a:endParaRPr kumimoji="1" lang="en-US" altLang="ja-JP" dirty="0" smtClean="0"/>
+          </a:p>
+          <a:p>
+            <a:endParaRPr kumimoji="1" lang="ja-JP" altLang="en-US" dirty="0"/>
+          </a:p>
+        </p:txBody>
+      </p:sp>
+      <p:sp>
+        <p:nvSpPr>
+          <p:cNvPr id="5" name="コンテンツ プレースホルダー 2"/>
+          <p:cNvSpPr txBox="1">
+            <a:spLocks/>
+          </p:cNvSpPr>
+          <p:nvPr/>
+        </p:nvSpPr>
+        <p:spPr>
+          <a:xfrm>
+            <a:off x="5922818" y="1825625"/>
+            <a:ext cx="5220855" cy="4351338"/>
+          </a:xfrm>
+          <a:prstGeom prst="rect">
+            <a:avLst/>
+          </a:prstGeom>
+        </p:spPr>
+        <p:txBody>
+          <a:bodyPr vert="horz" lIns="91440" tIns="45720" rIns="91440" bIns="45720" rtlCol="0">
+            <a:normAutofit/>
+          </a:bodyPr>
+          <a:lstStyle>
+            <a:lvl1pPr marL="228600" indent="-228600" algn="l" defTabSz="914400" rtl="0" eaLnBrk="1" latinLnBrk="0" hangingPunct="1">
+              <a:lnSpc>
+                <a:spcPct val="90000"/>
+              </a:lnSpc>
+              <a:spcBef>
+                <a:spcPts val="1000"/>
+              </a:spcBef>
+              <a:buFont typeface="Arial" panose="020B0604020202020204" pitchFamily="34" charset="0"/>
+              <a:buChar char="•"/>
+              <a:defRPr kumimoji="1" sz="2800" kern="1200">
+                <a:solidFill>
+                  <a:schemeClr val="tx1"/>
+                </a:solidFill>
+                <a:latin typeface="+mn-lt"/>
+                <a:ea typeface="+mn-ea"/>
+                <a:cs typeface="+mn-cs"/>
+              </a:defRPr>
+            </a:lvl1pPr>
+            <a:lvl2pPr marL="685800" indent="-228600" algn="l" defTabSz="914400" rtl="0" eaLnBrk="1" latinLnBrk="0" hangingPunct="1">
+              <a:lnSpc>
+                <a:spcPct val="90000"/>
+              </a:lnSpc>
+              <a:spcBef>
+                <a:spcPts val="500"/>
+              </a:spcBef>
+              <a:buFont typeface="Arial" panose="020B0604020202020204" pitchFamily="34" charset="0"/>
+              <a:buChar char="•"/>
+              <a:defRPr kumimoji="1" sz="2400" kern="1200">
+                <a:solidFill>
+                  <a:schemeClr val="tx1"/>
+                </a:solidFill>
+                <a:latin typeface="+mn-lt"/>
+                <a:ea typeface="+mn-ea"/>
+                <a:cs typeface="+mn-cs"/>
+              </a:defRPr>
+            </a:lvl2pPr>
+            <a:lvl3pPr marL="1143000" indent="-228600" algn="l" defTabSz="914400" rtl="0" eaLnBrk="1" latinLnBrk="0" hangingPunct="1">
+              <a:lnSpc>
+                <a:spcPct val="90000"/>
+              </a:lnSpc>
+              <a:spcBef>
+                <a:spcPts val="500"/>
+              </a:spcBef>
+              <a:buFont typeface="Arial" panose="020B0604020202020204" pitchFamily="34" charset="0"/>
+              <a:buChar char="•"/>
+              <a:defRPr kumimoji="1" sz="2000" kern="1200">
+                <a:solidFill>
+                  <a:schemeClr val="tx1"/>
+                </a:solidFill>
+                <a:latin typeface="+mn-lt"/>
+                <a:ea typeface="+mn-ea"/>
+                <a:cs typeface="+mn-cs"/>
+              </a:defRPr>
+            </a:lvl3pPr>
+            <a:lvl4pPr marL="1600200" indent="-228600" algn="l" defTabSz="914400" rtl="0" eaLnBrk="1" latinLnBrk="0" hangingPunct="1">
+              <a:lnSpc>
+                <a:spcPct val="90000"/>
+              </a:lnSpc>
+              <a:spcBef>
+                <a:spcPts val="500"/>
+              </a:spcBef>
+              <a:buFont typeface="Arial" panose="020B0604020202020204" pitchFamily="34" charset="0"/>
+              <a:buChar char="•"/>
+              <a:defRPr kumimoji="1" sz="1800" kern="1200">
+                <a:solidFill>
+                  <a:schemeClr val="tx1"/>
+                </a:solidFill>
+                <a:latin typeface="+mn-lt"/>
+                <a:ea typeface="+mn-ea"/>
+                <a:cs typeface="+mn-cs"/>
+              </a:defRPr>
+            </a:lvl4pPr>
+            <a:lvl5pPr marL="2057400" indent="-228600" algn="l" defTabSz="914400" rtl="0" eaLnBrk="1" latinLnBrk="0" hangingPunct="1">
+              <a:lnSpc>
+                <a:spcPct val="90000"/>
+              </a:lnSpc>
+              <a:spcBef>
+                <a:spcPts val="500"/>
+              </a:spcBef>
+              <a:buFont typeface="Arial" panose="020B0604020202020204" pitchFamily="34" charset="0"/>
+              <a:buChar char="•"/>
+              <a:defRPr kumimoji="1" sz="1800" kern="1200">
+                <a:solidFill>
+                  <a:schemeClr val="tx1"/>
+                </a:solidFill>
+                <a:latin typeface="+mn-lt"/>
+                <a:ea typeface="+mn-ea"/>
+                <a:cs typeface="+mn-cs"/>
+              </a:defRPr>
+            </a:lvl5pPr>
+            <a:lvl6pPr marL="2514600" indent="-228600" algn="l" defTabSz="914400" rtl="0" eaLnBrk="1" latinLnBrk="0" hangingPunct="1">
+              <a:lnSpc>
+                <a:spcPct val="90000"/>
+              </a:lnSpc>
+              <a:spcBef>
+                <a:spcPts val="500"/>
+              </a:spcBef>
+              <a:buFont typeface="Arial" panose="020B0604020202020204" pitchFamily="34" charset="0"/>
+              <a:buChar char="•"/>
+              <a:defRPr kumimoji="1" sz="1800" kern="1200">
+                <a:solidFill>
+                  <a:schemeClr val="tx1"/>
+                </a:solidFill>
+                <a:latin typeface="+mn-lt"/>
+                <a:ea typeface="+mn-ea"/>
+                <a:cs typeface="+mn-cs"/>
+              </a:defRPr>
+            </a:lvl6pPr>
+            <a:lvl7pPr marL="2971800" indent="-228600" algn="l" defTabSz="914400" rtl="0" eaLnBrk="1" latinLnBrk="0" hangingPunct="1">
+              <a:lnSpc>
+                <a:spcPct val="90000"/>
+              </a:lnSpc>
+              <a:spcBef>
+                <a:spcPts val="500"/>
+              </a:spcBef>
+              <a:buFont typeface="Arial" panose="020B0604020202020204" pitchFamily="34" charset="0"/>
+              <a:buChar char="•"/>
+              <a:defRPr kumimoji="1" sz="1800" kern="1200">
+                <a:solidFill>
+                  <a:schemeClr val="tx1"/>
+                </a:solidFill>
+                <a:latin typeface="+mn-lt"/>
+                <a:ea typeface="+mn-ea"/>
+                <a:cs typeface="+mn-cs"/>
+              </a:defRPr>
+            </a:lvl7pPr>
+            <a:lvl8pPr marL="3429000" indent="-228600" algn="l" defTabSz="914400" rtl="0" eaLnBrk="1" latinLnBrk="0" hangingPunct="1">
+              <a:lnSpc>
+                <a:spcPct val="90000"/>
+              </a:lnSpc>
+              <a:spcBef>
+                <a:spcPts val="500"/>
+              </a:spcBef>
+              <a:buFont typeface="Arial" panose="020B0604020202020204" pitchFamily="34" charset="0"/>
+              <a:buChar char="•"/>
+              <a:defRPr kumimoji="1" sz="1800" kern="1200">
+                <a:solidFill>
+                  <a:schemeClr val="tx1"/>
+                </a:solidFill>
+                <a:latin typeface="+mn-lt"/>
+                <a:ea typeface="+mn-ea"/>
+                <a:cs typeface="+mn-cs"/>
+              </a:defRPr>
+            </a:lvl8pPr>
+            <a:lvl9pPr marL="3886200" indent="-228600" algn="l" defTabSz="914400" rtl="0" eaLnBrk="1" latinLnBrk="0" hangingPunct="1">
+              <a:lnSpc>
+                <a:spcPct val="90000"/>
+              </a:lnSpc>
+              <a:spcBef>
+                <a:spcPts val="500"/>
+              </a:spcBef>
+              <a:buFont typeface="Arial" panose="020B0604020202020204" pitchFamily="34" charset="0"/>
+              <a:buChar char="•"/>
+              <a:defRPr kumimoji="1" sz="1800" kern="1200">
+                <a:solidFill>
+                  <a:schemeClr val="tx1"/>
+                </a:solidFill>
+                <a:latin typeface="+mn-lt"/>
+                <a:ea typeface="+mn-ea"/>
+                <a:cs typeface="+mn-cs"/>
+              </a:defRPr>
+            </a:lvl9pPr>
+          </a:lstStyle>
+          <a:p>
+            <a:r>
+              <a:rPr lang="ja-JP" altLang="en-US" dirty="0" smtClean="0"/>
+              <a:t>追加</a:t>
+            </a:r>
+            <a:endParaRPr lang="en-US" altLang="ja-JP" smtClean="0"/>
+          </a:p>
+          <a:p>
+            <a:pPr lvl="1"/>
+            <a:r>
+              <a:rPr lang="ja-JP" altLang="en-US" smtClean="0"/>
+              <a:t>待機</a:t>
+            </a:r>
+            <a:endParaRPr lang="en-US" altLang="ja-JP" dirty="0" smtClean="0"/>
+          </a:p>
+          <a:p>
+            <a:pPr lvl="1"/>
+            <a:r>
+              <a:rPr lang="ja-JP" altLang="en-US" dirty="0" smtClean="0"/>
+              <a:t>移動　歩き</a:t>
+            </a:r>
+            <a:r>
+              <a:rPr lang="en-US" altLang="ja-JP" dirty="0" smtClean="0"/>
+              <a:t>or</a:t>
+            </a:r>
+            <a:r>
+              <a:rPr lang="ja-JP" altLang="en-US" dirty="0" smtClean="0"/>
+              <a:t>走り</a:t>
+            </a:r>
+            <a:endParaRPr lang="en-US" altLang="ja-JP" dirty="0" smtClean="0"/>
+          </a:p>
+          <a:p>
+            <a:pPr lvl="1"/>
+            <a:r>
+              <a:rPr lang="ja-JP" altLang="en-US" dirty="0" smtClean="0"/>
+              <a:t>ジャンプ</a:t>
+            </a:r>
+            <a:endParaRPr lang="en-US" altLang="ja-JP" dirty="0" smtClean="0"/>
+          </a:p>
+          <a:p>
+            <a:endParaRPr lang="en-US" altLang="ja-JP" dirty="0" smtClean="0"/>
+          </a:p>
+          <a:p>
+            <a:endParaRPr lang="ja-JP" altLang="en-US" dirty="0"/>
           </a:p>
         </p:txBody>
       </p:sp>
     </p:spTree>
     <p:extLst>
       <p:ext uri="{BB962C8B-B14F-4D97-AF65-F5344CB8AC3E}">
-        <p14:creationId xmlns:p14="http://schemas.microsoft.com/office/powerpoint/2010/main" val="1907180841"/>
+        <p14:creationId xmlns:p14="http://schemas.microsoft.com/office/powerpoint/2010/main" val="1331854505"/>
       </p:ext>
     </p:extLst>
   </p:cSld>
   <p:clrMapOvr>
     <a:masterClrMapping/>
   </p:clrMapOvr>
-  <mc:AlternateContent xmlns:mc="http://schemas.openxmlformats.org/markup-compatibility/2006">
-    <mc:Choice xmlns:p14="http://schemas.microsoft.com/office/powerpoint/2010/main" Requires="p14">
-      <p:transition spd="slow" p14:dur="2000"/>
-    </mc:Choice>
-    <mc:Fallback>
-      <p:transition spd="slow"/>
-    </mc:Fallback>
-  </mc:AlternateContent>
 </p:sld>
 </file>
 

--- a/高松ゲーム.pptx
+++ b/高松ゲーム.pptx
@@ -12,6 +12,8 @@
     <p:sldId id="258" r:id="rId6"/>
     <p:sldId id="261" r:id="rId7"/>
     <p:sldId id="262" r:id="rId8"/>
+    <p:sldId id="264" r:id="rId9"/>
+    <p:sldId id="263" r:id="rId10"/>
   </p:sldIdLst>
   <p:sldSz cx="12192000" cy="6858000"/>
   <p:notesSz cx="6858000" cy="9144000"/>
@@ -4014,8 +4016,8 @@
         </p:nvSpPr>
         <p:spPr>
           <a:xfrm>
-            <a:off x="838200" y="1825625"/>
-            <a:ext cx="5220855" cy="4351338"/>
+            <a:off x="838201" y="1825625"/>
+            <a:ext cx="4897582" cy="4351338"/>
           </a:xfrm>
         </p:spPr>
         <p:txBody>
@@ -4078,8 +4080,8 @@
         </p:nvSpPr>
         <p:spPr>
           <a:xfrm>
-            <a:off x="5922818" y="1825625"/>
-            <a:ext cx="5220855" cy="4351338"/>
+            <a:off x="5941292" y="1825625"/>
+            <a:ext cx="4948382" cy="4351338"/>
           </a:xfrm>
           <a:prstGeom prst="rect">
             <a:avLst/>
@@ -4258,41 +4260,14 @@
               <a:rPr lang="ja-JP" altLang="en-US" dirty="0" smtClean="0"/>
               <a:t>追加</a:t>
             </a:r>
-            <a:endParaRPr lang="en-US" altLang="ja-JP" smtClean="0"/>
+            <a:endParaRPr lang="en-US" altLang="ja-JP" dirty="0" smtClean="0"/>
           </a:p>
           <a:p>
             <a:pPr lvl="1"/>
             <a:r>
               <a:rPr lang="ja-JP" altLang="en-US" smtClean="0"/>
-              <a:t>待機</a:t>
-            </a:r>
-            <a:endParaRPr lang="en-US" altLang="ja-JP" dirty="0" smtClean="0"/>
-          </a:p>
-          <a:p>
-            <a:pPr lvl="1"/>
-            <a:r>
-              <a:rPr lang="ja-JP" altLang="en-US" dirty="0" smtClean="0"/>
-              <a:t>移動　歩き</a:t>
-            </a:r>
-            <a:r>
-              <a:rPr lang="en-US" altLang="ja-JP" dirty="0" smtClean="0"/>
-              <a:t>or</a:t>
-            </a:r>
-            <a:r>
-              <a:rPr lang="ja-JP" altLang="en-US" dirty="0" smtClean="0"/>
-              <a:t>走り</a:t>
-            </a:r>
-            <a:endParaRPr lang="en-US" altLang="ja-JP" dirty="0" smtClean="0"/>
-          </a:p>
-          <a:p>
-            <a:pPr lvl="1"/>
-            <a:r>
-              <a:rPr lang="ja-JP" altLang="en-US" dirty="0" smtClean="0"/>
-              <a:t>ジャンプ</a:t>
-            </a:r>
-            <a:endParaRPr lang="en-US" altLang="ja-JP" dirty="0" smtClean="0"/>
-          </a:p>
-          <a:p>
+              <a:t>しゃがむ</a:t>
+            </a:r>
             <a:endParaRPr lang="en-US" altLang="ja-JP" dirty="0" smtClean="0"/>
           </a:p>
           <a:p>
@@ -4304,6 +4279,191 @@
     <p:extLst>
       <p:ext uri="{BB962C8B-B14F-4D97-AF65-F5344CB8AC3E}">
         <p14:creationId xmlns:p14="http://schemas.microsoft.com/office/powerpoint/2010/main" val="1331854505"/>
+      </p:ext>
+    </p:extLst>
+  </p:cSld>
+  <p:clrMapOvr>
+    <a:masterClrMapping/>
+  </p:clrMapOvr>
+</p:sld>
+</file>
+
+<file path=ppt/slides/slide8.xml><?xml version="1.0" encoding="utf-8"?>
+<p:sld xmlns:a="http://schemas.openxmlformats.org/drawingml/2006/main" xmlns:r="http://schemas.openxmlformats.org/officeDocument/2006/relationships" xmlns:p="http://schemas.openxmlformats.org/presentationml/2006/main">
+  <p:cSld>
+    <p:spTree>
+      <p:nvGrpSpPr>
+        <p:cNvPr id="1" name=""/>
+        <p:cNvGrpSpPr/>
+        <p:nvPr/>
+      </p:nvGrpSpPr>
+      <p:grpSpPr>
+        <a:xfrm>
+          <a:off x="0" y="0"/>
+          <a:ext cx="0" cy="0"/>
+          <a:chOff x="0" y="0"/>
+          <a:chExt cx="0" cy="0"/>
+        </a:xfrm>
+      </p:grpSpPr>
+      <p:sp>
+        <p:nvSpPr>
+          <p:cNvPr id="2" name="タイトル 1"/>
+          <p:cNvSpPr>
+            <a:spLocks noGrp="1"/>
+          </p:cNvSpPr>
+          <p:nvPr>
+            <p:ph type="title"/>
+          </p:nvPr>
+        </p:nvSpPr>
+        <p:spPr/>
+        <p:txBody>
+          <a:bodyPr/>
+          <a:lstStyle/>
+          <a:p>
+            <a:r>
+              <a:rPr lang="en-US" altLang="ja-JP" dirty="0"/>
+              <a:t>UI</a:t>
+            </a:r>
+            <a:endParaRPr kumimoji="1" lang="ja-JP" altLang="en-US" dirty="0"/>
+          </a:p>
+        </p:txBody>
+      </p:sp>
+      <p:sp>
+        <p:nvSpPr>
+          <p:cNvPr id="3" name="コンテンツ プレースホルダー 2"/>
+          <p:cNvSpPr>
+            <a:spLocks noGrp="1"/>
+          </p:cNvSpPr>
+          <p:nvPr>
+            <p:ph idx="1"/>
+          </p:nvPr>
+        </p:nvSpPr>
+        <p:spPr>
+          <a:xfrm>
+            <a:off x="838201" y="1825625"/>
+            <a:ext cx="4897582" cy="4351338"/>
+          </a:xfrm>
+        </p:spPr>
+        <p:txBody>
+          <a:bodyPr/>
+          <a:lstStyle/>
+          <a:p>
+            <a:r>
+              <a:rPr kumimoji="1" lang="ja-JP" altLang="en-US" dirty="0" smtClean="0"/>
+              <a:t>必須</a:t>
+            </a:r>
+            <a:endParaRPr kumimoji="1" lang="en-US" altLang="ja-JP" dirty="0" smtClean="0"/>
+          </a:p>
+          <a:p>
+            <a:pPr lvl="1"/>
+            <a:r>
+              <a:rPr kumimoji="1" lang="ja-JP" altLang="en-US" dirty="0" smtClean="0"/>
+              <a:t>タイム</a:t>
+            </a:r>
+            <a:endParaRPr kumimoji="1" lang="en-US" altLang="ja-JP" dirty="0" smtClean="0"/>
+          </a:p>
+          <a:p>
+            <a:pPr lvl="1"/>
+            <a:r>
+              <a:rPr kumimoji="1" lang="ja-JP" altLang="en-US" dirty="0" smtClean="0"/>
+              <a:t>アイテム欄</a:t>
+            </a:r>
+            <a:endParaRPr kumimoji="1" lang="en-US" altLang="ja-JP" dirty="0" smtClean="0"/>
+          </a:p>
+          <a:p>
+            <a:pPr lvl="1"/>
+            <a:r>
+              <a:rPr lang="ja-JP" altLang="en-US" dirty="0" smtClean="0"/>
+              <a:t>体力（</a:t>
+            </a:r>
+            <a:r>
+              <a:rPr lang="ja-JP" altLang="en-US" dirty="0"/>
+              <a:t>ライフ</a:t>
+            </a:r>
+            <a:r>
+              <a:rPr lang="ja-JP" altLang="en-US" dirty="0" smtClean="0"/>
+              <a:t>）</a:t>
+            </a:r>
+            <a:endParaRPr lang="en-US" altLang="ja-JP" dirty="0"/>
+          </a:p>
+          <a:p>
+            <a:pPr lvl="1"/>
+            <a:endParaRPr kumimoji="1" lang="ja-JP" altLang="en-US" dirty="0"/>
+          </a:p>
+        </p:txBody>
+      </p:sp>
+    </p:spTree>
+    <p:extLst>
+      <p:ext uri="{BB962C8B-B14F-4D97-AF65-F5344CB8AC3E}">
+        <p14:creationId xmlns:p14="http://schemas.microsoft.com/office/powerpoint/2010/main" val="3118420705"/>
+      </p:ext>
+    </p:extLst>
+  </p:cSld>
+  <p:clrMapOvr>
+    <a:masterClrMapping/>
+  </p:clrMapOvr>
+</p:sld>
+</file>
+
+<file path=ppt/slides/slide9.xml><?xml version="1.0" encoding="utf-8"?>
+<p:sld xmlns:a="http://schemas.openxmlformats.org/drawingml/2006/main" xmlns:r="http://schemas.openxmlformats.org/officeDocument/2006/relationships" xmlns:p="http://schemas.openxmlformats.org/presentationml/2006/main">
+  <p:cSld>
+    <p:spTree>
+      <p:nvGrpSpPr>
+        <p:cNvPr id="1" name=""/>
+        <p:cNvGrpSpPr/>
+        <p:nvPr/>
+      </p:nvGrpSpPr>
+      <p:grpSpPr>
+        <a:xfrm>
+          <a:off x="0" y="0"/>
+          <a:ext cx="0" cy="0"/>
+          <a:chOff x="0" y="0"/>
+          <a:chExt cx="0" cy="0"/>
+        </a:xfrm>
+      </p:grpSpPr>
+      <p:sp>
+        <p:nvSpPr>
+          <p:cNvPr id="2" name="タイトル 1"/>
+          <p:cNvSpPr>
+            <a:spLocks noGrp="1"/>
+          </p:cNvSpPr>
+          <p:nvPr>
+            <p:ph type="title"/>
+          </p:nvPr>
+        </p:nvSpPr>
+        <p:spPr/>
+        <p:txBody>
+          <a:bodyPr/>
+          <a:lstStyle/>
+          <a:p>
+            <a:endParaRPr kumimoji="1" lang="ja-JP" altLang="en-US" dirty="0"/>
+          </a:p>
+        </p:txBody>
+      </p:sp>
+      <p:sp>
+        <p:nvSpPr>
+          <p:cNvPr id="3" name="コンテンツ プレースホルダー 2"/>
+          <p:cNvSpPr>
+            <a:spLocks noGrp="1"/>
+          </p:cNvSpPr>
+          <p:nvPr>
+            <p:ph idx="1"/>
+          </p:nvPr>
+        </p:nvSpPr>
+        <p:spPr/>
+        <p:txBody>
+          <a:bodyPr/>
+          <a:lstStyle/>
+          <a:p>
+            <a:endParaRPr kumimoji="1" lang="ja-JP" altLang="en-US" dirty="0"/>
+          </a:p>
+        </p:txBody>
+      </p:sp>
+    </p:spTree>
+    <p:extLst>
+      <p:ext uri="{BB962C8B-B14F-4D97-AF65-F5344CB8AC3E}">
+        <p14:creationId xmlns:p14="http://schemas.microsoft.com/office/powerpoint/2010/main" val="302215983"/>
       </p:ext>
     </p:extLst>
   </p:cSld>

--- a/高松ゲーム.pptx
+++ b/高松ゲーム.pptx
@@ -7,13 +7,11 @@
   <p:sldIdLst>
     <p:sldId id="256" r:id="rId2"/>
     <p:sldId id="257" r:id="rId3"/>
-    <p:sldId id="259" r:id="rId4"/>
-    <p:sldId id="260" r:id="rId5"/>
-    <p:sldId id="258" r:id="rId6"/>
-    <p:sldId id="261" r:id="rId7"/>
-    <p:sldId id="262" r:id="rId8"/>
-    <p:sldId id="264" r:id="rId9"/>
-    <p:sldId id="263" r:id="rId10"/>
+    <p:sldId id="261" r:id="rId4"/>
+    <p:sldId id="262" r:id="rId5"/>
+    <p:sldId id="264" r:id="rId6"/>
+    <p:sldId id="265" r:id="rId7"/>
+    <p:sldId id="266" r:id="rId8"/>
   </p:sldIdLst>
   <p:sldSz cx="12192000" cy="6858000"/>
   <p:notesSz cx="6858000" cy="9144000"/>
@@ -3444,375 +3442,6 @@
 </file>
 
 <file path=ppt/slides/slide3.xml><?xml version="1.0" encoding="utf-8"?>
-<p:sld xmlns:a="http://schemas.openxmlformats.org/drawingml/2006/main" xmlns:r="http://schemas.openxmlformats.org/officeDocument/2006/relationships" xmlns:p="http://schemas.openxmlformats.org/presentationml/2006/main" show="0">
-  <p:cSld>
-    <p:spTree>
-      <p:nvGrpSpPr>
-        <p:cNvPr id="1" name=""/>
-        <p:cNvGrpSpPr/>
-        <p:nvPr/>
-      </p:nvGrpSpPr>
-      <p:grpSpPr>
-        <a:xfrm>
-          <a:off x="0" y="0"/>
-          <a:ext cx="0" cy="0"/>
-          <a:chOff x="0" y="0"/>
-          <a:chExt cx="0" cy="0"/>
-        </a:xfrm>
-      </p:grpSpPr>
-      <p:sp>
-        <p:nvSpPr>
-          <p:cNvPr id="2" name="タイトル 1"/>
-          <p:cNvSpPr>
-            <a:spLocks noGrp="1"/>
-          </p:cNvSpPr>
-          <p:nvPr>
-            <p:ph type="title"/>
-          </p:nvPr>
-        </p:nvSpPr>
-        <p:spPr/>
-        <p:txBody>
-          <a:bodyPr/>
-          <a:lstStyle/>
-          <a:p>
-            <a:r>
-              <a:rPr kumimoji="1" lang="ja-JP" altLang="en-US" dirty="0" smtClean="0"/>
-              <a:t>案１</a:t>
-            </a:r>
-            <a:endParaRPr kumimoji="1" lang="ja-JP" altLang="en-US" dirty="0"/>
-          </a:p>
-        </p:txBody>
-      </p:sp>
-      <p:sp>
-        <p:nvSpPr>
-          <p:cNvPr id="3" name="コンテンツ プレースホルダー 2"/>
-          <p:cNvSpPr>
-            <a:spLocks noGrp="1"/>
-          </p:cNvSpPr>
-          <p:nvPr>
-            <p:ph idx="1"/>
-          </p:nvPr>
-        </p:nvSpPr>
-        <p:spPr>
-          <a:xfrm>
-            <a:off x="838200" y="1825625"/>
-            <a:ext cx="6680200" cy="4351338"/>
-          </a:xfrm>
-        </p:spPr>
-        <p:txBody>
-          <a:bodyPr/>
-          <a:lstStyle/>
-          <a:p>
-            <a:r>
-              <a:rPr kumimoji="1" lang="ja-JP" altLang="en-US" dirty="0" smtClean="0"/>
-              <a:t>地雷</a:t>
-            </a:r>
-            <a:endParaRPr kumimoji="1" lang="en-US" altLang="ja-JP" dirty="0" smtClean="0"/>
-          </a:p>
-          <a:p>
-            <a:pPr lvl="1"/>
-            <a:r>
-              <a:rPr kumimoji="1" lang="ja-JP" altLang="en-US" dirty="0" smtClean="0"/>
-              <a:t>主人公　</a:t>
-            </a:r>
-            <a:r>
-              <a:rPr lang="ja-JP" altLang="en-US" dirty="0" smtClean="0"/>
-              <a:t>立ち絵　</a:t>
-            </a:r>
-            <a:r>
-              <a:rPr kumimoji="1" lang="ja-JP" altLang="en-US" dirty="0" smtClean="0"/>
-              <a:t>移動　ジャンプ　地雷</a:t>
-            </a:r>
-            <a:endParaRPr kumimoji="1" lang="en-US" altLang="ja-JP" dirty="0" smtClean="0"/>
-          </a:p>
-          <a:p>
-            <a:pPr lvl="1"/>
-            <a:r>
-              <a:rPr lang="ja-JP" altLang="en-US" dirty="0" smtClean="0"/>
-              <a:t>敵　立ち絵　移動　（色変え）</a:t>
-            </a:r>
-            <a:endParaRPr lang="en-US" altLang="ja-JP" dirty="0"/>
-          </a:p>
-          <a:p>
-            <a:pPr lvl="2"/>
-            <a:r>
-              <a:rPr lang="ja-JP" altLang="en-US" dirty="0" smtClean="0"/>
-              <a:t>煙</a:t>
-            </a:r>
-            <a:endParaRPr lang="en-US" altLang="ja-JP" dirty="0" smtClean="0"/>
-          </a:p>
-          <a:p>
-            <a:pPr lvl="2"/>
-            <a:r>
-              <a:rPr lang="ja-JP" altLang="en-US" dirty="0" smtClean="0"/>
-              <a:t>吹っ飛び（回転）</a:t>
-            </a:r>
-            <a:endParaRPr lang="en-US" altLang="ja-JP" dirty="0" smtClean="0"/>
-          </a:p>
-          <a:p>
-            <a:pPr lvl="2"/>
-            <a:r>
-              <a:rPr lang="ja-JP" altLang="en-US" dirty="0" smtClean="0"/>
-              <a:t>ヤムチャ</a:t>
-            </a:r>
-            <a:endParaRPr lang="en-US" altLang="ja-JP" dirty="0"/>
-          </a:p>
-          <a:p>
-            <a:pPr lvl="1"/>
-            <a:r>
-              <a:rPr kumimoji="1" lang="ja-JP" altLang="en-US" dirty="0" smtClean="0"/>
-              <a:t>倒すとスコアが上がる</a:t>
-            </a:r>
-            <a:endParaRPr kumimoji="1" lang="en-US" altLang="ja-JP" dirty="0" smtClean="0"/>
-          </a:p>
-          <a:p>
-            <a:pPr lvl="1"/>
-            <a:endParaRPr lang="en-US" altLang="ja-JP" dirty="0"/>
-          </a:p>
-          <a:p>
-            <a:pPr lvl="1"/>
-            <a:endParaRPr kumimoji="1" lang="en-US" altLang="ja-JP" dirty="0" smtClean="0"/>
-          </a:p>
-        </p:txBody>
-      </p:sp>
-    </p:spTree>
-    <p:extLst>
-      <p:ext uri="{BB962C8B-B14F-4D97-AF65-F5344CB8AC3E}">
-        <p14:creationId xmlns:p14="http://schemas.microsoft.com/office/powerpoint/2010/main" val="3181809510"/>
-      </p:ext>
-    </p:extLst>
-  </p:cSld>
-  <p:clrMapOvr>
-    <a:masterClrMapping/>
-  </p:clrMapOvr>
-  <mc:AlternateContent xmlns:mc="http://schemas.openxmlformats.org/markup-compatibility/2006" xmlns:p14="http://schemas.microsoft.com/office/powerpoint/2010/main">
-    <mc:Choice Requires="p14">
-      <p:transition spd="slow" p14:dur="2000"/>
-    </mc:Choice>
-    <mc:Fallback xmlns="">
-      <p:transition spd="slow"/>
-    </mc:Fallback>
-  </mc:AlternateContent>
-</p:sld>
-</file>
-
-<file path=ppt/slides/slide4.xml><?xml version="1.0" encoding="utf-8"?>
-<p:sld xmlns:a="http://schemas.openxmlformats.org/drawingml/2006/main" xmlns:r="http://schemas.openxmlformats.org/officeDocument/2006/relationships" xmlns:p="http://schemas.openxmlformats.org/presentationml/2006/main" show="0">
-  <p:cSld>
-    <p:spTree>
-      <p:nvGrpSpPr>
-        <p:cNvPr id="1" name=""/>
-        <p:cNvGrpSpPr/>
-        <p:nvPr/>
-      </p:nvGrpSpPr>
-      <p:grpSpPr>
-        <a:xfrm>
-          <a:off x="0" y="0"/>
-          <a:ext cx="0" cy="0"/>
-          <a:chOff x="0" y="0"/>
-          <a:chExt cx="0" cy="0"/>
-        </a:xfrm>
-      </p:grpSpPr>
-      <p:sp>
-        <p:nvSpPr>
-          <p:cNvPr id="2" name="タイトル 1"/>
-          <p:cNvSpPr>
-            <a:spLocks noGrp="1"/>
-          </p:cNvSpPr>
-          <p:nvPr>
-            <p:ph type="title"/>
-          </p:nvPr>
-        </p:nvSpPr>
-        <p:spPr/>
-        <p:txBody>
-          <a:bodyPr/>
-          <a:lstStyle/>
-          <a:p>
-            <a:r>
-              <a:rPr lang="ja-JP" altLang="en-US" dirty="0" smtClean="0"/>
-              <a:t>案２</a:t>
-            </a:r>
-            <a:endParaRPr kumimoji="1" lang="ja-JP" altLang="en-US" dirty="0"/>
-          </a:p>
-        </p:txBody>
-      </p:sp>
-      <p:sp>
-        <p:nvSpPr>
-          <p:cNvPr id="3" name="コンテンツ プレースホルダー 2"/>
-          <p:cNvSpPr>
-            <a:spLocks noGrp="1"/>
-          </p:cNvSpPr>
-          <p:nvPr>
-            <p:ph idx="1"/>
-          </p:nvPr>
-        </p:nvSpPr>
-        <p:spPr>
-          <a:xfrm>
-            <a:off x="838200" y="1825625"/>
-            <a:ext cx="7714673" cy="4351338"/>
-          </a:xfrm>
-        </p:spPr>
-        <p:txBody>
-          <a:bodyPr/>
-          <a:lstStyle/>
-          <a:p>
-            <a:r>
-              <a:rPr lang="ja-JP" altLang="en-US" dirty="0" smtClean="0"/>
-              <a:t>エジプト（ピラミッド）</a:t>
-            </a:r>
-            <a:endParaRPr lang="en-US" altLang="ja-JP" dirty="0" smtClean="0"/>
-          </a:p>
-          <a:p>
-            <a:pPr lvl="1"/>
-            <a:r>
-              <a:rPr kumimoji="1" lang="ja-JP" altLang="en-US" dirty="0" smtClean="0"/>
-              <a:t>主人公　</a:t>
-            </a:r>
-            <a:r>
-              <a:rPr lang="ja-JP" altLang="en-US" dirty="0" smtClean="0"/>
-              <a:t>立ち絵　</a:t>
-            </a:r>
-            <a:r>
-              <a:rPr kumimoji="1" lang="ja-JP" altLang="en-US" dirty="0" smtClean="0"/>
-              <a:t>移動　ジャンプ</a:t>
-            </a:r>
-            <a:r>
-              <a:rPr lang="ja-JP" altLang="en-US" dirty="0" smtClean="0"/>
-              <a:t>　アクション　</a:t>
-            </a:r>
-            <a:endParaRPr kumimoji="1" lang="en-US" altLang="ja-JP" dirty="0" smtClean="0"/>
-          </a:p>
-          <a:p>
-            <a:pPr lvl="1"/>
-            <a:r>
-              <a:rPr kumimoji="1" lang="ja-JP" altLang="en-US" dirty="0" smtClean="0"/>
-              <a:t>アイテム（１枚絵）</a:t>
-            </a:r>
-            <a:endParaRPr kumimoji="1" lang="en-US" altLang="ja-JP" dirty="0" smtClean="0"/>
-          </a:p>
-          <a:p>
-            <a:pPr lvl="1"/>
-            <a:r>
-              <a:rPr lang="ja-JP" altLang="en-US" dirty="0" smtClean="0"/>
-              <a:t>宝探し</a:t>
-            </a:r>
-            <a:endParaRPr kumimoji="1" lang="en-US" altLang="ja-JP" dirty="0" smtClean="0"/>
-          </a:p>
-        </p:txBody>
-      </p:sp>
-    </p:spTree>
-    <p:extLst>
-      <p:ext uri="{BB962C8B-B14F-4D97-AF65-F5344CB8AC3E}">
-        <p14:creationId xmlns:p14="http://schemas.microsoft.com/office/powerpoint/2010/main" val="306862647"/>
-      </p:ext>
-    </p:extLst>
-  </p:cSld>
-  <p:clrMapOvr>
-    <a:masterClrMapping/>
-  </p:clrMapOvr>
-  <mc:AlternateContent xmlns:mc="http://schemas.openxmlformats.org/markup-compatibility/2006" xmlns:p14="http://schemas.microsoft.com/office/powerpoint/2010/main">
-    <mc:Choice Requires="p14">
-      <p:transition spd="slow" p14:dur="2000"/>
-    </mc:Choice>
-    <mc:Fallback xmlns="">
-      <p:transition spd="slow"/>
-    </mc:Fallback>
-  </mc:AlternateContent>
-</p:sld>
-</file>
-
-<file path=ppt/slides/slide5.xml><?xml version="1.0" encoding="utf-8"?>
-<p:sld xmlns:a="http://schemas.openxmlformats.org/drawingml/2006/main" xmlns:r="http://schemas.openxmlformats.org/officeDocument/2006/relationships" xmlns:p="http://schemas.openxmlformats.org/presentationml/2006/main" show="0">
-  <p:cSld>
-    <p:spTree>
-      <p:nvGrpSpPr>
-        <p:cNvPr id="1" name=""/>
-        <p:cNvGrpSpPr/>
-        <p:nvPr/>
-      </p:nvGrpSpPr>
-      <p:grpSpPr>
-        <a:xfrm>
-          <a:off x="0" y="0"/>
-          <a:ext cx="0" cy="0"/>
-          <a:chOff x="0" y="0"/>
-          <a:chExt cx="0" cy="0"/>
-        </a:xfrm>
-      </p:grpSpPr>
-      <p:sp>
-        <p:nvSpPr>
-          <p:cNvPr id="2" name="タイトル 1"/>
-          <p:cNvSpPr>
-            <a:spLocks noGrp="1"/>
-          </p:cNvSpPr>
-          <p:nvPr>
-            <p:ph type="title"/>
-          </p:nvPr>
-        </p:nvSpPr>
-        <p:spPr/>
-        <p:txBody>
-          <a:bodyPr/>
-          <a:lstStyle/>
-          <a:p>
-            <a:r>
-              <a:rPr kumimoji="1" lang="ja-JP" altLang="en-US" dirty="0" smtClean="0"/>
-              <a:t>キャラクター（仮）</a:t>
-            </a:r>
-            <a:endParaRPr kumimoji="1" lang="ja-JP" altLang="en-US" dirty="0"/>
-          </a:p>
-        </p:txBody>
-      </p:sp>
-      <p:sp>
-        <p:nvSpPr>
-          <p:cNvPr id="3" name="コンテンツ プレースホルダー 2"/>
-          <p:cNvSpPr>
-            <a:spLocks noGrp="1"/>
-          </p:cNvSpPr>
-          <p:nvPr>
-            <p:ph idx="1"/>
-          </p:nvPr>
-        </p:nvSpPr>
-        <p:spPr/>
-        <p:txBody>
-          <a:bodyPr/>
-          <a:lstStyle/>
-          <a:p>
-            <a:r>
-              <a:rPr lang="ja-JP" altLang="en-US" dirty="0"/>
-              <a:t>人間</a:t>
-            </a:r>
-            <a:endParaRPr lang="en-US" altLang="ja-JP" dirty="0"/>
-          </a:p>
-          <a:p>
-            <a:r>
-              <a:rPr lang="ja-JP" altLang="en-US" dirty="0" smtClean="0"/>
-              <a:t>動物（哺乳類）</a:t>
-            </a:r>
-            <a:endParaRPr lang="en-US" altLang="ja-JP" dirty="0" smtClean="0"/>
-          </a:p>
-        </p:txBody>
-      </p:sp>
-    </p:spTree>
-    <p:extLst>
-      <p:ext uri="{BB962C8B-B14F-4D97-AF65-F5344CB8AC3E}">
-        <p14:creationId xmlns:p14="http://schemas.microsoft.com/office/powerpoint/2010/main" val="1907180841"/>
-      </p:ext>
-    </p:extLst>
-  </p:cSld>
-  <p:clrMapOvr>
-    <a:masterClrMapping/>
-  </p:clrMapOvr>
-  <mc:AlternateContent xmlns:mc="http://schemas.openxmlformats.org/markup-compatibility/2006" xmlns:p14="http://schemas.microsoft.com/office/powerpoint/2010/main">
-    <mc:Choice Requires="p14">
-      <p:transition spd="slow" p14:dur="2000"/>
-    </mc:Choice>
-    <mc:Fallback xmlns="">
-      <p:transition spd="slow"/>
-    </mc:Fallback>
-  </mc:AlternateContent>
-</p:sld>
-</file>
-
-<file path=ppt/slides/slide6.xml><?xml version="1.0" encoding="utf-8"?>
 <p:sld xmlns:a="http://schemas.openxmlformats.org/drawingml/2006/main" xmlns:r="http://schemas.openxmlformats.org/officeDocument/2006/relationships" xmlns:p="http://schemas.openxmlformats.org/presentationml/2006/main">
   <p:cSld>
     <p:spTree>
@@ -3964,7 +3593,7 @@
 </p:sld>
 </file>
 
-<file path=ppt/slides/slide7.xml><?xml version="1.0" encoding="utf-8"?>
+<file path=ppt/slides/slide4.xml><?xml version="1.0" encoding="utf-8"?>
 <p:sld xmlns:a="http://schemas.openxmlformats.org/drawingml/2006/main" xmlns:r="http://schemas.openxmlformats.org/officeDocument/2006/relationships" xmlns:p="http://schemas.openxmlformats.org/presentationml/2006/main">
   <p:cSld>
     <p:spTree>
@@ -4263,14 +3892,6 @@
             <a:endParaRPr lang="en-US" altLang="ja-JP" dirty="0" smtClean="0"/>
           </a:p>
           <a:p>
-            <a:pPr lvl="1"/>
-            <a:r>
-              <a:rPr lang="ja-JP" altLang="en-US" smtClean="0"/>
-              <a:t>しゃがむ</a:t>
-            </a:r>
-            <a:endParaRPr lang="en-US" altLang="ja-JP" dirty="0" smtClean="0"/>
-          </a:p>
-          <a:p>
             <a:endParaRPr lang="ja-JP" altLang="en-US" dirty="0"/>
           </a:p>
         </p:txBody>
@@ -4288,7 +3909,7 @@
 </p:sld>
 </file>
 
-<file path=ppt/slides/slide8.xml><?xml version="1.0" encoding="utf-8"?>
+<file path=ppt/slides/slide5.xml><?xml version="1.0" encoding="utf-8"?>
 <p:sld xmlns:a="http://schemas.openxmlformats.org/drawingml/2006/main" xmlns:r="http://schemas.openxmlformats.org/officeDocument/2006/relationships" xmlns:p="http://schemas.openxmlformats.org/presentationml/2006/main">
   <p:cSld>
     <p:spTree>
@@ -4405,7 +4026,7 @@
 </p:sld>
 </file>
 
-<file path=ppt/slides/slide9.xml><?xml version="1.0" encoding="utf-8"?>
+<file path=ppt/slides/slide6.xml><?xml version="1.0" encoding="utf-8"?>
 <p:sld xmlns:a="http://schemas.openxmlformats.org/drawingml/2006/main" xmlns:r="http://schemas.openxmlformats.org/officeDocument/2006/relationships" xmlns:p="http://schemas.openxmlformats.org/presentationml/2006/main">
   <p:cSld>
     <p:spTree>
@@ -4437,6 +4058,10 @@
           <a:bodyPr/>
           <a:lstStyle/>
           <a:p>
+            <a:r>
+              <a:rPr kumimoji="1" lang="ja-JP" altLang="en-US" dirty="0" smtClean="0"/>
+              <a:t>ギミック</a:t>
+            </a:r>
             <a:endParaRPr kumimoji="1" lang="ja-JP" altLang="en-US" dirty="0"/>
           </a:p>
         </p:txBody>
@@ -4456,14 +4081,93 @@
           <a:bodyPr/>
           <a:lstStyle/>
           <a:p>
-            <a:endParaRPr kumimoji="1" lang="ja-JP" altLang="en-US" dirty="0"/>
+            <a:r>
+              <a:rPr kumimoji="1" lang="ja-JP" altLang="en-US" dirty="0" smtClean="0"/>
+              <a:t>とげ</a:t>
+            </a:r>
+            <a:endParaRPr kumimoji="1" lang="en-US" altLang="ja-JP" smtClean="0"/>
+          </a:p>
+          <a:p>
+            <a:endParaRPr kumimoji="1" lang="ja-JP" altLang="en-US"/>
           </a:p>
         </p:txBody>
       </p:sp>
     </p:spTree>
     <p:extLst>
       <p:ext uri="{BB962C8B-B14F-4D97-AF65-F5344CB8AC3E}">
-        <p14:creationId xmlns:p14="http://schemas.microsoft.com/office/powerpoint/2010/main" val="302215983"/>
+        <p14:creationId xmlns:p14="http://schemas.microsoft.com/office/powerpoint/2010/main" val="1462438941"/>
+      </p:ext>
+    </p:extLst>
+  </p:cSld>
+  <p:clrMapOvr>
+    <a:masterClrMapping/>
+  </p:clrMapOvr>
+</p:sld>
+</file>
+
+<file path=ppt/slides/slide7.xml><?xml version="1.0" encoding="utf-8"?>
+<p:sld xmlns:a="http://schemas.openxmlformats.org/drawingml/2006/main" xmlns:r="http://schemas.openxmlformats.org/officeDocument/2006/relationships" xmlns:p="http://schemas.openxmlformats.org/presentationml/2006/main">
+  <p:cSld>
+    <p:spTree>
+      <p:nvGrpSpPr>
+        <p:cNvPr id="1" name=""/>
+        <p:cNvGrpSpPr/>
+        <p:nvPr/>
+      </p:nvGrpSpPr>
+      <p:grpSpPr>
+        <a:xfrm>
+          <a:off x="0" y="0"/>
+          <a:ext cx="0" cy="0"/>
+          <a:chOff x="0" y="0"/>
+          <a:chExt cx="0" cy="0"/>
+        </a:xfrm>
+      </p:grpSpPr>
+      <p:sp>
+        <p:nvSpPr>
+          <p:cNvPr id="2" name="タイトル 1"/>
+          <p:cNvSpPr>
+            <a:spLocks noGrp="1"/>
+          </p:cNvSpPr>
+          <p:nvPr>
+            <p:ph type="title"/>
+          </p:nvPr>
+        </p:nvSpPr>
+        <p:spPr/>
+        <p:txBody>
+          <a:bodyPr/>
+          <a:lstStyle/>
+          <a:p>
+            <a:r>
+              <a:rPr kumimoji="1" lang="ja-JP" altLang="en-US" dirty="0" smtClean="0"/>
+              <a:t>謎解き</a:t>
+            </a:r>
+            <a:endParaRPr kumimoji="1" lang="ja-JP" altLang="en-US" dirty="0"/>
+          </a:p>
+        </p:txBody>
+      </p:sp>
+      <p:sp>
+        <p:nvSpPr>
+          <p:cNvPr id="3" name="コンテンツ プレースホルダー 2"/>
+          <p:cNvSpPr>
+            <a:spLocks noGrp="1"/>
+          </p:cNvSpPr>
+          <p:nvPr>
+            <p:ph idx="1"/>
+          </p:nvPr>
+        </p:nvSpPr>
+        <p:spPr/>
+        <p:txBody>
+          <a:bodyPr/>
+          <a:lstStyle/>
+          <a:p>
+            <a:endParaRPr kumimoji="1" lang="ja-JP" altLang="en-US"/>
+          </a:p>
+        </p:txBody>
+      </p:sp>
+    </p:spTree>
+    <p:extLst>
+      <p:ext uri="{BB962C8B-B14F-4D97-AF65-F5344CB8AC3E}">
+        <p14:creationId xmlns:p14="http://schemas.microsoft.com/office/powerpoint/2010/main" val="2074375557"/>
       </p:ext>
     </p:extLst>
   </p:cSld>

--- a/高松ゲーム.pptx
+++ b/高松ゲーム.pptx
@@ -4,6 +4,9 @@
   <p:sldMasterIdLst>
     <p:sldMasterId id="2147483648" r:id="rId1"/>
   </p:sldMasterIdLst>
+  <p:notesMasterIdLst>
+    <p:notesMasterId r:id="rId12"/>
+  </p:notesMasterIdLst>
   <p:sldIdLst>
     <p:sldId id="256" r:id="rId2"/>
     <p:sldId id="257" r:id="rId3"/>
@@ -12,6 +15,9 @@
     <p:sldId id="264" r:id="rId6"/>
     <p:sldId id="265" r:id="rId7"/>
     <p:sldId id="266" r:id="rId8"/>
+    <p:sldId id="267" r:id="rId9"/>
+    <p:sldId id="269" r:id="rId10"/>
+    <p:sldId id="271" r:id="rId11"/>
   </p:sldIdLst>
   <p:sldSz cx="12192000" cy="6858000"/>
   <p:notesSz cx="6858000" cy="9144000"/>
@@ -118,6 +124,556 @@
 </p:presentation>
 </file>
 
+<file path=ppt/notesMasters/notesMaster1.xml><?xml version="1.0" encoding="utf-8"?>
+<p:notesMaster xmlns:a="http://schemas.openxmlformats.org/drawingml/2006/main" xmlns:r="http://schemas.openxmlformats.org/officeDocument/2006/relationships" xmlns:p="http://schemas.openxmlformats.org/presentationml/2006/main">
+  <p:cSld>
+    <p:bg>
+      <p:bgRef idx="1001">
+        <a:schemeClr val="bg1"/>
+      </p:bgRef>
+    </p:bg>
+    <p:spTree>
+      <p:nvGrpSpPr>
+        <p:cNvPr id="1" name=""/>
+        <p:cNvGrpSpPr/>
+        <p:nvPr/>
+      </p:nvGrpSpPr>
+      <p:grpSpPr>
+        <a:xfrm>
+          <a:off x="0" y="0"/>
+          <a:ext cx="0" cy="0"/>
+          <a:chOff x="0" y="0"/>
+          <a:chExt cx="0" cy="0"/>
+        </a:xfrm>
+      </p:grpSpPr>
+      <p:sp>
+        <p:nvSpPr>
+          <p:cNvPr id="2" name="ヘッダー プレースホルダー 1"/>
+          <p:cNvSpPr>
+            <a:spLocks noGrp="1"/>
+          </p:cNvSpPr>
+          <p:nvPr>
+            <p:ph type="hdr" sz="quarter"/>
+          </p:nvPr>
+        </p:nvSpPr>
+        <p:spPr>
+          <a:xfrm>
+            <a:off x="0" y="0"/>
+            <a:ext cx="2971800" cy="458788"/>
+          </a:xfrm>
+          <a:prstGeom prst="rect">
+            <a:avLst/>
+          </a:prstGeom>
+        </p:spPr>
+        <p:txBody>
+          <a:bodyPr vert="horz" lIns="91440" tIns="45720" rIns="91440" bIns="45720" rtlCol="0"/>
+          <a:lstStyle>
+            <a:lvl1pPr algn="l">
+              <a:defRPr sz="1200"/>
+            </a:lvl1pPr>
+          </a:lstStyle>
+          <a:p>
+            <a:endParaRPr kumimoji="1" lang="ja-JP" altLang="en-US"/>
+          </a:p>
+        </p:txBody>
+      </p:sp>
+      <p:sp>
+        <p:nvSpPr>
+          <p:cNvPr id="3" name="日付プレースホルダー 2"/>
+          <p:cNvSpPr>
+            <a:spLocks noGrp="1"/>
+          </p:cNvSpPr>
+          <p:nvPr>
+            <p:ph type="dt" idx="1"/>
+          </p:nvPr>
+        </p:nvSpPr>
+        <p:spPr>
+          <a:xfrm>
+            <a:off x="3884613" y="0"/>
+            <a:ext cx="2971800" cy="458788"/>
+          </a:xfrm>
+          <a:prstGeom prst="rect">
+            <a:avLst/>
+          </a:prstGeom>
+        </p:spPr>
+        <p:txBody>
+          <a:bodyPr vert="horz" lIns="91440" tIns="45720" rIns="91440" bIns="45720" rtlCol="0"/>
+          <a:lstStyle>
+            <a:lvl1pPr algn="r">
+              <a:defRPr sz="1200"/>
+            </a:lvl1pPr>
+          </a:lstStyle>
+          <a:p>
+            <a:fld id="{0EBB6C64-AECD-4FE6-B86A-49D0AC7CF062}" type="datetimeFigureOut">
+              <a:rPr kumimoji="1" lang="ja-JP" altLang="en-US" smtClean="0"/>
+              <a:t>2023/3/3</a:t>
+            </a:fld>
+            <a:endParaRPr kumimoji="1" lang="ja-JP" altLang="en-US"/>
+          </a:p>
+        </p:txBody>
+      </p:sp>
+      <p:sp>
+        <p:nvSpPr>
+          <p:cNvPr id="4" name="スライド イメージ プレースホルダー 3"/>
+          <p:cNvSpPr>
+            <a:spLocks noGrp="1" noRot="1" noChangeAspect="1"/>
+          </p:cNvSpPr>
+          <p:nvPr>
+            <p:ph type="sldImg" idx="2"/>
+          </p:nvPr>
+        </p:nvSpPr>
+        <p:spPr>
+          <a:xfrm>
+            <a:off x="685800" y="1143000"/>
+            <a:ext cx="5486400" cy="3086100"/>
+          </a:xfrm>
+          <a:prstGeom prst="rect">
+            <a:avLst/>
+          </a:prstGeom>
+          <a:noFill/>
+          <a:ln w="12700">
+            <a:solidFill>
+              <a:prstClr val="black"/>
+            </a:solidFill>
+          </a:ln>
+        </p:spPr>
+        <p:txBody>
+          <a:bodyPr vert="horz" lIns="91440" tIns="45720" rIns="91440" bIns="45720" rtlCol="0" anchor="ctr"/>
+          <a:lstStyle/>
+          <a:p>
+            <a:endParaRPr lang="ja-JP" altLang="en-US"/>
+          </a:p>
+        </p:txBody>
+      </p:sp>
+      <p:sp>
+        <p:nvSpPr>
+          <p:cNvPr id="5" name="ノート プレースホルダー 4"/>
+          <p:cNvSpPr>
+            <a:spLocks noGrp="1"/>
+          </p:cNvSpPr>
+          <p:nvPr>
+            <p:ph type="body" sz="quarter" idx="3"/>
+          </p:nvPr>
+        </p:nvSpPr>
+        <p:spPr>
+          <a:xfrm>
+            <a:off x="685800" y="4400550"/>
+            <a:ext cx="5486400" cy="3600450"/>
+          </a:xfrm>
+          <a:prstGeom prst="rect">
+            <a:avLst/>
+          </a:prstGeom>
+        </p:spPr>
+        <p:txBody>
+          <a:bodyPr vert="horz" lIns="91440" tIns="45720" rIns="91440" bIns="45720" rtlCol="0"/>
+          <a:lstStyle/>
+          <a:p>
+            <a:pPr lvl="0"/>
+            <a:r>
+              <a:rPr kumimoji="1" lang="ja-JP" altLang="en-US" smtClean="0"/>
+              <a:t>マスター テキストの書式設定</a:t>
+            </a:r>
+          </a:p>
+          <a:p>
+            <a:pPr lvl="1"/>
+            <a:r>
+              <a:rPr kumimoji="1" lang="ja-JP" altLang="en-US" smtClean="0"/>
+              <a:t>第 </a:t>
+            </a:r>
+            <a:r>
+              <a:rPr kumimoji="1" lang="en-US" altLang="ja-JP" smtClean="0"/>
+              <a:t>2 </a:t>
+            </a:r>
+            <a:r>
+              <a:rPr kumimoji="1" lang="ja-JP" altLang="en-US" smtClean="0"/>
+              <a:t>レベル</a:t>
+            </a:r>
+          </a:p>
+          <a:p>
+            <a:pPr lvl="2"/>
+            <a:r>
+              <a:rPr kumimoji="1" lang="ja-JP" altLang="en-US" smtClean="0"/>
+              <a:t>第 </a:t>
+            </a:r>
+            <a:r>
+              <a:rPr kumimoji="1" lang="en-US" altLang="ja-JP" smtClean="0"/>
+              <a:t>3 </a:t>
+            </a:r>
+            <a:r>
+              <a:rPr kumimoji="1" lang="ja-JP" altLang="en-US" smtClean="0"/>
+              <a:t>レベル</a:t>
+            </a:r>
+          </a:p>
+          <a:p>
+            <a:pPr lvl="3"/>
+            <a:r>
+              <a:rPr kumimoji="1" lang="ja-JP" altLang="en-US" smtClean="0"/>
+              <a:t>第 </a:t>
+            </a:r>
+            <a:r>
+              <a:rPr kumimoji="1" lang="en-US" altLang="ja-JP" smtClean="0"/>
+              <a:t>4 </a:t>
+            </a:r>
+            <a:r>
+              <a:rPr kumimoji="1" lang="ja-JP" altLang="en-US" smtClean="0"/>
+              <a:t>レベル</a:t>
+            </a:r>
+          </a:p>
+          <a:p>
+            <a:pPr lvl="4"/>
+            <a:r>
+              <a:rPr kumimoji="1" lang="ja-JP" altLang="en-US" smtClean="0"/>
+              <a:t>第 </a:t>
+            </a:r>
+            <a:r>
+              <a:rPr kumimoji="1" lang="en-US" altLang="ja-JP" smtClean="0"/>
+              <a:t>5 </a:t>
+            </a:r>
+            <a:r>
+              <a:rPr kumimoji="1" lang="ja-JP" altLang="en-US" smtClean="0"/>
+              <a:t>レベル</a:t>
+            </a:r>
+            <a:endParaRPr kumimoji="1" lang="ja-JP" altLang="en-US"/>
+          </a:p>
+        </p:txBody>
+      </p:sp>
+      <p:sp>
+        <p:nvSpPr>
+          <p:cNvPr id="6" name="フッター プレースホルダー 5"/>
+          <p:cNvSpPr>
+            <a:spLocks noGrp="1"/>
+          </p:cNvSpPr>
+          <p:nvPr>
+            <p:ph type="ftr" sz="quarter" idx="4"/>
+          </p:nvPr>
+        </p:nvSpPr>
+        <p:spPr>
+          <a:xfrm>
+            <a:off x="0" y="8685213"/>
+            <a:ext cx="2971800" cy="458787"/>
+          </a:xfrm>
+          <a:prstGeom prst="rect">
+            <a:avLst/>
+          </a:prstGeom>
+        </p:spPr>
+        <p:txBody>
+          <a:bodyPr vert="horz" lIns="91440" tIns="45720" rIns="91440" bIns="45720" rtlCol="0" anchor="b"/>
+          <a:lstStyle>
+            <a:lvl1pPr algn="l">
+              <a:defRPr sz="1200"/>
+            </a:lvl1pPr>
+          </a:lstStyle>
+          <a:p>
+            <a:endParaRPr kumimoji="1" lang="ja-JP" altLang="en-US"/>
+          </a:p>
+        </p:txBody>
+      </p:sp>
+      <p:sp>
+        <p:nvSpPr>
+          <p:cNvPr id="7" name="スライド番号プレースホルダー 6"/>
+          <p:cNvSpPr>
+            <a:spLocks noGrp="1"/>
+          </p:cNvSpPr>
+          <p:nvPr>
+            <p:ph type="sldNum" sz="quarter" idx="5"/>
+          </p:nvPr>
+        </p:nvSpPr>
+        <p:spPr>
+          <a:xfrm>
+            <a:off x="3884613" y="8685213"/>
+            <a:ext cx="2971800" cy="458787"/>
+          </a:xfrm>
+          <a:prstGeom prst="rect">
+            <a:avLst/>
+          </a:prstGeom>
+        </p:spPr>
+        <p:txBody>
+          <a:bodyPr vert="horz" lIns="91440" tIns="45720" rIns="91440" bIns="45720" rtlCol="0" anchor="b"/>
+          <a:lstStyle>
+            <a:lvl1pPr algn="r">
+              <a:defRPr sz="1200"/>
+            </a:lvl1pPr>
+          </a:lstStyle>
+          <a:p>
+            <a:fld id="{F3BA4897-C6C7-4DAC-A975-7816301EBC6C}" type="slidenum">
+              <a:rPr kumimoji="1" lang="ja-JP" altLang="en-US" smtClean="0"/>
+              <a:t>‹#›</a:t>
+            </a:fld>
+            <a:endParaRPr kumimoji="1" lang="ja-JP" altLang="en-US"/>
+          </a:p>
+        </p:txBody>
+      </p:sp>
+    </p:spTree>
+    <p:extLst>
+      <p:ext uri="{BB962C8B-B14F-4D97-AF65-F5344CB8AC3E}">
+        <p14:creationId xmlns:p14="http://schemas.microsoft.com/office/powerpoint/2010/main" val="1138392681"/>
+      </p:ext>
+    </p:extLst>
+  </p:cSld>
+  <p:clrMap bg1="lt1" tx1="dk1" bg2="lt2" tx2="dk2" accent1="accent1" accent2="accent2" accent3="accent3" accent4="accent4" accent5="accent5" accent6="accent6" hlink="hlink" folHlink="folHlink"/>
+  <p:notesStyle>
+    <a:lvl1pPr marL="0" algn="l" defTabSz="914400" rtl="0" eaLnBrk="1" latinLnBrk="0" hangingPunct="1">
+      <a:defRPr kumimoji="1" sz="1200" kern="1200">
+        <a:solidFill>
+          <a:schemeClr val="tx1"/>
+        </a:solidFill>
+        <a:latin typeface="+mn-lt"/>
+        <a:ea typeface="+mn-ea"/>
+        <a:cs typeface="+mn-cs"/>
+      </a:defRPr>
+    </a:lvl1pPr>
+    <a:lvl2pPr marL="457200" algn="l" defTabSz="914400" rtl="0" eaLnBrk="1" latinLnBrk="0" hangingPunct="1">
+      <a:defRPr kumimoji="1" sz="1200" kern="1200">
+        <a:solidFill>
+          <a:schemeClr val="tx1"/>
+        </a:solidFill>
+        <a:latin typeface="+mn-lt"/>
+        <a:ea typeface="+mn-ea"/>
+        <a:cs typeface="+mn-cs"/>
+      </a:defRPr>
+    </a:lvl2pPr>
+    <a:lvl3pPr marL="914400" algn="l" defTabSz="914400" rtl="0" eaLnBrk="1" latinLnBrk="0" hangingPunct="1">
+      <a:defRPr kumimoji="1" sz="1200" kern="1200">
+        <a:solidFill>
+          <a:schemeClr val="tx1"/>
+        </a:solidFill>
+        <a:latin typeface="+mn-lt"/>
+        <a:ea typeface="+mn-ea"/>
+        <a:cs typeface="+mn-cs"/>
+      </a:defRPr>
+    </a:lvl3pPr>
+    <a:lvl4pPr marL="1371600" algn="l" defTabSz="914400" rtl="0" eaLnBrk="1" latinLnBrk="0" hangingPunct="1">
+      <a:defRPr kumimoji="1" sz="1200" kern="1200">
+        <a:solidFill>
+          <a:schemeClr val="tx1"/>
+        </a:solidFill>
+        <a:latin typeface="+mn-lt"/>
+        <a:ea typeface="+mn-ea"/>
+        <a:cs typeface="+mn-cs"/>
+      </a:defRPr>
+    </a:lvl4pPr>
+    <a:lvl5pPr marL="1828800" algn="l" defTabSz="914400" rtl="0" eaLnBrk="1" latinLnBrk="0" hangingPunct="1">
+      <a:defRPr kumimoji="1" sz="1200" kern="1200">
+        <a:solidFill>
+          <a:schemeClr val="tx1"/>
+        </a:solidFill>
+        <a:latin typeface="+mn-lt"/>
+        <a:ea typeface="+mn-ea"/>
+        <a:cs typeface="+mn-cs"/>
+      </a:defRPr>
+    </a:lvl5pPr>
+    <a:lvl6pPr marL="2286000" algn="l" defTabSz="914400" rtl="0" eaLnBrk="1" latinLnBrk="0" hangingPunct="1">
+      <a:defRPr kumimoji="1" sz="1200" kern="1200">
+        <a:solidFill>
+          <a:schemeClr val="tx1"/>
+        </a:solidFill>
+        <a:latin typeface="+mn-lt"/>
+        <a:ea typeface="+mn-ea"/>
+        <a:cs typeface="+mn-cs"/>
+      </a:defRPr>
+    </a:lvl6pPr>
+    <a:lvl7pPr marL="2743200" algn="l" defTabSz="914400" rtl="0" eaLnBrk="1" latinLnBrk="0" hangingPunct="1">
+      <a:defRPr kumimoji="1" sz="1200" kern="1200">
+        <a:solidFill>
+          <a:schemeClr val="tx1"/>
+        </a:solidFill>
+        <a:latin typeface="+mn-lt"/>
+        <a:ea typeface="+mn-ea"/>
+        <a:cs typeface="+mn-cs"/>
+      </a:defRPr>
+    </a:lvl7pPr>
+    <a:lvl8pPr marL="3200400" algn="l" defTabSz="914400" rtl="0" eaLnBrk="1" latinLnBrk="0" hangingPunct="1">
+      <a:defRPr kumimoji="1" sz="1200" kern="1200">
+        <a:solidFill>
+          <a:schemeClr val="tx1"/>
+        </a:solidFill>
+        <a:latin typeface="+mn-lt"/>
+        <a:ea typeface="+mn-ea"/>
+        <a:cs typeface="+mn-cs"/>
+      </a:defRPr>
+    </a:lvl8pPr>
+    <a:lvl9pPr marL="3657600" algn="l" defTabSz="914400" rtl="0" eaLnBrk="1" latinLnBrk="0" hangingPunct="1">
+      <a:defRPr kumimoji="1" sz="1200" kern="1200">
+        <a:solidFill>
+          <a:schemeClr val="tx1"/>
+        </a:solidFill>
+        <a:latin typeface="+mn-lt"/>
+        <a:ea typeface="+mn-ea"/>
+        <a:cs typeface="+mn-cs"/>
+      </a:defRPr>
+    </a:lvl9pPr>
+  </p:notesStyle>
+</p:notesMaster>
+</file>
+
+<file path=ppt/notesSlides/notesSlide1.xml><?xml version="1.0" encoding="utf-8"?>
+<p:notes xmlns:a="http://schemas.openxmlformats.org/drawingml/2006/main" xmlns:r="http://schemas.openxmlformats.org/officeDocument/2006/relationships" xmlns:p="http://schemas.openxmlformats.org/presentationml/2006/main">
+  <p:cSld>
+    <p:spTree>
+      <p:nvGrpSpPr>
+        <p:cNvPr id="1" name=""/>
+        <p:cNvGrpSpPr/>
+        <p:nvPr/>
+      </p:nvGrpSpPr>
+      <p:grpSpPr>
+        <a:xfrm>
+          <a:off x="0" y="0"/>
+          <a:ext cx="0" cy="0"/>
+          <a:chOff x="0" y="0"/>
+          <a:chExt cx="0" cy="0"/>
+        </a:xfrm>
+      </p:grpSpPr>
+      <p:sp>
+        <p:nvSpPr>
+          <p:cNvPr id="2" name="スライド イメージ プレースホルダー 1"/>
+          <p:cNvSpPr>
+            <a:spLocks noGrp="1" noRot="1" noChangeAspect="1"/>
+          </p:cNvSpPr>
+          <p:nvPr>
+            <p:ph type="sldImg"/>
+          </p:nvPr>
+        </p:nvSpPr>
+        <p:spPr/>
+      </p:sp>
+      <p:sp>
+        <p:nvSpPr>
+          <p:cNvPr id="3" name="ノート プレースホルダー 2"/>
+          <p:cNvSpPr>
+            <a:spLocks noGrp="1"/>
+          </p:cNvSpPr>
+          <p:nvPr>
+            <p:ph type="body" idx="1"/>
+          </p:nvPr>
+        </p:nvSpPr>
+        <p:spPr/>
+        <p:txBody>
+          <a:bodyPr/>
+          <a:lstStyle/>
+          <a:p>
+            <a:endParaRPr kumimoji="1" lang="ja-JP" altLang="en-US" dirty="0"/>
+          </a:p>
+        </p:txBody>
+      </p:sp>
+      <p:sp>
+        <p:nvSpPr>
+          <p:cNvPr id="4" name="スライド番号プレースホルダー 3"/>
+          <p:cNvSpPr>
+            <a:spLocks noGrp="1"/>
+          </p:cNvSpPr>
+          <p:nvPr>
+            <p:ph type="sldNum" sz="quarter" idx="10"/>
+          </p:nvPr>
+        </p:nvSpPr>
+        <p:spPr/>
+        <p:txBody>
+          <a:bodyPr/>
+          <a:lstStyle/>
+          <a:p>
+            <a:fld id="{523CFAC8-B512-4276-9044-451557D9E452}" type="slidenum">
+              <a:rPr kumimoji="1" lang="ja-JP" altLang="en-US" smtClean="0"/>
+              <a:t>9</a:t>
+            </a:fld>
+            <a:endParaRPr kumimoji="1" lang="ja-JP" altLang="en-US"/>
+          </a:p>
+        </p:txBody>
+      </p:sp>
+    </p:spTree>
+    <p:extLst>
+      <p:ext uri="{BB962C8B-B14F-4D97-AF65-F5344CB8AC3E}">
+        <p14:creationId xmlns:p14="http://schemas.microsoft.com/office/powerpoint/2010/main" val="1829224060"/>
+      </p:ext>
+    </p:extLst>
+  </p:cSld>
+  <p:clrMapOvr>
+    <a:masterClrMapping/>
+  </p:clrMapOvr>
+</p:notes>
+</file>
+
+<file path=ppt/notesSlides/notesSlide2.xml><?xml version="1.0" encoding="utf-8"?>
+<p:notes xmlns:a="http://schemas.openxmlformats.org/drawingml/2006/main" xmlns:r="http://schemas.openxmlformats.org/officeDocument/2006/relationships" xmlns:p="http://schemas.openxmlformats.org/presentationml/2006/main">
+  <p:cSld>
+    <p:spTree>
+      <p:nvGrpSpPr>
+        <p:cNvPr id="1" name=""/>
+        <p:cNvGrpSpPr/>
+        <p:nvPr/>
+      </p:nvGrpSpPr>
+      <p:grpSpPr>
+        <a:xfrm>
+          <a:off x="0" y="0"/>
+          <a:ext cx="0" cy="0"/>
+          <a:chOff x="0" y="0"/>
+          <a:chExt cx="0" cy="0"/>
+        </a:xfrm>
+      </p:grpSpPr>
+      <p:sp>
+        <p:nvSpPr>
+          <p:cNvPr id="2" name="スライド イメージ プレースホルダー 1"/>
+          <p:cNvSpPr>
+            <a:spLocks noGrp="1" noRot="1" noChangeAspect="1"/>
+          </p:cNvSpPr>
+          <p:nvPr>
+            <p:ph type="sldImg"/>
+          </p:nvPr>
+        </p:nvSpPr>
+        <p:spPr/>
+      </p:sp>
+      <p:sp>
+        <p:nvSpPr>
+          <p:cNvPr id="3" name="ノート プレースホルダー 2"/>
+          <p:cNvSpPr>
+            <a:spLocks noGrp="1"/>
+          </p:cNvSpPr>
+          <p:nvPr>
+            <p:ph type="body" idx="1"/>
+          </p:nvPr>
+        </p:nvSpPr>
+        <p:spPr/>
+        <p:txBody>
+          <a:bodyPr/>
+          <a:lstStyle/>
+          <a:p>
+            <a:endParaRPr kumimoji="1" lang="ja-JP" altLang="en-US" dirty="0"/>
+          </a:p>
+        </p:txBody>
+      </p:sp>
+      <p:sp>
+        <p:nvSpPr>
+          <p:cNvPr id="4" name="スライド番号プレースホルダー 3"/>
+          <p:cNvSpPr>
+            <a:spLocks noGrp="1"/>
+          </p:cNvSpPr>
+          <p:nvPr>
+            <p:ph type="sldNum" sz="quarter" idx="10"/>
+          </p:nvPr>
+        </p:nvSpPr>
+        <p:spPr/>
+        <p:txBody>
+          <a:bodyPr/>
+          <a:lstStyle/>
+          <a:p>
+            <a:fld id="{523CFAC8-B512-4276-9044-451557D9E452}" type="slidenum">
+              <a:rPr kumimoji="1" lang="ja-JP" altLang="en-US" smtClean="0"/>
+              <a:t>10</a:t>
+            </a:fld>
+            <a:endParaRPr kumimoji="1" lang="ja-JP" altLang="en-US"/>
+          </a:p>
+        </p:txBody>
+      </p:sp>
+    </p:spTree>
+    <p:extLst>
+      <p:ext uri="{BB962C8B-B14F-4D97-AF65-F5344CB8AC3E}">
+        <p14:creationId xmlns:p14="http://schemas.microsoft.com/office/powerpoint/2010/main" val="994424275"/>
+      </p:ext>
+    </p:extLst>
+  </p:cSld>
+  <p:clrMapOvr>
+    <a:masterClrMapping/>
+  </p:clrMapOvr>
+</p:notes>
+</file>
+
 <file path=ppt/slideLayouts/slideLayout1.xml><?xml version="1.0" encoding="utf-8"?>
 <p:sldLayout xmlns:a="http://schemas.openxmlformats.org/drawingml/2006/main" xmlns:r="http://schemas.openxmlformats.org/officeDocument/2006/relationships" xmlns:p="http://schemas.openxmlformats.org/presentationml/2006/main" type="title" preserve="1">
   <p:cSld name="タイトル スライド">
@@ -249,7 +805,7 @@
           <a:p>
             <a:fld id="{B3F240BB-2125-409E-A5B5-13BDFD591304}" type="datetimeFigureOut">
               <a:rPr kumimoji="1" lang="ja-JP" altLang="en-US" smtClean="0"/>
-              <a:t>2023/3/2</a:t>
+              <a:t>2023/3/3</a:t>
             </a:fld>
             <a:endParaRPr kumimoji="1" lang="ja-JP" altLang="en-US"/>
           </a:p>
@@ -451,7 +1007,7 @@
           <a:p>
             <a:fld id="{B3F240BB-2125-409E-A5B5-13BDFD591304}" type="datetimeFigureOut">
               <a:rPr kumimoji="1" lang="ja-JP" altLang="en-US" smtClean="0"/>
-              <a:t>2023/3/2</a:t>
+              <a:t>2023/3/3</a:t>
             </a:fld>
             <a:endParaRPr kumimoji="1" lang="ja-JP" altLang="en-US"/>
           </a:p>
@@ -663,7 +1219,7 @@
           <a:p>
             <a:fld id="{B3F240BB-2125-409E-A5B5-13BDFD591304}" type="datetimeFigureOut">
               <a:rPr kumimoji="1" lang="ja-JP" altLang="en-US" smtClean="0"/>
-              <a:t>2023/3/2</a:t>
+              <a:t>2023/3/3</a:t>
             </a:fld>
             <a:endParaRPr kumimoji="1" lang="ja-JP" altLang="en-US"/>
           </a:p>
@@ -865,7 +1421,7 @@
           <a:p>
             <a:fld id="{B3F240BB-2125-409E-A5B5-13BDFD591304}" type="datetimeFigureOut">
               <a:rPr kumimoji="1" lang="ja-JP" altLang="en-US" smtClean="0"/>
-              <a:t>2023/3/2</a:t>
+              <a:t>2023/3/3</a:t>
             </a:fld>
             <a:endParaRPr kumimoji="1" lang="ja-JP" altLang="en-US"/>
           </a:p>
@@ -1111,7 +1667,7 @@
           <a:p>
             <a:fld id="{B3F240BB-2125-409E-A5B5-13BDFD591304}" type="datetimeFigureOut">
               <a:rPr kumimoji="1" lang="ja-JP" altLang="en-US" smtClean="0"/>
-              <a:t>2023/3/2</a:t>
+              <a:t>2023/3/3</a:t>
             </a:fld>
             <a:endParaRPr kumimoji="1" lang="ja-JP" altLang="en-US"/>
           </a:p>
@@ -1407,7 +1963,7 @@
           <a:p>
             <a:fld id="{B3F240BB-2125-409E-A5B5-13BDFD591304}" type="datetimeFigureOut">
               <a:rPr kumimoji="1" lang="ja-JP" altLang="en-US" smtClean="0"/>
-              <a:t>2023/3/2</a:t>
+              <a:t>2023/3/3</a:t>
             </a:fld>
             <a:endParaRPr kumimoji="1" lang="ja-JP" altLang="en-US"/>
           </a:p>
@@ -1838,7 +2394,7 @@
           <a:p>
             <a:fld id="{B3F240BB-2125-409E-A5B5-13BDFD591304}" type="datetimeFigureOut">
               <a:rPr kumimoji="1" lang="ja-JP" altLang="en-US" smtClean="0"/>
-              <a:t>2023/3/2</a:t>
+              <a:t>2023/3/3</a:t>
             </a:fld>
             <a:endParaRPr kumimoji="1" lang="ja-JP" altLang="en-US"/>
           </a:p>
@@ -1956,7 +2512,7 @@
           <a:p>
             <a:fld id="{B3F240BB-2125-409E-A5B5-13BDFD591304}" type="datetimeFigureOut">
               <a:rPr kumimoji="1" lang="ja-JP" altLang="en-US" smtClean="0"/>
-              <a:t>2023/3/2</a:t>
+              <a:t>2023/3/3</a:t>
             </a:fld>
             <a:endParaRPr kumimoji="1" lang="ja-JP" altLang="en-US"/>
           </a:p>
@@ -2051,7 +2607,7 @@
           <a:p>
             <a:fld id="{B3F240BB-2125-409E-A5B5-13BDFD591304}" type="datetimeFigureOut">
               <a:rPr kumimoji="1" lang="ja-JP" altLang="en-US" smtClean="0"/>
-              <a:t>2023/3/2</a:t>
+              <a:t>2023/3/3</a:t>
             </a:fld>
             <a:endParaRPr kumimoji="1" lang="ja-JP" altLang="en-US"/>
           </a:p>
@@ -2360,7 +2916,7 @@
           <a:p>
             <a:fld id="{B3F240BB-2125-409E-A5B5-13BDFD591304}" type="datetimeFigureOut">
               <a:rPr kumimoji="1" lang="ja-JP" altLang="en-US" smtClean="0"/>
-              <a:t>2023/3/2</a:t>
+              <a:t>2023/3/3</a:t>
             </a:fld>
             <a:endParaRPr kumimoji="1" lang="ja-JP" altLang="en-US"/>
           </a:p>
@@ -2613,7 +3169,7 @@
           <a:p>
             <a:fld id="{B3F240BB-2125-409E-A5B5-13BDFD591304}" type="datetimeFigureOut">
               <a:rPr kumimoji="1" lang="ja-JP" altLang="en-US" smtClean="0"/>
-              <a:t>2023/3/2</a:t>
+              <a:t>2023/3/3</a:t>
             </a:fld>
             <a:endParaRPr kumimoji="1" lang="ja-JP" altLang="en-US"/>
           </a:p>
@@ -2858,7 +3414,7 @@
           <a:p>
             <a:fld id="{B3F240BB-2125-409E-A5B5-13BDFD591304}" type="datetimeFigureOut">
               <a:rPr kumimoji="1" lang="ja-JP" altLang="en-US" smtClean="0"/>
-              <a:t>2023/3/2</a:t>
+              <a:t>2023/3/3</a:t>
             </a:fld>
             <a:endParaRPr kumimoji="1" lang="ja-JP" altLang="en-US"/>
           </a:p>
@@ -3320,6 +3876,773 @@
 </p:sld>
 </file>
 
+<file path=ppt/slides/slide10.xml><?xml version="1.0" encoding="utf-8"?>
+<p:sld xmlns:a="http://schemas.openxmlformats.org/drawingml/2006/main" xmlns:r="http://schemas.openxmlformats.org/officeDocument/2006/relationships" xmlns:p="http://schemas.openxmlformats.org/presentationml/2006/main">
+  <p:cSld>
+    <p:spTree>
+      <p:nvGrpSpPr>
+        <p:cNvPr id="1" name=""/>
+        <p:cNvGrpSpPr/>
+        <p:nvPr/>
+      </p:nvGrpSpPr>
+      <p:grpSpPr>
+        <a:xfrm>
+          <a:off x="0" y="0"/>
+          <a:ext cx="0" cy="0"/>
+          <a:chOff x="0" y="0"/>
+          <a:chExt cx="0" cy="0"/>
+        </a:xfrm>
+      </p:grpSpPr>
+      <p:grpSp>
+        <p:nvGrpSpPr>
+          <p:cNvPr id="4" name="グループ化 3"/>
+          <p:cNvGrpSpPr/>
+          <p:nvPr/>
+        </p:nvGrpSpPr>
+        <p:grpSpPr>
+          <a:xfrm>
+            <a:off x="0" y="0"/>
+            <a:ext cx="12192000" cy="6858000"/>
+            <a:chOff x="2519258" y="1516930"/>
+            <a:chExt cx="6705614" cy="3768865"/>
+          </a:xfrm>
+        </p:grpSpPr>
+        <p:pic>
+          <p:nvPicPr>
+            <p:cNvPr id="2" name="図 1"/>
+            <p:cNvPicPr>
+              <a:picLocks noChangeAspect="1"/>
+            </p:cNvPicPr>
+            <p:nvPr/>
+          </p:nvPicPr>
+          <p:blipFill>
+            <a:blip r:embed="rId3" cstate="print">
+              <a:extLst>
+                <a:ext uri="{28A0092B-C50C-407E-A947-70E740481C1C}">
+                  <a14:useLocalDpi xmlns:a14="http://schemas.microsoft.com/office/drawing/2010/main" val="0"/>
+                </a:ext>
+              </a:extLst>
+            </a:blip>
+            <a:stretch>
+              <a:fillRect/>
+            </a:stretch>
+          </p:blipFill>
+          <p:spPr>
+            <a:xfrm>
+              <a:off x="2519258" y="1628188"/>
+              <a:ext cx="6705614" cy="3657607"/>
+            </a:xfrm>
+            <a:prstGeom prst="rect">
+              <a:avLst/>
+            </a:prstGeom>
+          </p:spPr>
+        </p:pic>
+        <p:pic>
+          <p:nvPicPr>
+            <p:cNvPr id="3" name="図 2"/>
+            <p:cNvPicPr>
+              <a:picLocks noChangeAspect="1"/>
+            </p:cNvPicPr>
+            <p:nvPr/>
+          </p:nvPicPr>
+          <p:blipFill>
+            <a:blip r:embed="rId4" cstate="print">
+              <a:extLst>
+                <a:ext uri="{28A0092B-C50C-407E-A947-70E740481C1C}">
+                  <a14:useLocalDpi xmlns:a14="http://schemas.microsoft.com/office/drawing/2010/main" val="0"/>
+                </a:ext>
+              </a:extLst>
+            </a:blip>
+            <a:stretch>
+              <a:fillRect/>
+            </a:stretch>
+          </p:blipFill>
+          <p:spPr>
+            <a:xfrm>
+              <a:off x="2519258" y="1516930"/>
+              <a:ext cx="6705614" cy="3657607"/>
+            </a:xfrm>
+            <a:prstGeom prst="rect">
+              <a:avLst/>
+            </a:prstGeom>
+          </p:spPr>
+        </p:pic>
+      </p:grpSp>
+      <p:pic>
+        <p:nvPicPr>
+          <p:cNvPr id="26" name="図 25"/>
+          <p:cNvPicPr>
+            <a:picLocks noChangeAspect="1"/>
+          </p:cNvPicPr>
+          <p:nvPr/>
+        </p:nvPicPr>
+        <p:blipFill>
+          <a:blip r:embed="rId5" cstate="print">
+            <a:extLst>
+              <a:ext uri="{28A0092B-C50C-407E-A947-70E740481C1C}">
+                <a14:useLocalDpi xmlns:a14="http://schemas.microsoft.com/office/drawing/2010/main" val="0"/>
+              </a:ext>
+            </a:extLst>
+          </a:blip>
+          <a:stretch>
+            <a:fillRect/>
+          </a:stretch>
+        </p:blipFill>
+        <p:spPr>
+          <a:xfrm>
+            <a:off x="8870886" y="5860129"/>
+            <a:ext cx="773299" cy="831505"/>
+          </a:xfrm>
+          <a:prstGeom prst="rect">
+            <a:avLst/>
+          </a:prstGeom>
+        </p:spPr>
+      </p:pic>
+      <p:pic>
+        <p:nvPicPr>
+          <p:cNvPr id="29" name="図 28"/>
+          <p:cNvPicPr>
+            <a:picLocks noChangeAspect="1"/>
+          </p:cNvPicPr>
+          <p:nvPr/>
+        </p:nvPicPr>
+        <p:blipFill rotWithShape="1">
+          <a:blip r:embed="rId6" cstate="print">
+            <a:extLst>
+              <a:ext uri="{28A0092B-C50C-407E-A947-70E740481C1C}">
+                <a14:useLocalDpi xmlns:a14="http://schemas.microsoft.com/office/drawing/2010/main" val="0"/>
+              </a:ext>
+            </a:extLst>
+          </a:blip>
+          <a:srcRect l="27604" t="19307" r="10603" b="2564"/>
+          <a:stretch/>
+        </p:blipFill>
+        <p:spPr>
+          <a:xfrm rot="2091790">
+            <a:off x="5809559" y="4101253"/>
+            <a:ext cx="2076176" cy="1968814"/>
+          </a:xfrm>
+          <a:prstGeom prst="ellipse">
+            <a:avLst/>
+          </a:prstGeom>
+        </p:spPr>
+      </p:pic>
+      <p:pic>
+        <p:nvPicPr>
+          <p:cNvPr id="40" name="図 39"/>
+          <p:cNvPicPr>
+            <a:picLocks noChangeAspect="1"/>
+          </p:cNvPicPr>
+          <p:nvPr/>
+        </p:nvPicPr>
+        <p:blipFill>
+          <a:blip r:embed="rId7">
+            <a:extLst>
+              <a:ext uri="{BEBA8EAE-BF5A-486C-A8C5-ECC9F3942E4B}">
+                <a14:imgProps xmlns:a14="http://schemas.microsoft.com/office/drawing/2010/main">
+                  <a14:imgLayer r:embed="rId8">
+                    <a14:imgEffect>
+                      <a14:backgroundRemoval t="0" b="93750" l="6250" r="87500">
+                        <a14:foregroundMark x1="25000" y1="18750" x2="25000" y2="18750"/>
+                        <a14:foregroundMark x1="25000" y1="68750" x2="25000" y2="68750"/>
+                        <a14:foregroundMark x1="68750" y1="68750" x2="68750" y2="68750"/>
+                        <a14:foregroundMark x1="68750" y1="18750" x2="68750" y2="18750"/>
+                      </a14:backgroundRemoval>
+                    </a14:imgEffect>
+                  </a14:imgLayer>
+                </a14:imgProps>
+              </a:ext>
+              <a:ext uri="{28A0092B-C50C-407E-A947-70E740481C1C}">
+                <a14:useLocalDpi xmlns:a14="http://schemas.microsoft.com/office/drawing/2010/main" val="0"/>
+              </a:ext>
+            </a:extLst>
+          </a:blip>
+          <a:stretch>
+            <a:fillRect/>
+          </a:stretch>
+        </p:blipFill>
+        <p:spPr>
+          <a:xfrm>
+            <a:off x="8881514" y="3949381"/>
+            <a:ext cx="1136279" cy="1136279"/>
+          </a:xfrm>
+          <a:prstGeom prst="rect">
+            <a:avLst/>
+          </a:prstGeom>
+        </p:spPr>
+      </p:pic>
+      <p:pic>
+        <p:nvPicPr>
+          <p:cNvPr id="42" name="図 41"/>
+          <p:cNvPicPr>
+            <a:picLocks noChangeAspect="1"/>
+          </p:cNvPicPr>
+          <p:nvPr/>
+        </p:nvPicPr>
+        <p:blipFill>
+          <a:blip r:embed="rId7">
+            <a:extLst>
+              <a:ext uri="{BEBA8EAE-BF5A-486C-A8C5-ECC9F3942E4B}">
+                <a14:imgProps xmlns:a14="http://schemas.microsoft.com/office/drawing/2010/main">
+                  <a14:imgLayer r:embed="rId8">
+                    <a14:imgEffect>
+                      <a14:backgroundRemoval t="0" b="93750" l="6250" r="87500">
+                        <a14:foregroundMark x1="25000" y1="18750" x2="25000" y2="18750"/>
+                        <a14:foregroundMark x1="25000" y1="68750" x2="25000" y2="68750"/>
+                        <a14:foregroundMark x1="68750" y1="68750" x2="68750" y2="68750"/>
+                        <a14:foregroundMark x1="68750" y1="18750" x2="68750" y2="18750"/>
+                      </a14:backgroundRemoval>
+                    </a14:imgEffect>
+                  </a14:imgLayer>
+                </a14:imgProps>
+              </a:ext>
+              <a:ext uri="{28A0092B-C50C-407E-A947-70E740481C1C}">
+                <a14:useLocalDpi xmlns:a14="http://schemas.microsoft.com/office/drawing/2010/main" val="0"/>
+              </a:ext>
+            </a:extLst>
+          </a:blip>
+          <a:stretch>
+            <a:fillRect/>
+          </a:stretch>
+        </p:blipFill>
+        <p:spPr>
+          <a:xfrm>
+            <a:off x="10005122" y="3949381"/>
+            <a:ext cx="1136279" cy="1136279"/>
+          </a:xfrm>
+          <a:prstGeom prst="rect">
+            <a:avLst/>
+          </a:prstGeom>
+        </p:spPr>
+      </p:pic>
+      <p:pic>
+        <p:nvPicPr>
+          <p:cNvPr id="43" name="図 42"/>
+          <p:cNvPicPr>
+            <a:picLocks noChangeAspect="1"/>
+          </p:cNvPicPr>
+          <p:nvPr/>
+        </p:nvPicPr>
+        <p:blipFill>
+          <a:blip r:embed="rId7">
+            <a:extLst>
+              <a:ext uri="{BEBA8EAE-BF5A-486C-A8C5-ECC9F3942E4B}">
+                <a14:imgProps xmlns:a14="http://schemas.microsoft.com/office/drawing/2010/main">
+                  <a14:imgLayer r:embed="rId8">
+                    <a14:imgEffect>
+                      <a14:backgroundRemoval t="0" b="93750" l="6250" r="87500">
+                        <a14:foregroundMark x1="25000" y1="18750" x2="25000" y2="18750"/>
+                        <a14:foregroundMark x1="25000" y1="68750" x2="25000" y2="68750"/>
+                        <a14:foregroundMark x1="68750" y1="68750" x2="68750" y2="68750"/>
+                        <a14:foregroundMark x1="68750" y1="18750" x2="68750" y2="18750"/>
+                      </a14:backgroundRemoval>
+                    </a14:imgEffect>
+                  </a14:imgLayer>
+                </a14:imgProps>
+              </a:ext>
+              <a:ext uri="{28A0092B-C50C-407E-A947-70E740481C1C}">
+                <a14:useLocalDpi xmlns:a14="http://schemas.microsoft.com/office/drawing/2010/main" val="0"/>
+              </a:ext>
+            </a:extLst>
+          </a:blip>
+          <a:stretch>
+            <a:fillRect/>
+          </a:stretch>
+        </p:blipFill>
+        <p:spPr>
+          <a:xfrm>
+            <a:off x="11141401" y="3963582"/>
+            <a:ext cx="1136279" cy="1136279"/>
+          </a:xfrm>
+          <a:prstGeom prst="rect">
+            <a:avLst/>
+          </a:prstGeom>
+        </p:spPr>
+      </p:pic>
+      <p:pic>
+        <p:nvPicPr>
+          <p:cNvPr id="44" name="図 43"/>
+          <p:cNvPicPr>
+            <a:picLocks noChangeAspect="1"/>
+          </p:cNvPicPr>
+          <p:nvPr/>
+        </p:nvPicPr>
+        <p:blipFill>
+          <a:blip r:embed="rId7">
+            <a:extLst>
+              <a:ext uri="{BEBA8EAE-BF5A-486C-A8C5-ECC9F3942E4B}">
+                <a14:imgProps xmlns:a14="http://schemas.microsoft.com/office/drawing/2010/main">
+                  <a14:imgLayer r:embed="rId8">
+                    <a14:imgEffect>
+                      <a14:backgroundRemoval t="0" b="93750" l="6250" r="87500">
+                        <a14:foregroundMark x1="25000" y1="18750" x2="25000" y2="18750"/>
+                        <a14:foregroundMark x1="25000" y1="68750" x2="25000" y2="68750"/>
+                        <a14:foregroundMark x1="68750" y1="68750" x2="68750" y2="68750"/>
+                        <a14:foregroundMark x1="68750" y1="18750" x2="68750" y2="18750"/>
+                      </a14:backgroundRemoval>
+                    </a14:imgEffect>
+                  </a14:imgLayer>
+                </a14:imgProps>
+              </a:ext>
+              <a:ext uri="{28A0092B-C50C-407E-A947-70E740481C1C}">
+                <a14:useLocalDpi xmlns:a14="http://schemas.microsoft.com/office/drawing/2010/main" val="0"/>
+              </a:ext>
+            </a:extLst>
+          </a:blip>
+          <a:stretch>
+            <a:fillRect/>
+          </a:stretch>
+        </p:blipFill>
+        <p:spPr>
+          <a:xfrm>
+            <a:off x="118531" y="5819327"/>
+            <a:ext cx="1136279" cy="1136279"/>
+          </a:xfrm>
+          <a:prstGeom prst="rect">
+            <a:avLst/>
+          </a:prstGeom>
+        </p:spPr>
+      </p:pic>
+      <p:pic>
+        <p:nvPicPr>
+          <p:cNvPr id="46" name="図 45"/>
+          <p:cNvPicPr>
+            <a:picLocks noChangeAspect="1"/>
+          </p:cNvPicPr>
+          <p:nvPr/>
+        </p:nvPicPr>
+        <p:blipFill rotWithShape="1">
+          <a:blip r:embed="rId9" cstate="print">
+            <a:extLst>
+              <a:ext uri="{28A0092B-C50C-407E-A947-70E740481C1C}">
+                <a14:useLocalDpi xmlns:a14="http://schemas.microsoft.com/office/drawing/2010/main" val="0"/>
+              </a:ext>
+            </a:extLst>
+          </a:blip>
+          <a:srcRect l="27604" t="19307" r="10603" b="2564"/>
+          <a:stretch/>
+        </p:blipFill>
+        <p:spPr>
+          <a:xfrm rot="18485985">
+            <a:off x="2812370" y="1215677"/>
+            <a:ext cx="1045664" cy="991592"/>
+          </a:xfrm>
+          <a:prstGeom prst="ellipse">
+            <a:avLst/>
+          </a:prstGeom>
+        </p:spPr>
+      </p:pic>
+      <p:pic>
+        <p:nvPicPr>
+          <p:cNvPr id="47" name="図 46"/>
+          <p:cNvPicPr>
+            <a:picLocks noChangeAspect="1"/>
+          </p:cNvPicPr>
+          <p:nvPr/>
+        </p:nvPicPr>
+        <p:blipFill>
+          <a:blip r:embed="rId7">
+            <a:extLst>
+              <a:ext uri="{BEBA8EAE-BF5A-486C-A8C5-ECC9F3942E4B}">
+                <a14:imgProps xmlns:a14="http://schemas.microsoft.com/office/drawing/2010/main">
+                  <a14:imgLayer r:embed="rId8">
+                    <a14:imgEffect>
+                      <a14:backgroundRemoval t="0" b="93750" l="6250" r="87500">
+                        <a14:foregroundMark x1="25000" y1="18750" x2="25000" y2="18750"/>
+                        <a14:foregroundMark x1="25000" y1="68750" x2="25000" y2="68750"/>
+                        <a14:foregroundMark x1="68750" y1="68750" x2="68750" y2="68750"/>
+                        <a14:foregroundMark x1="68750" y1="18750" x2="68750" y2="18750"/>
+                      </a14:backgroundRemoval>
+                    </a14:imgEffect>
+                  </a14:imgLayer>
+                </a14:imgProps>
+              </a:ext>
+              <a:ext uri="{28A0092B-C50C-407E-A947-70E740481C1C}">
+                <a14:useLocalDpi xmlns:a14="http://schemas.microsoft.com/office/drawing/2010/main" val="0"/>
+              </a:ext>
+            </a:extLst>
+          </a:blip>
+          <a:stretch>
+            <a:fillRect/>
+          </a:stretch>
+        </p:blipFill>
+        <p:spPr>
+          <a:xfrm>
+            <a:off x="541640" y="4841804"/>
+            <a:ext cx="1136279" cy="1136279"/>
+          </a:xfrm>
+          <a:prstGeom prst="rect">
+            <a:avLst/>
+          </a:prstGeom>
+        </p:spPr>
+      </p:pic>
+      <p:pic>
+        <p:nvPicPr>
+          <p:cNvPr id="48" name="図 47"/>
+          <p:cNvPicPr>
+            <a:picLocks noChangeAspect="1"/>
+          </p:cNvPicPr>
+          <p:nvPr/>
+        </p:nvPicPr>
+        <p:blipFill>
+          <a:blip r:embed="rId7">
+            <a:extLst>
+              <a:ext uri="{BEBA8EAE-BF5A-486C-A8C5-ECC9F3942E4B}">
+                <a14:imgProps xmlns:a14="http://schemas.microsoft.com/office/drawing/2010/main">
+                  <a14:imgLayer r:embed="rId8">
+                    <a14:imgEffect>
+                      <a14:backgroundRemoval t="0" b="93750" l="6250" r="87500">
+                        <a14:foregroundMark x1="25000" y1="18750" x2="25000" y2="18750"/>
+                        <a14:foregroundMark x1="25000" y1="68750" x2="25000" y2="68750"/>
+                        <a14:foregroundMark x1="68750" y1="68750" x2="68750" y2="68750"/>
+                        <a14:foregroundMark x1="68750" y1="18750" x2="68750" y2="18750"/>
+                      </a14:backgroundRemoval>
+                    </a14:imgEffect>
+                  </a14:imgLayer>
+                </a14:imgProps>
+              </a:ext>
+              <a:ext uri="{28A0092B-C50C-407E-A947-70E740481C1C}">
+                <a14:useLocalDpi xmlns:a14="http://schemas.microsoft.com/office/drawing/2010/main" val="0"/>
+              </a:ext>
+            </a:extLst>
+          </a:blip>
+          <a:stretch>
+            <a:fillRect/>
+          </a:stretch>
+        </p:blipFill>
+        <p:spPr>
+          <a:xfrm>
+            <a:off x="967549" y="3795303"/>
+            <a:ext cx="1136279" cy="1136279"/>
+          </a:xfrm>
+          <a:prstGeom prst="rect">
+            <a:avLst/>
+          </a:prstGeom>
+        </p:spPr>
+      </p:pic>
+      <p:sp>
+        <p:nvSpPr>
+          <p:cNvPr id="39" name="楕円 38"/>
+          <p:cNvSpPr/>
+          <p:nvPr/>
+        </p:nvSpPr>
+        <p:spPr>
+          <a:xfrm>
+            <a:off x="2969515" y="4641426"/>
+            <a:ext cx="655782" cy="476715"/>
+          </a:xfrm>
+          <a:prstGeom prst="ellipse">
+            <a:avLst/>
+          </a:prstGeom>
+          <a:solidFill>
+            <a:schemeClr val="tx1">
+              <a:lumMod val="65000"/>
+              <a:lumOff val="35000"/>
+            </a:schemeClr>
+          </a:solidFill>
+          <a:ln>
+            <a:solidFill>
+              <a:schemeClr val="tx1">
+                <a:lumMod val="75000"/>
+                <a:lumOff val="25000"/>
+              </a:schemeClr>
+            </a:solidFill>
+          </a:ln>
+        </p:spPr>
+        <p:style>
+          <a:lnRef idx="2">
+            <a:schemeClr val="accent1">
+              <a:shade val="50000"/>
+            </a:schemeClr>
+          </a:lnRef>
+          <a:fillRef idx="1">
+            <a:schemeClr val="accent1"/>
+          </a:fillRef>
+          <a:effectRef idx="0">
+            <a:schemeClr val="accent1"/>
+          </a:effectRef>
+          <a:fontRef idx="minor">
+            <a:schemeClr val="lt1"/>
+          </a:fontRef>
+        </p:style>
+        <p:txBody>
+          <a:bodyPr rtlCol="0" anchor="ctr"/>
+          <a:lstStyle/>
+          <a:p>
+            <a:pPr algn="ctr"/>
+            <a:endParaRPr kumimoji="1" lang="ja-JP" altLang="en-US">
+              <a:solidFill>
+                <a:srgbClr val="FF0000"/>
+              </a:solidFill>
+            </a:endParaRPr>
+          </a:p>
+        </p:txBody>
+      </p:sp>
+      <p:sp>
+        <p:nvSpPr>
+          <p:cNvPr id="5" name="正方形/長方形 4"/>
+          <p:cNvSpPr/>
+          <p:nvPr/>
+        </p:nvSpPr>
+        <p:spPr>
+          <a:xfrm>
+            <a:off x="0" y="0"/>
+            <a:ext cx="12190365" cy="6858000"/>
+          </a:xfrm>
+          <a:prstGeom prst="rect">
+            <a:avLst/>
+          </a:prstGeom>
+          <a:solidFill>
+            <a:schemeClr val="tx1">
+              <a:alpha val="65000"/>
+            </a:schemeClr>
+          </a:solidFill>
+        </p:spPr>
+        <p:style>
+          <a:lnRef idx="2">
+            <a:schemeClr val="accent1">
+              <a:shade val="50000"/>
+            </a:schemeClr>
+          </a:lnRef>
+          <a:fillRef idx="1">
+            <a:schemeClr val="accent1"/>
+          </a:fillRef>
+          <a:effectRef idx="0">
+            <a:schemeClr val="accent1"/>
+          </a:effectRef>
+          <a:fontRef idx="minor">
+            <a:schemeClr val="lt1"/>
+          </a:fontRef>
+        </p:style>
+        <p:txBody>
+          <a:bodyPr rtlCol="0" anchor="ctr"/>
+          <a:lstStyle/>
+          <a:p>
+            <a:pPr algn="ctr"/>
+            <a:endParaRPr kumimoji="1" lang="ja-JP" altLang="en-US">
+              <a:solidFill>
+                <a:schemeClr val="tx1"/>
+              </a:solidFill>
+            </a:endParaRPr>
+          </a:p>
+        </p:txBody>
+      </p:sp>
+      <p:sp>
+        <p:nvSpPr>
+          <p:cNvPr id="6" name="テキスト ボックス 5"/>
+          <p:cNvSpPr txBox="1"/>
+          <p:nvPr/>
+        </p:nvSpPr>
+        <p:spPr>
+          <a:xfrm>
+            <a:off x="3623959" y="2123524"/>
+            <a:ext cx="4402069" cy="1960986"/>
+          </a:xfrm>
+          <a:prstGeom prst="rect">
+            <a:avLst/>
+          </a:prstGeom>
+          <a:noFill/>
+        </p:spPr>
+        <p:txBody>
+          <a:bodyPr wrap="square" rtlCol="0">
+            <a:spAutoFit/>
+          </a:bodyPr>
+          <a:lstStyle/>
+          <a:p>
+            <a:pPr algn="ctr">
+              <a:lnSpc>
+                <a:spcPct val="150000"/>
+              </a:lnSpc>
+            </a:pPr>
+            <a:r>
+              <a:rPr kumimoji="1" lang="en-US" altLang="ja-JP" sz="3200" dirty="0" smtClean="0">
+                <a:solidFill>
+                  <a:schemeClr val="bg1"/>
+                </a:solidFill>
+              </a:rPr>
+              <a:t>Your score is</a:t>
+            </a:r>
+            <a:r>
+              <a:rPr kumimoji="1" lang="ja-JP" altLang="en-US" sz="3200" dirty="0" smtClean="0">
+                <a:solidFill>
+                  <a:schemeClr val="bg1"/>
+                </a:solidFill>
+              </a:rPr>
+              <a:t>・・・</a:t>
+            </a:r>
+            <a:endParaRPr kumimoji="1" lang="en-US" altLang="ja-JP" sz="3200" dirty="0" smtClean="0">
+              <a:solidFill>
+                <a:schemeClr val="bg1"/>
+              </a:solidFill>
+            </a:endParaRPr>
+          </a:p>
+          <a:p>
+            <a:pPr algn="ctr">
+              <a:lnSpc>
+                <a:spcPct val="150000"/>
+              </a:lnSpc>
+            </a:pPr>
+            <a:r>
+              <a:rPr lang="en-US" altLang="ja-JP" sz="5400" dirty="0" smtClean="0">
+                <a:solidFill>
+                  <a:schemeClr val="bg1"/>
+                </a:solidFill>
+              </a:rPr>
+              <a:t>1.11km</a:t>
+            </a:r>
+            <a:endParaRPr kumimoji="1" lang="ja-JP" altLang="en-US" sz="5400" dirty="0">
+              <a:solidFill>
+                <a:schemeClr val="bg1"/>
+              </a:solidFill>
+            </a:endParaRPr>
+          </a:p>
+        </p:txBody>
+      </p:sp>
+      <p:sp>
+        <p:nvSpPr>
+          <p:cNvPr id="8" name="テキスト ボックス 7"/>
+          <p:cNvSpPr txBox="1"/>
+          <p:nvPr/>
+        </p:nvSpPr>
+        <p:spPr>
+          <a:xfrm>
+            <a:off x="4277032" y="4841804"/>
+            <a:ext cx="3095922" cy="830997"/>
+          </a:xfrm>
+          <a:prstGeom prst="rect">
+            <a:avLst/>
+          </a:prstGeom>
+          <a:noFill/>
+        </p:spPr>
+        <p:txBody>
+          <a:bodyPr wrap="square" rtlCol="0">
+            <a:spAutoFit/>
+          </a:bodyPr>
+          <a:lstStyle/>
+          <a:p>
+            <a:pPr algn="ctr"/>
+            <a:r>
+              <a:rPr lang="ja-JP" altLang="en-US" sz="2400" dirty="0">
+                <a:solidFill>
+                  <a:schemeClr val="bg1"/>
+                </a:solidFill>
+              </a:rPr>
+              <a:t>タイトル</a:t>
+            </a:r>
+            <a:r>
+              <a:rPr kumimoji="1" lang="en-US" altLang="ja-JP" sz="2400" dirty="0" smtClean="0">
+                <a:solidFill>
+                  <a:schemeClr val="bg1"/>
+                </a:solidFill>
+              </a:rPr>
+              <a:t> </a:t>
+            </a:r>
+            <a:r>
+              <a:rPr kumimoji="1" lang="ja-JP" altLang="en-US" sz="2400" dirty="0" smtClean="0">
+                <a:solidFill>
+                  <a:schemeClr val="bg1"/>
+                </a:solidFill>
+              </a:rPr>
+              <a:t>～～～～</a:t>
+            </a:r>
+            <a:endParaRPr kumimoji="1" lang="en-US" altLang="ja-JP" sz="2400" dirty="0" smtClean="0">
+              <a:solidFill>
+                <a:schemeClr val="bg1"/>
+              </a:solidFill>
+            </a:endParaRPr>
+          </a:p>
+          <a:p>
+            <a:pPr algn="ctr"/>
+            <a:r>
+              <a:rPr lang="ja-JP" altLang="en-US" sz="2400" dirty="0" smtClean="0">
+                <a:solidFill>
+                  <a:schemeClr val="bg1"/>
+                </a:solidFill>
+              </a:rPr>
+              <a:t>リトライ ～～～～</a:t>
+            </a:r>
+            <a:endParaRPr kumimoji="1" lang="ja-JP" altLang="en-US" sz="2400" dirty="0">
+              <a:solidFill>
+                <a:schemeClr val="bg1"/>
+              </a:solidFill>
+            </a:endParaRPr>
+          </a:p>
+        </p:txBody>
+      </p:sp>
+      <p:sp>
+        <p:nvSpPr>
+          <p:cNvPr id="10" name="テキスト ボックス 9"/>
+          <p:cNvSpPr txBox="1"/>
+          <p:nvPr/>
+        </p:nvSpPr>
+        <p:spPr>
+          <a:xfrm>
+            <a:off x="118531" y="202450"/>
+            <a:ext cx="1778295" cy="369332"/>
+          </a:xfrm>
+          <a:prstGeom prst="rect">
+            <a:avLst/>
+          </a:prstGeom>
+          <a:noFill/>
+        </p:spPr>
+        <p:txBody>
+          <a:bodyPr wrap="square" rtlCol="0">
+            <a:spAutoFit/>
+          </a:bodyPr>
+          <a:lstStyle/>
+          <a:p>
+            <a:r>
+              <a:rPr kumimoji="1" lang="en-US" altLang="ja-JP" dirty="0" smtClean="0">
+                <a:solidFill>
+                  <a:schemeClr val="bg1"/>
+                </a:solidFill>
+              </a:rPr>
+              <a:t>(</a:t>
+            </a:r>
+            <a:r>
+              <a:rPr kumimoji="1" lang="ja-JP" altLang="en-US" dirty="0" smtClean="0">
+                <a:solidFill>
+                  <a:schemeClr val="bg1"/>
+                </a:solidFill>
+              </a:rPr>
+              <a:t>リザルト画面</a:t>
+            </a:r>
+            <a:r>
+              <a:rPr kumimoji="1" lang="en-US" altLang="ja-JP" dirty="0" smtClean="0">
+                <a:solidFill>
+                  <a:schemeClr val="bg1"/>
+                </a:solidFill>
+              </a:rPr>
+              <a:t>)</a:t>
+            </a:r>
+            <a:endParaRPr kumimoji="1" lang="ja-JP" altLang="en-US" dirty="0">
+              <a:solidFill>
+                <a:schemeClr val="bg1"/>
+              </a:solidFill>
+            </a:endParaRPr>
+          </a:p>
+        </p:txBody>
+      </p:sp>
+    </p:spTree>
+    <p:extLst>
+      <p:ext uri="{BB962C8B-B14F-4D97-AF65-F5344CB8AC3E}">
+        <p14:creationId xmlns:p14="http://schemas.microsoft.com/office/powerpoint/2010/main" val="469739339"/>
+      </p:ext>
+    </p:extLst>
+  </p:cSld>
+  <p:clrMapOvr>
+    <a:masterClrMapping/>
+  </p:clrMapOvr>
+  <p:timing>
+    <p:tnLst>
+      <p:par>
+        <p:cTn id="1" dur="indefinite" restart="never" nodeType="tmRoot"/>
+      </p:par>
+    </p:tnLst>
+  </p:timing>
+</p:sld>
+</file>
+
 <file path=ppt/slides/slide2.xml><?xml version="1.0" encoding="utf-8"?>
 <p:sld xmlns:a="http://schemas.openxmlformats.org/drawingml/2006/main" xmlns:r="http://schemas.openxmlformats.org/officeDocument/2006/relationships" xmlns:p="http://schemas.openxmlformats.org/presentationml/2006/main">
   <p:cSld>
@@ -4174,6 +5497,1250 @@
   <p:clrMapOvr>
     <a:masterClrMapping/>
   </p:clrMapOvr>
+</p:sld>
+</file>
+
+<file path=ppt/slides/slide8.xml><?xml version="1.0" encoding="utf-8"?>
+<p:sld xmlns:a="http://schemas.openxmlformats.org/drawingml/2006/main" xmlns:r="http://schemas.openxmlformats.org/officeDocument/2006/relationships" xmlns:p="http://schemas.openxmlformats.org/presentationml/2006/main">
+  <p:cSld>
+    <p:spTree>
+      <p:nvGrpSpPr>
+        <p:cNvPr id="1" name=""/>
+        <p:cNvGrpSpPr/>
+        <p:nvPr/>
+      </p:nvGrpSpPr>
+      <p:grpSpPr>
+        <a:xfrm>
+          <a:off x="0" y="0"/>
+          <a:ext cx="0" cy="0"/>
+          <a:chOff x="0" y="0"/>
+          <a:chExt cx="0" cy="0"/>
+        </a:xfrm>
+      </p:grpSpPr>
+      <p:sp>
+        <p:nvSpPr>
+          <p:cNvPr id="2" name="テキスト ボックス 1"/>
+          <p:cNvSpPr txBox="1"/>
+          <p:nvPr/>
+        </p:nvSpPr>
+        <p:spPr>
+          <a:xfrm>
+            <a:off x="408214" y="318407"/>
+            <a:ext cx="2588079" cy="461665"/>
+          </a:xfrm>
+          <a:prstGeom prst="rect">
+            <a:avLst/>
+          </a:prstGeom>
+          <a:noFill/>
+        </p:spPr>
+        <p:txBody>
+          <a:bodyPr wrap="square" rtlCol="0">
+            <a:spAutoFit/>
+          </a:bodyPr>
+          <a:lstStyle/>
+          <a:p>
+            <a:r>
+              <a:rPr kumimoji="1" lang="en-US" altLang="ja-JP" sz="2400" dirty="0" smtClean="0"/>
+              <a:t>(</a:t>
+            </a:r>
+            <a:r>
+              <a:rPr kumimoji="1" lang="ja-JP" altLang="en-US" sz="2400" dirty="0" smtClean="0"/>
+              <a:t>タイトル画面</a:t>
+            </a:r>
+            <a:r>
+              <a:rPr kumimoji="1" lang="en-US" altLang="ja-JP" sz="2400" dirty="0" smtClean="0"/>
+              <a:t>)</a:t>
+            </a:r>
+            <a:endParaRPr kumimoji="1" lang="ja-JP" altLang="en-US" sz="2400" dirty="0"/>
+          </a:p>
+        </p:txBody>
+      </p:sp>
+      <p:sp>
+        <p:nvSpPr>
+          <p:cNvPr id="3" name="テキスト ボックス 2"/>
+          <p:cNvSpPr txBox="1"/>
+          <p:nvPr/>
+        </p:nvSpPr>
+        <p:spPr>
+          <a:xfrm>
+            <a:off x="1223456" y="2001288"/>
+            <a:ext cx="9454243" cy="1446550"/>
+          </a:xfrm>
+          <a:prstGeom prst="rect">
+            <a:avLst/>
+          </a:prstGeom>
+          <a:noFill/>
+        </p:spPr>
+        <p:txBody>
+          <a:bodyPr wrap="square" rtlCol="0">
+            <a:spAutoFit/>
+          </a:bodyPr>
+          <a:lstStyle/>
+          <a:p>
+            <a:pPr algn="ctr"/>
+            <a:r>
+              <a:rPr lang="ja-JP" altLang="en-US" sz="4400" dirty="0" smtClean="0"/>
+              <a:t>ベルトスクロールアドベンチャー</a:t>
+            </a:r>
+            <a:endParaRPr lang="en-US" altLang="ja-JP" sz="4400" dirty="0" smtClean="0"/>
+          </a:p>
+          <a:p>
+            <a:pPr algn="ctr"/>
+            <a:r>
+              <a:rPr lang="en-US" altLang="ja-JP" sz="4400" dirty="0" smtClean="0"/>
+              <a:t>(</a:t>
+            </a:r>
+            <a:r>
+              <a:rPr lang="ja-JP" altLang="en-US" sz="4400" dirty="0" smtClean="0"/>
+              <a:t>仮タイトル：後で考える</a:t>
+            </a:r>
+            <a:r>
+              <a:rPr lang="en-US" altLang="ja-JP" sz="4400" dirty="0" smtClean="0"/>
+              <a:t>)</a:t>
+            </a:r>
+            <a:endParaRPr kumimoji="1" lang="ja-JP" altLang="en-US" sz="4400" dirty="0"/>
+          </a:p>
+        </p:txBody>
+      </p:sp>
+      <p:sp>
+        <p:nvSpPr>
+          <p:cNvPr id="4" name="テキスト ボックス 3"/>
+          <p:cNvSpPr txBox="1"/>
+          <p:nvPr/>
+        </p:nvSpPr>
+        <p:spPr>
+          <a:xfrm>
+            <a:off x="4325884" y="4465864"/>
+            <a:ext cx="3249386" cy="584775"/>
+          </a:xfrm>
+          <a:prstGeom prst="rect">
+            <a:avLst/>
+          </a:prstGeom>
+          <a:noFill/>
+        </p:spPr>
+        <p:txBody>
+          <a:bodyPr wrap="square" rtlCol="0">
+            <a:spAutoFit/>
+          </a:bodyPr>
+          <a:lstStyle/>
+          <a:p>
+            <a:r>
+              <a:rPr kumimoji="1" lang="en-US" altLang="ja-JP" sz="3200" dirty="0" smtClean="0"/>
+              <a:t>PUSH </a:t>
+            </a:r>
+            <a:r>
+              <a:rPr kumimoji="1" lang="ja-JP" altLang="en-US" sz="3200" dirty="0" smtClean="0"/>
+              <a:t>～～～～</a:t>
+            </a:r>
+            <a:endParaRPr kumimoji="1" lang="ja-JP" altLang="en-US" sz="3200" dirty="0"/>
+          </a:p>
+        </p:txBody>
+      </p:sp>
+    </p:spTree>
+    <p:extLst>
+      <p:ext uri="{BB962C8B-B14F-4D97-AF65-F5344CB8AC3E}">
+        <p14:creationId xmlns:p14="http://schemas.microsoft.com/office/powerpoint/2010/main" val="3563035804"/>
+      </p:ext>
+    </p:extLst>
+  </p:cSld>
+  <p:clrMapOvr>
+    <a:masterClrMapping/>
+  </p:clrMapOvr>
+</p:sld>
+</file>
+
+<file path=ppt/slides/slide9.xml><?xml version="1.0" encoding="utf-8"?>
+<p:sld xmlns:a="http://schemas.openxmlformats.org/drawingml/2006/main" xmlns:r="http://schemas.openxmlformats.org/officeDocument/2006/relationships" xmlns:p="http://schemas.openxmlformats.org/presentationml/2006/main">
+  <p:cSld>
+    <p:spTree>
+      <p:nvGrpSpPr>
+        <p:cNvPr id="1" name=""/>
+        <p:cNvGrpSpPr/>
+        <p:nvPr/>
+      </p:nvGrpSpPr>
+      <p:grpSpPr>
+        <a:xfrm>
+          <a:off x="0" y="0"/>
+          <a:ext cx="0" cy="0"/>
+          <a:chOff x="0" y="0"/>
+          <a:chExt cx="0" cy="0"/>
+        </a:xfrm>
+      </p:grpSpPr>
+      <p:grpSp>
+        <p:nvGrpSpPr>
+          <p:cNvPr id="4" name="グループ化 3"/>
+          <p:cNvGrpSpPr/>
+          <p:nvPr/>
+        </p:nvGrpSpPr>
+        <p:grpSpPr>
+          <a:xfrm>
+            <a:off x="0" y="0"/>
+            <a:ext cx="12192000" cy="6858000"/>
+            <a:chOff x="2519258" y="1516930"/>
+            <a:chExt cx="6705614" cy="3768865"/>
+          </a:xfrm>
+        </p:grpSpPr>
+        <p:pic>
+          <p:nvPicPr>
+            <p:cNvPr id="2" name="図 1"/>
+            <p:cNvPicPr>
+              <a:picLocks noChangeAspect="1"/>
+            </p:cNvPicPr>
+            <p:nvPr/>
+          </p:nvPicPr>
+          <p:blipFill>
+            <a:blip r:embed="rId3" cstate="print">
+              <a:extLst>
+                <a:ext uri="{28A0092B-C50C-407E-A947-70E740481C1C}">
+                  <a14:useLocalDpi xmlns:a14="http://schemas.microsoft.com/office/drawing/2010/main" val="0"/>
+                </a:ext>
+              </a:extLst>
+            </a:blip>
+            <a:stretch>
+              <a:fillRect/>
+            </a:stretch>
+          </p:blipFill>
+          <p:spPr>
+            <a:xfrm>
+              <a:off x="2519258" y="1628188"/>
+              <a:ext cx="6705614" cy="3657607"/>
+            </a:xfrm>
+            <a:prstGeom prst="rect">
+              <a:avLst/>
+            </a:prstGeom>
+          </p:spPr>
+        </p:pic>
+        <p:pic>
+          <p:nvPicPr>
+            <p:cNvPr id="3" name="図 2"/>
+            <p:cNvPicPr>
+              <a:picLocks noChangeAspect="1"/>
+            </p:cNvPicPr>
+            <p:nvPr/>
+          </p:nvPicPr>
+          <p:blipFill>
+            <a:blip r:embed="rId4" cstate="print">
+              <a:extLst>
+                <a:ext uri="{28A0092B-C50C-407E-A947-70E740481C1C}">
+                  <a14:useLocalDpi xmlns:a14="http://schemas.microsoft.com/office/drawing/2010/main" val="0"/>
+                </a:ext>
+              </a:extLst>
+            </a:blip>
+            <a:stretch>
+              <a:fillRect/>
+            </a:stretch>
+          </p:blipFill>
+          <p:spPr>
+            <a:xfrm>
+              <a:off x="2519258" y="1516930"/>
+              <a:ext cx="6705614" cy="3657607"/>
+            </a:xfrm>
+            <a:prstGeom prst="rect">
+              <a:avLst/>
+            </a:prstGeom>
+          </p:spPr>
+        </p:pic>
+      </p:grpSp>
+      <p:sp>
+        <p:nvSpPr>
+          <p:cNvPr id="7" name="テキスト ボックス 6"/>
+          <p:cNvSpPr txBox="1"/>
+          <p:nvPr/>
+        </p:nvSpPr>
+        <p:spPr>
+          <a:xfrm>
+            <a:off x="9531142" y="259487"/>
+            <a:ext cx="2659224" cy="523220"/>
+          </a:xfrm>
+          <a:prstGeom prst="rect">
+            <a:avLst/>
+          </a:prstGeom>
+          <a:noFill/>
+        </p:spPr>
+        <p:txBody>
+          <a:bodyPr wrap="square" rtlCol="0">
+            <a:spAutoFit/>
+          </a:bodyPr>
+          <a:lstStyle/>
+          <a:p>
+            <a:pPr algn="ctr"/>
+            <a:r>
+              <a:rPr kumimoji="1" lang="ja-JP" altLang="en-US" sz="2800" dirty="0" smtClean="0">
+                <a:solidFill>
+                  <a:schemeClr val="bg1"/>
+                </a:solidFill>
+                <a:latin typeface="Arial Black" panose="020B0A04020102020204" pitchFamily="34" charset="0"/>
+              </a:rPr>
+              <a:t>１</a:t>
+            </a:r>
+            <a:r>
+              <a:rPr lang="en-US" altLang="ja-JP" sz="2800" dirty="0">
+                <a:solidFill>
+                  <a:schemeClr val="bg1"/>
+                </a:solidFill>
+                <a:latin typeface="Arial Black" panose="020B0A04020102020204" pitchFamily="34" charset="0"/>
+              </a:rPr>
+              <a:t>.</a:t>
+            </a:r>
+            <a:r>
+              <a:rPr kumimoji="1" lang="ja-JP" altLang="en-US" sz="2800" dirty="0" smtClean="0">
+                <a:solidFill>
+                  <a:schemeClr val="bg1"/>
+                </a:solidFill>
+                <a:latin typeface="Arial Black" panose="020B0A04020102020204" pitchFamily="34" charset="0"/>
+              </a:rPr>
+              <a:t>１１ｋｍ</a:t>
+            </a:r>
+            <a:endParaRPr kumimoji="1" lang="ja-JP" altLang="en-US" sz="2800" dirty="0">
+              <a:solidFill>
+                <a:schemeClr val="bg1"/>
+              </a:solidFill>
+              <a:latin typeface="Arial Black" panose="020B0A04020102020204" pitchFamily="34" charset="0"/>
+            </a:endParaRPr>
+          </a:p>
+        </p:txBody>
+      </p:sp>
+      <p:pic>
+        <p:nvPicPr>
+          <p:cNvPr id="26" name="図 25"/>
+          <p:cNvPicPr>
+            <a:picLocks noChangeAspect="1"/>
+          </p:cNvPicPr>
+          <p:nvPr/>
+        </p:nvPicPr>
+        <p:blipFill>
+          <a:blip r:embed="rId5" cstate="print">
+            <a:extLst>
+              <a:ext uri="{28A0092B-C50C-407E-A947-70E740481C1C}">
+                <a14:useLocalDpi xmlns:a14="http://schemas.microsoft.com/office/drawing/2010/main" val="0"/>
+              </a:ext>
+            </a:extLst>
+          </a:blip>
+          <a:stretch>
+            <a:fillRect/>
+          </a:stretch>
+        </p:blipFill>
+        <p:spPr>
+          <a:xfrm>
+            <a:off x="8870886" y="5860129"/>
+            <a:ext cx="773299" cy="831505"/>
+          </a:xfrm>
+          <a:prstGeom prst="rect">
+            <a:avLst/>
+          </a:prstGeom>
+        </p:spPr>
+      </p:pic>
+      <p:grpSp>
+        <p:nvGrpSpPr>
+          <p:cNvPr id="37" name="グループ化 36"/>
+          <p:cNvGrpSpPr/>
+          <p:nvPr/>
+        </p:nvGrpSpPr>
+        <p:grpSpPr>
+          <a:xfrm>
+            <a:off x="478100" y="336771"/>
+            <a:ext cx="1647912" cy="524951"/>
+            <a:chOff x="251973" y="183749"/>
+            <a:chExt cx="1647912" cy="524951"/>
+          </a:xfrm>
+        </p:grpSpPr>
+        <p:pic>
+          <p:nvPicPr>
+            <p:cNvPr id="30" name="図 29"/>
+            <p:cNvPicPr>
+              <a:picLocks noChangeAspect="1"/>
+            </p:cNvPicPr>
+            <p:nvPr/>
+          </p:nvPicPr>
+          <p:blipFill>
+            <a:blip r:embed="rId6" cstate="print">
+              <a:extLst>
+                <a:ext uri="{28A0092B-C50C-407E-A947-70E740481C1C}">
+                  <a14:useLocalDpi xmlns:a14="http://schemas.microsoft.com/office/drawing/2010/main" val="0"/>
+                </a:ext>
+              </a:extLst>
+            </a:blip>
+            <a:stretch>
+              <a:fillRect/>
+            </a:stretch>
+          </p:blipFill>
+          <p:spPr>
+            <a:xfrm flipH="1">
+              <a:off x="251973" y="183749"/>
+              <a:ext cx="521119" cy="524951"/>
+            </a:xfrm>
+            <a:prstGeom prst="rect">
+              <a:avLst/>
+            </a:prstGeom>
+          </p:spPr>
+        </p:pic>
+        <p:pic>
+          <p:nvPicPr>
+            <p:cNvPr id="31" name="図 30"/>
+            <p:cNvPicPr>
+              <a:picLocks noChangeAspect="1"/>
+            </p:cNvPicPr>
+            <p:nvPr/>
+          </p:nvPicPr>
+          <p:blipFill>
+            <a:blip r:embed="rId6" cstate="print">
+              <a:extLst>
+                <a:ext uri="{28A0092B-C50C-407E-A947-70E740481C1C}">
+                  <a14:useLocalDpi xmlns:a14="http://schemas.microsoft.com/office/drawing/2010/main" val="0"/>
+                </a:ext>
+              </a:extLst>
+            </a:blip>
+            <a:stretch>
+              <a:fillRect/>
+            </a:stretch>
+          </p:blipFill>
+          <p:spPr>
+            <a:xfrm flipH="1">
+              <a:off x="815370" y="183749"/>
+              <a:ext cx="521119" cy="524951"/>
+            </a:xfrm>
+            <a:prstGeom prst="rect">
+              <a:avLst/>
+            </a:prstGeom>
+          </p:spPr>
+        </p:pic>
+        <p:pic>
+          <p:nvPicPr>
+            <p:cNvPr id="32" name="図 31"/>
+            <p:cNvPicPr>
+              <a:picLocks noChangeAspect="1"/>
+            </p:cNvPicPr>
+            <p:nvPr/>
+          </p:nvPicPr>
+          <p:blipFill>
+            <a:blip r:embed="rId6" cstate="print">
+              <a:extLst>
+                <a:ext uri="{28A0092B-C50C-407E-A947-70E740481C1C}">
+                  <a14:useLocalDpi xmlns:a14="http://schemas.microsoft.com/office/drawing/2010/main" val="0"/>
+                </a:ext>
+              </a:extLst>
+            </a:blip>
+            <a:stretch>
+              <a:fillRect/>
+            </a:stretch>
+          </p:blipFill>
+          <p:spPr>
+            <a:xfrm flipH="1">
+              <a:off x="1378766" y="183749"/>
+              <a:ext cx="521119" cy="524951"/>
+            </a:xfrm>
+            <a:prstGeom prst="rect">
+              <a:avLst/>
+            </a:prstGeom>
+          </p:spPr>
+        </p:pic>
+      </p:grpSp>
+      <p:sp>
+        <p:nvSpPr>
+          <p:cNvPr id="28" name="テキスト ボックス 27"/>
+          <p:cNvSpPr txBox="1"/>
+          <p:nvPr/>
+        </p:nvSpPr>
+        <p:spPr>
+          <a:xfrm>
+            <a:off x="10922541" y="3516098"/>
+            <a:ext cx="523400" cy="461665"/>
+          </a:xfrm>
+          <a:prstGeom prst="rect">
+            <a:avLst/>
+          </a:prstGeom>
+          <a:solidFill>
+            <a:schemeClr val="accent2">
+              <a:lumMod val="60000"/>
+              <a:lumOff val="40000"/>
+            </a:schemeClr>
+          </a:solidFill>
+        </p:spPr>
+        <p:txBody>
+          <a:bodyPr wrap="square" rtlCol="0">
+            <a:spAutoFit/>
+          </a:bodyPr>
+          <a:lstStyle/>
+          <a:p>
+            <a:pPr algn="ctr"/>
+            <a:r>
+              <a:rPr lang="ja-JP" altLang="en-US" sz="2400" dirty="0"/>
+              <a:t>針</a:t>
+            </a:r>
+            <a:endParaRPr kumimoji="1" lang="ja-JP" altLang="en-US" sz="2400" dirty="0"/>
+          </a:p>
+        </p:txBody>
+      </p:sp>
+      <p:sp>
+        <p:nvSpPr>
+          <p:cNvPr id="35" name="テキスト ボックス 34"/>
+          <p:cNvSpPr txBox="1"/>
+          <p:nvPr/>
+        </p:nvSpPr>
+        <p:spPr>
+          <a:xfrm>
+            <a:off x="2912849" y="3227340"/>
+            <a:ext cx="1781879" cy="461665"/>
+          </a:xfrm>
+          <a:prstGeom prst="rect">
+            <a:avLst/>
+          </a:prstGeom>
+          <a:solidFill>
+            <a:schemeClr val="accent2">
+              <a:lumMod val="60000"/>
+              <a:lumOff val="40000"/>
+            </a:schemeClr>
+          </a:solidFill>
+        </p:spPr>
+        <p:txBody>
+          <a:bodyPr wrap="square" rtlCol="0">
+            <a:spAutoFit/>
+          </a:bodyPr>
+          <a:lstStyle/>
+          <a:p>
+            <a:pPr algn="ctr"/>
+            <a:r>
+              <a:rPr lang="ja-JP" altLang="en-US" sz="2400" dirty="0" smtClean="0"/>
+              <a:t>プレイヤー</a:t>
+            </a:r>
+            <a:endParaRPr kumimoji="1" lang="en-US" altLang="ja-JP" sz="2400" dirty="0" smtClean="0"/>
+          </a:p>
+        </p:txBody>
+      </p:sp>
+      <p:sp>
+        <p:nvSpPr>
+          <p:cNvPr id="36" name="テキスト ボックス 35"/>
+          <p:cNvSpPr txBox="1"/>
+          <p:nvPr/>
+        </p:nvSpPr>
+        <p:spPr>
+          <a:xfrm>
+            <a:off x="6601469" y="3901777"/>
+            <a:ext cx="560271" cy="461665"/>
+          </a:xfrm>
+          <a:prstGeom prst="rect">
+            <a:avLst/>
+          </a:prstGeom>
+          <a:solidFill>
+            <a:schemeClr val="accent2">
+              <a:lumMod val="60000"/>
+              <a:lumOff val="40000"/>
+            </a:schemeClr>
+          </a:solidFill>
+        </p:spPr>
+        <p:txBody>
+          <a:bodyPr wrap="square" rtlCol="0">
+            <a:spAutoFit/>
+          </a:bodyPr>
+          <a:lstStyle/>
+          <a:p>
+            <a:pPr algn="ctr"/>
+            <a:r>
+              <a:rPr lang="ja-JP" altLang="en-US" sz="2400" dirty="0"/>
+              <a:t>岩</a:t>
+            </a:r>
+            <a:endParaRPr lang="en-US" altLang="ja-JP" sz="2400" dirty="0" smtClean="0"/>
+          </a:p>
+        </p:txBody>
+      </p:sp>
+      <p:pic>
+        <p:nvPicPr>
+          <p:cNvPr id="29" name="図 28"/>
+          <p:cNvPicPr>
+            <a:picLocks noChangeAspect="1"/>
+          </p:cNvPicPr>
+          <p:nvPr/>
+        </p:nvPicPr>
+        <p:blipFill rotWithShape="1">
+          <a:blip r:embed="rId7" cstate="print">
+            <a:extLst>
+              <a:ext uri="{28A0092B-C50C-407E-A947-70E740481C1C}">
+                <a14:useLocalDpi xmlns:a14="http://schemas.microsoft.com/office/drawing/2010/main" val="0"/>
+              </a:ext>
+            </a:extLst>
+          </a:blip>
+          <a:srcRect l="27604" t="19307" r="10603" b="2564"/>
+          <a:stretch/>
+        </p:blipFill>
+        <p:spPr>
+          <a:xfrm rot="2091790">
+            <a:off x="5809559" y="4101253"/>
+            <a:ext cx="2076176" cy="1968814"/>
+          </a:xfrm>
+          <a:prstGeom prst="ellipse">
+            <a:avLst/>
+          </a:prstGeom>
+        </p:spPr>
+      </p:pic>
+      <p:sp>
+        <p:nvSpPr>
+          <p:cNvPr id="38" name="テキスト ボックス 37"/>
+          <p:cNvSpPr txBox="1"/>
+          <p:nvPr/>
+        </p:nvSpPr>
+        <p:spPr>
+          <a:xfrm>
+            <a:off x="5542827" y="1480640"/>
+            <a:ext cx="804615" cy="461665"/>
+          </a:xfrm>
+          <a:prstGeom prst="rect">
+            <a:avLst/>
+          </a:prstGeom>
+          <a:solidFill>
+            <a:schemeClr val="accent2">
+              <a:lumMod val="60000"/>
+              <a:lumOff val="40000"/>
+            </a:schemeClr>
+          </a:solidFill>
+        </p:spPr>
+        <p:txBody>
+          <a:bodyPr wrap="square" rtlCol="0">
+            <a:spAutoFit/>
+          </a:bodyPr>
+          <a:lstStyle/>
+          <a:p>
+            <a:pPr algn="ctr"/>
+            <a:r>
+              <a:rPr lang="ja-JP" altLang="en-US" sz="2400" dirty="0"/>
+              <a:t>背景</a:t>
+            </a:r>
+            <a:endParaRPr kumimoji="1" lang="en-US" altLang="ja-JP" sz="2400" dirty="0" smtClean="0"/>
+          </a:p>
+        </p:txBody>
+      </p:sp>
+      <p:sp>
+        <p:nvSpPr>
+          <p:cNvPr id="41" name="テキスト ボックス 40"/>
+          <p:cNvSpPr txBox="1"/>
+          <p:nvPr/>
+        </p:nvSpPr>
+        <p:spPr>
+          <a:xfrm>
+            <a:off x="9750426" y="5653933"/>
+            <a:ext cx="1491068" cy="461665"/>
+          </a:xfrm>
+          <a:prstGeom prst="rect">
+            <a:avLst/>
+          </a:prstGeom>
+          <a:solidFill>
+            <a:schemeClr val="accent2">
+              <a:lumMod val="60000"/>
+              <a:lumOff val="40000"/>
+            </a:schemeClr>
+          </a:solidFill>
+        </p:spPr>
+        <p:txBody>
+          <a:bodyPr wrap="square" rtlCol="0">
+            <a:spAutoFit/>
+          </a:bodyPr>
+          <a:lstStyle/>
+          <a:p>
+            <a:pPr algn="ctr"/>
+            <a:r>
+              <a:rPr lang="ja-JP" altLang="en-US" sz="2400" dirty="0" smtClean="0"/>
+              <a:t>アイテム</a:t>
+            </a:r>
+            <a:endParaRPr kumimoji="1" lang="en-US" altLang="ja-JP" sz="2400" dirty="0" smtClean="0"/>
+          </a:p>
+        </p:txBody>
+      </p:sp>
+      <p:pic>
+        <p:nvPicPr>
+          <p:cNvPr id="40" name="図 39"/>
+          <p:cNvPicPr>
+            <a:picLocks noChangeAspect="1"/>
+          </p:cNvPicPr>
+          <p:nvPr/>
+        </p:nvPicPr>
+        <p:blipFill>
+          <a:blip r:embed="rId8">
+            <a:extLst>
+              <a:ext uri="{BEBA8EAE-BF5A-486C-A8C5-ECC9F3942E4B}">
+                <a14:imgProps xmlns:a14="http://schemas.microsoft.com/office/drawing/2010/main">
+                  <a14:imgLayer r:embed="rId9">
+                    <a14:imgEffect>
+                      <a14:backgroundRemoval t="0" b="93750" l="6250" r="87500">
+                        <a14:foregroundMark x1="25000" y1="18750" x2="25000" y2="18750"/>
+                        <a14:foregroundMark x1="25000" y1="68750" x2="25000" y2="68750"/>
+                        <a14:foregroundMark x1="68750" y1="68750" x2="68750" y2="68750"/>
+                        <a14:foregroundMark x1="68750" y1="18750" x2="68750" y2="18750"/>
+                      </a14:backgroundRemoval>
+                    </a14:imgEffect>
+                  </a14:imgLayer>
+                </a14:imgProps>
+              </a:ext>
+              <a:ext uri="{28A0092B-C50C-407E-A947-70E740481C1C}">
+                <a14:useLocalDpi xmlns:a14="http://schemas.microsoft.com/office/drawing/2010/main" val="0"/>
+              </a:ext>
+            </a:extLst>
+          </a:blip>
+          <a:stretch>
+            <a:fillRect/>
+          </a:stretch>
+        </p:blipFill>
+        <p:spPr>
+          <a:xfrm>
+            <a:off x="8881514" y="3949381"/>
+            <a:ext cx="1136279" cy="1136279"/>
+          </a:xfrm>
+          <a:prstGeom prst="rect">
+            <a:avLst/>
+          </a:prstGeom>
+        </p:spPr>
+      </p:pic>
+      <p:pic>
+        <p:nvPicPr>
+          <p:cNvPr id="42" name="図 41"/>
+          <p:cNvPicPr>
+            <a:picLocks noChangeAspect="1"/>
+          </p:cNvPicPr>
+          <p:nvPr/>
+        </p:nvPicPr>
+        <p:blipFill>
+          <a:blip r:embed="rId8">
+            <a:extLst>
+              <a:ext uri="{BEBA8EAE-BF5A-486C-A8C5-ECC9F3942E4B}">
+                <a14:imgProps xmlns:a14="http://schemas.microsoft.com/office/drawing/2010/main">
+                  <a14:imgLayer r:embed="rId9">
+                    <a14:imgEffect>
+                      <a14:backgroundRemoval t="0" b="93750" l="6250" r="87500">
+                        <a14:foregroundMark x1="25000" y1="18750" x2="25000" y2="18750"/>
+                        <a14:foregroundMark x1="25000" y1="68750" x2="25000" y2="68750"/>
+                        <a14:foregroundMark x1="68750" y1="68750" x2="68750" y2="68750"/>
+                        <a14:foregroundMark x1="68750" y1="18750" x2="68750" y2="18750"/>
+                      </a14:backgroundRemoval>
+                    </a14:imgEffect>
+                  </a14:imgLayer>
+                </a14:imgProps>
+              </a:ext>
+              <a:ext uri="{28A0092B-C50C-407E-A947-70E740481C1C}">
+                <a14:useLocalDpi xmlns:a14="http://schemas.microsoft.com/office/drawing/2010/main" val="0"/>
+              </a:ext>
+            </a:extLst>
+          </a:blip>
+          <a:stretch>
+            <a:fillRect/>
+          </a:stretch>
+        </p:blipFill>
+        <p:spPr>
+          <a:xfrm>
+            <a:off x="10005122" y="3949381"/>
+            <a:ext cx="1136279" cy="1136279"/>
+          </a:xfrm>
+          <a:prstGeom prst="rect">
+            <a:avLst/>
+          </a:prstGeom>
+        </p:spPr>
+      </p:pic>
+      <p:pic>
+        <p:nvPicPr>
+          <p:cNvPr id="43" name="図 42"/>
+          <p:cNvPicPr>
+            <a:picLocks noChangeAspect="1"/>
+          </p:cNvPicPr>
+          <p:nvPr/>
+        </p:nvPicPr>
+        <p:blipFill>
+          <a:blip r:embed="rId8">
+            <a:extLst>
+              <a:ext uri="{BEBA8EAE-BF5A-486C-A8C5-ECC9F3942E4B}">
+                <a14:imgProps xmlns:a14="http://schemas.microsoft.com/office/drawing/2010/main">
+                  <a14:imgLayer r:embed="rId9">
+                    <a14:imgEffect>
+                      <a14:backgroundRemoval t="0" b="93750" l="6250" r="87500">
+                        <a14:foregroundMark x1="25000" y1="18750" x2="25000" y2="18750"/>
+                        <a14:foregroundMark x1="25000" y1="68750" x2="25000" y2="68750"/>
+                        <a14:foregroundMark x1="68750" y1="68750" x2="68750" y2="68750"/>
+                        <a14:foregroundMark x1="68750" y1="18750" x2="68750" y2="18750"/>
+                      </a14:backgroundRemoval>
+                    </a14:imgEffect>
+                  </a14:imgLayer>
+                </a14:imgProps>
+              </a:ext>
+              <a:ext uri="{28A0092B-C50C-407E-A947-70E740481C1C}">
+                <a14:useLocalDpi xmlns:a14="http://schemas.microsoft.com/office/drawing/2010/main" val="0"/>
+              </a:ext>
+            </a:extLst>
+          </a:blip>
+          <a:stretch>
+            <a:fillRect/>
+          </a:stretch>
+        </p:blipFill>
+        <p:spPr>
+          <a:xfrm>
+            <a:off x="11141401" y="3963582"/>
+            <a:ext cx="1136279" cy="1136279"/>
+          </a:xfrm>
+          <a:prstGeom prst="rect">
+            <a:avLst/>
+          </a:prstGeom>
+        </p:spPr>
+      </p:pic>
+      <p:pic>
+        <p:nvPicPr>
+          <p:cNvPr id="44" name="図 43"/>
+          <p:cNvPicPr>
+            <a:picLocks noChangeAspect="1"/>
+          </p:cNvPicPr>
+          <p:nvPr/>
+        </p:nvPicPr>
+        <p:blipFill>
+          <a:blip r:embed="rId8">
+            <a:extLst>
+              <a:ext uri="{BEBA8EAE-BF5A-486C-A8C5-ECC9F3942E4B}">
+                <a14:imgProps xmlns:a14="http://schemas.microsoft.com/office/drawing/2010/main">
+                  <a14:imgLayer r:embed="rId9">
+                    <a14:imgEffect>
+                      <a14:backgroundRemoval t="0" b="93750" l="6250" r="87500">
+                        <a14:foregroundMark x1="25000" y1="18750" x2="25000" y2="18750"/>
+                        <a14:foregroundMark x1="25000" y1="68750" x2="25000" y2="68750"/>
+                        <a14:foregroundMark x1="68750" y1="68750" x2="68750" y2="68750"/>
+                        <a14:foregroundMark x1="68750" y1="18750" x2="68750" y2="18750"/>
+                      </a14:backgroundRemoval>
+                    </a14:imgEffect>
+                  </a14:imgLayer>
+                </a14:imgProps>
+              </a:ext>
+              <a:ext uri="{28A0092B-C50C-407E-A947-70E740481C1C}">
+                <a14:useLocalDpi xmlns:a14="http://schemas.microsoft.com/office/drawing/2010/main" val="0"/>
+              </a:ext>
+            </a:extLst>
+          </a:blip>
+          <a:stretch>
+            <a:fillRect/>
+          </a:stretch>
+        </p:blipFill>
+        <p:spPr>
+          <a:xfrm>
+            <a:off x="118531" y="5819327"/>
+            <a:ext cx="1136279" cy="1136279"/>
+          </a:xfrm>
+          <a:prstGeom prst="rect">
+            <a:avLst/>
+          </a:prstGeom>
+        </p:spPr>
+      </p:pic>
+      <p:pic>
+        <p:nvPicPr>
+          <p:cNvPr id="46" name="図 45"/>
+          <p:cNvPicPr>
+            <a:picLocks noChangeAspect="1"/>
+          </p:cNvPicPr>
+          <p:nvPr/>
+        </p:nvPicPr>
+        <p:blipFill rotWithShape="1">
+          <a:blip r:embed="rId10" cstate="print">
+            <a:extLst>
+              <a:ext uri="{28A0092B-C50C-407E-A947-70E740481C1C}">
+                <a14:useLocalDpi xmlns:a14="http://schemas.microsoft.com/office/drawing/2010/main" val="0"/>
+              </a:ext>
+            </a:extLst>
+          </a:blip>
+          <a:srcRect l="27604" t="19307" r="10603" b="2564"/>
+          <a:stretch/>
+        </p:blipFill>
+        <p:spPr>
+          <a:xfrm rot="18485985">
+            <a:off x="2812370" y="1215677"/>
+            <a:ext cx="1045664" cy="991592"/>
+          </a:xfrm>
+          <a:prstGeom prst="ellipse">
+            <a:avLst/>
+          </a:prstGeom>
+        </p:spPr>
+      </p:pic>
+      <p:pic>
+        <p:nvPicPr>
+          <p:cNvPr id="47" name="図 46"/>
+          <p:cNvPicPr>
+            <a:picLocks noChangeAspect="1"/>
+          </p:cNvPicPr>
+          <p:nvPr/>
+        </p:nvPicPr>
+        <p:blipFill>
+          <a:blip r:embed="rId8">
+            <a:extLst>
+              <a:ext uri="{BEBA8EAE-BF5A-486C-A8C5-ECC9F3942E4B}">
+                <a14:imgProps xmlns:a14="http://schemas.microsoft.com/office/drawing/2010/main">
+                  <a14:imgLayer r:embed="rId9">
+                    <a14:imgEffect>
+                      <a14:backgroundRemoval t="0" b="93750" l="6250" r="87500">
+                        <a14:foregroundMark x1="25000" y1="18750" x2="25000" y2="18750"/>
+                        <a14:foregroundMark x1="25000" y1="68750" x2="25000" y2="68750"/>
+                        <a14:foregroundMark x1="68750" y1="68750" x2="68750" y2="68750"/>
+                        <a14:foregroundMark x1="68750" y1="18750" x2="68750" y2="18750"/>
+                      </a14:backgroundRemoval>
+                    </a14:imgEffect>
+                  </a14:imgLayer>
+                </a14:imgProps>
+              </a:ext>
+              <a:ext uri="{28A0092B-C50C-407E-A947-70E740481C1C}">
+                <a14:useLocalDpi xmlns:a14="http://schemas.microsoft.com/office/drawing/2010/main" val="0"/>
+              </a:ext>
+            </a:extLst>
+          </a:blip>
+          <a:stretch>
+            <a:fillRect/>
+          </a:stretch>
+        </p:blipFill>
+        <p:spPr>
+          <a:xfrm>
+            <a:off x="541640" y="4841804"/>
+            <a:ext cx="1136279" cy="1136279"/>
+          </a:xfrm>
+          <a:prstGeom prst="rect">
+            <a:avLst/>
+          </a:prstGeom>
+        </p:spPr>
+      </p:pic>
+      <p:pic>
+        <p:nvPicPr>
+          <p:cNvPr id="48" name="図 47"/>
+          <p:cNvPicPr>
+            <a:picLocks noChangeAspect="1"/>
+          </p:cNvPicPr>
+          <p:nvPr/>
+        </p:nvPicPr>
+        <p:blipFill>
+          <a:blip r:embed="rId8">
+            <a:extLst>
+              <a:ext uri="{BEBA8EAE-BF5A-486C-A8C5-ECC9F3942E4B}">
+                <a14:imgProps xmlns:a14="http://schemas.microsoft.com/office/drawing/2010/main">
+                  <a14:imgLayer r:embed="rId9">
+                    <a14:imgEffect>
+                      <a14:backgroundRemoval t="0" b="93750" l="6250" r="87500">
+                        <a14:foregroundMark x1="25000" y1="18750" x2="25000" y2="18750"/>
+                        <a14:foregroundMark x1="25000" y1="68750" x2="25000" y2="68750"/>
+                        <a14:foregroundMark x1="68750" y1="68750" x2="68750" y2="68750"/>
+                        <a14:foregroundMark x1="68750" y1="18750" x2="68750" y2="18750"/>
+                      </a14:backgroundRemoval>
+                    </a14:imgEffect>
+                  </a14:imgLayer>
+                </a14:imgProps>
+              </a:ext>
+              <a:ext uri="{28A0092B-C50C-407E-A947-70E740481C1C}">
+                <a14:useLocalDpi xmlns:a14="http://schemas.microsoft.com/office/drawing/2010/main" val="0"/>
+              </a:ext>
+            </a:extLst>
+          </a:blip>
+          <a:stretch>
+            <a:fillRect/>
+          </a:stretch>
+        </p:blipFill>
+        <p:spPr>
+          <a:xfrm>
+            <a:off x="967549" y="3795303"/>
+            <a:ext cx="1136279" cy="1136279"/>
+          </a:xfrm>
+          <a:prstGeom prst="rect">
+            <a:avLst/>
+          </a:prstGeom>
+        </p:spPr>
+      </p:pic>
+      <p:sp>
+        <p:nvSpPr>
+          <p:cNvPr id="39" name="楕円 38"/>
+          <p:cNvSpPr/>
+          <p:nvPr/>
+        </p:nvSpPr>
+        <p:spPr>
+          <a:xfrm>
+            <a:off x="2969515" y="4641426"/>
+            <a:ext cx="655782" cy="476715"/>
+          </a:xfrm>
+          <a:prstGeom prst="ellipse">
+            <a:avLst/>
+          </a:prstGeom>
+          <a:solidFill>
+            <a:schemeClr val="tx1">
+              <a:lumMod val="65000"/>
+              <a:lumOff val="35000"/>
+            </a:schemeClr>
+          </a:solidFill>
+          <a:ln>
+            <a:solidFill>
+              <a:schemeClr val="tx1">
+                <a:lumMod val="75000"/>
+                <a:lumOff val="25000"/>
+              </a:schemeClr>
+            </a:solidFill>
+          </a:ln>
+        </p:spPr>
+        <p:style>
+          <a:lnRef idx="2">
+            <a:schemeClr val="accent1">
+              <a:shade val="50000"/>
+            </a:schemeClr>
+          </a:lnRef>
+          <a:fillRef idx="1">
+            <a:schemeClr val="accent1"/>
+          </a:fillRef>
+          <a:effectRef idx="0">
+            <a:schemeClr val="accent1"/>
+          </a:effectRef>
+          <a:fontRef idx="minor">
+            <a:schemeClr val="lt1"/>
+          </a:fontRef>
+        </p:style>
+        <p:txBody>
+          <a:bodyPr rtlCol="0" anchor="ctr"/>
+          <a:lstStyle/>
+          <a:p>
+            <a:pPr algn="ctr"/>
+            <a:endParaRPr kumimoji="1" lang="ja-JP" altLang="en-US">
+              <a:solidFill>
+                <a:srgbClr val="FF0000"/>
+              </a:solidFill>
+            </a:endParaRPr>
+          </a:p>
+        </p:txBody>
+      </p:sp>
+      <p:sp>
+        <p:nvSpPr>
+          <p:cNvPr id="49" name="楕円 48"/>
+          <p:cNvSpPr/>
+          <p:nvPr/>
+        </p:nvSpPr>
+        <p:spPr>
+          <a:xfrm>
+            <a:off x="3443747" y="5722060"/>
+            <a:ext cx="2164014" cy="933490"/>
+          </a:xfrm>
+          <a:prstGeom prst="ellipse">
+            <a:avLst/>
+          </a:prstGeom>
+          <a:solidFill>
+            <a:schemeClr val="tx1">
+              <a:lumMod val="65000"/>
+              <a:lumOff val="35000"/>
+            </a:schemeClr>
+          </a:solidFill>
+          <a:ln>
+            <a:solidFill>
+              <a:schemeClr val="tx1">
+                <a:lumMod val="75000"/>
+                <a:lumOff val="25000"/>
+              </a:schemeClr>
+            </a:solidFill>
+          </a:ln>
+        </p:spPr>
+        <p:style>
+          <a:lnRef idx="2">
+            <a:schemeClr val="accent1">
+              <a:shade val="50000"/>
+            </a:schemeClr>
+          </a:lnRef>
+          <a:fillRef idx="1">
+            <a:schemeClr val="accent1"/>
+          </a:fillRef>
+          <a:effectRef idx="0">
+            <a:schemeClr val="accent1"/>
+          </a:effectRef>
+          <a:fontRef idx="minor">
+            <a:schemeClr val="lt1"/>
+          </a:fontRef>
+        </p:style>
+        <p:txBody>
+          <a:bodyPr rtlCol="0" anchor="ctr"/>
+          <a:lstStyle/>
+          <a:p>
+            <a:pPr algn="ctr"/>
+            <a:endParaRPr kumimoji="1" lang="ja-JP" altLang="en-US">
+              <a:solidFill>
+                <a:srgbClr val="FF0000"/>
+              </a:solidFill>
+            </a:endParaRPr>
+          </a:p>
+        </p:txBody>
+      </p:sp>
+      <p:pic>
+        <p:nvPicPr>
+          <p:cNvPr id="9" name="図 8"/>
+          <p:cNvPicPr>
+            <a:picLocks noChangeAspect="1"/>
+          </p:cNvPicPr>
+          <p:nvPr/>
+        </p:nvPicPr>
+        <p:blipFill rotWithShape="1">
+          <a:blip r:embed="rId11" cstate="print">
+            <a:extLst>
+              <a:ext uri="{28A0092B-C50C-407E-A947-70E740481C1C}">
+                <a14:useLocalDpi xmlns:a14="http://schemas.microsoft.com/office/drawing/2010/main" val="0"/>
+              </a:ext>
+            </a:extLst>
+          </a:blip>
+          <a:srcRect r="82173"/>
+          <a:stretch/>
+        </p:blipFill>
+        <p:spPr>
+          <a:xfrm>
+            <a:off x="3594720" y="3417038"/>
+            <a:ext cx="1948107" cy="3069737"/>
+          </a:xfrm>
+          <a:prstGeom prst="rect">
+            <a:avLst/>
+          </a:prstGeom>
+        </p:spPr>
+      </p:pic>
+      <p:sp>
+        <p:nvSpPr>
+          <p:cNvPr id="5" name="テキスト ボックス 4"/>
+          <p:cNvSpPr txBox="1"/>
+          <p:nvPr/>
+        </p:nvSpPr>
+        <p:spPr>
+          <a:xfrm>
+            <a:off x="6570" y="54499"/>
+            <a:ext cx="1985297" cy="369332"/>
+          </a:xfrm>
+          <a:prstGeom prst="rect">
+            <a:avLst/>
+          </a:prstGeom>
+          <a:noFill/>
+        </p:spPr>
+        <p:txBody>
+          <a:bodyPr wrap="square" rtlCol="0">
+            <a:spAutoFit/>
+          </a:bodyPr>
+          <a:lstStyle/>
+          <a:p>
+            <a:r>
+              <a:rPr kumimoji="1" lang="en-US" altLang="ja-JP" dirty="0" smtClean="0">
+                <a:solidFill>
+                  <a:schemeClr val="bg1"/>
+                </a:solidFill>
+              </a:rPr>
+              <a:t>(</a:t>
+            </a:r>
+            <a:r>
+              <a:rPr kumimoji="1" lang="ja-JP" altLang="en-US" dirty="0" smtClean="0">
+                <a:solidFill>
+                  <a:schemeClr val="bg1"/>
+                </a:solidFill>
+              </a:rPr>
+              <a:t>ゲーム画面</a:t>
+            </a:r>
+            <a:r>
+              <a:rPr kumimoji="1" lang="en-US" altLang="ja-JP" dirty="0" smtClean="0">
+                <a:solidFill>
+                  <a:schemeClr val="bg1"/>
+                </a:solidFill>
+              </a:rPr>
+              <a:t>)</a:t>
+            </a:r>
+            <a:endParaRPr kumimoji="1" lang="ja-JP" altLang="en-US" dirty="0">
+              <a:solidFill>
+                <a:schemeClr val="bg1"/>
+              </a:solidFill>
+            </a:endParaRPr>
+          </a:p>
+        </p:txBody>
+      </p:sp>
+      <p:sp>
+        <p:nvSpPr>
+          <p:cNvPr id="33" name="テキスト ボックス 32"/>
+          <p:cNvSpPr txBox="1"/>
+          <p:nvPr/>
+        </p:nvSpPr>
+        <p:spPr>
+          <a:xfrm>
+            <a:off x="2330023" y="368413"/>
+            <a:ext cx="1717944" cy="461665"/>
+          </a:xfrm>
+          <a:prstGeom prst="rect">
+            <a:avLst/>
+          </a:prstGeom>
+          <a:solidFill>
+            <a:schemeClr val="accent2">
+              <a:lumMod val="60000"/>
+              <a:lumOff val="40000"/>
+            </a:schemeClr>
+          </a:solidFill>
+        </p:spPr>
+        <p:txBody>
+          <a:bodyPr wrap="square" rtlCol="0">
+            <a:spAutoFit/>
+          </a:bodyPr>
+          <a:lstStyle/>
+          <a:p>
+            <a:pPr algn="ctr"/>
+            <a:r>
+              <a:rPr lang="en-US" altLang="ja-JP" sz="2400" dirty="0" smtClean="0"/>
+              <a:t>UI(</a:t>
+            </a:r>
+            <a:r>
+              <a:rPr lang="ja-JP" altLang="en-US" sz="2400" dirty="0" smtClean="0"/>
+              <a:t>ライフ</a:t>
+            </a:r>
+            <a:r>
+              <a:rPr lang="en-US" altLang="ja-JP" sz="2400" dirty="0" smtClean="0"/>
+              <a:t>)</a:t>
+            </a:r>
+            <a:endParaRPr kumimoji="1" lang="en-US" altLang="ja-JP" sz="2400" dirty="0" smtClean="0"/>
+          </a:p>
+        </p:txBody>
+      </p:sp>
+      <p:sp>
+        <p:nvSpPr>
+          <p:cNvPr id="34" name="テキスト ボックス 33"/>
+          <p:cNvSpPr txBox="1"/>
+          <p:nvPr/>
+        </p:nvSpPr>
+        <p:spPr>
+          <a:xfrm>
+            <a:off x="8116094" y="290264"/>
+            <a:ext cx="1703303" cy="461665"/>
+          </a:xfrm>
+          <a:prstGeom prst="rect">
+            <a:avLst/>
+          </a:prstGeom>
+          <a:solidFill>
+            <a:schemeClr val="accent2">
+              <a:lumMod val="60000"/>
+              <a:lumOff val="40000"/>
+            </a:schemeClr>
+          </a:solidFill>
+        </p:spPr>
+        <p:txBody>
+          <a:bodyPr wrap="square" rtlCol="0">
+            <a:spAutoFit/>
+          </a:bodyPr>
+          <a:lstStyle/>
+          <a:p>
+            <a:pPr algn="ctr"/>
+            <a:r>
+              <a:rPr lang="en-US" altLang="ja-JP" sz="2400" dirty="0" smtClean="0"/>
+              <a:t>UI(</a:t>
+            </a:r>
+            <a:r>
+              <a:rPr lang="ja-JP" altLang="en-US" sz="2400" dirty="0" smtClean="0"/>
+              <a:t>スコア</a:t>
+            </a:r>
+            <a:r>
+              <a:rPr lang="en-US" altLang="ja-JP" sz="2400" dirty="0" smtClean="0"/>
+              <a:t>)</a:t>
+            </a:r>
+            <a:endParaRPr kumimoji="1" lang="en-US" altLang="ja-JP" sz="2400" dirty="0" smtClean="0"/>
+          </a:p>
+        </p:txBody>
+      </p:sp>
+    </p:spTree>
+    <p:extLst>
+      <p:ext uri="{BB962C8B-B14F-4D97-AF65-F5344CB8AC3E}">
+        <p14:creationId xmlns:p14="http://schemas.microsoft.com/office/powerpoint/2010/main" val="550748795"/>
+      </p:ext>
+    </p:extLst>
+  </p:cSld>
+  <p:clrMapOvr>
+    <a:masterClrMapping/>
+  </p:clrMapOvr>
+  <p:timing>
+    <p:tnLst>
+      <p:par>
+        <p:cTn id="1" dur="indefinite" restart="never" nodeType="tmRoot"/>
+      </p:par>
+    </p:tnLst>
+  </p:timing>
 </p:sld>
 </file>
 
@@ -4436,4 +7003,265 @@
     </a:ext>
   </a:extLst>
 </a:theme>
+</file>
+
+<file path=ppt/theme/theme2.xml><?xml version="1.0" encoding="utf-8"?>
+<a:theme xmlns:a="http://schemas.openxmlformats.org/drawingml/2006/main" name="Office テーマ">
+  <a:themeElements>
+    <a:clrScheme name="Office">
+      <a:dk1>
+        <a:sysClr val="windowText" lastClr="000000"/>
+      </a:dk1>
+      <a:lt1>
+        <a:sysClr val="window" lastClr="FFFFFF"/>
+      </a:lt1>
+      <a:dk2>
+        <a:srgbClr val="44546A"/>
+      </a:dk2>
+      <a:lt2>
+        <a:srgbClr val="E7E6E6"/>
+      </a:lt2>
+      <a:accent1>
+        <a:srgbClr val="5B9BD5"/>
+      </a:accent1>
+      <a:accent2>
+        <a:srgbClr val="ED7D31"/>
+      </a:accent2>
+      <a:accent3>
+        <a:srgbClr val="A5A5A5"/>
+      </a:accent3>
+      <a:accent4>
+        <a:srgbClr val="FFC000"/>
+      </a:accent4>
+      <a:accent5>
+        <a:srgbClr val="4472C4"/>
+      </a:accent5>
+      <a:accent6>
+        <a:srgbClr val="70AD47"/>
+      </a:accent6>
+      <a:hlink>
+        <a:srgbClr val="0563C1"/>
+      </a:hlink>
+      <a:folHlink>
+        <a:srgbClr val="954F72"/>
+      </a:folHlink>
+    </a:clrScheme>
+    <a:fontScheme name="Office">
+      <a:majorFont>
+        <a:latin typeface="游ゴシック Light" panose="020F0302020204030204"/>
+        <a:ea typeface=""/>
+        <a:cs typeface=""/>
+        <a:font script="Jpan" typeface="游ゴシック Light"/>
+        <a:font script="Hang" typeface="맑은 고딕"/>
+        <a:font script="Hans" typeface="等线 Light"/>
+        <a:font script="Hant" typeface="新細明體"/>
+        <a:font script="Arab" typeface="Times New Roman"/>
+        <a:font script="Hebr" typeface="Times New Roman"/>
+        <a:font script="Thai" typeface="Angsana New"/>
+        <a:font script="Ethi" typeface="Nyala"/>
+        <a:font script="Beng" typeface="Vrinda"/>
+        <a:font script="Gujr" typeface="Shruti"/>
+        <a:font script="Khmr" typeface="MoolBoran"/>
+        <a:font script="Knda" typeface="Tunga"/>
+        <a:font script="Guru" typeface="Raavi"/>
+        <a:font script="Cans" typeface="Euphemia"/>
+        <a:font script="Cher" typeface="Plantagenet Cherokee"/>
+        <a:font script="Yiii" typeface="Microsoft Yi Baiti"/>
+        <a:font script="Tibt" typeface="Microsoft Himalaya"/>
+        <a:font script="Thaa" typeface="MV Boli"/>
+        <a:font script="Deva" typeface="Mangal"/>
+        <a:font script="Telu" typeface="Gautami"/>
+        <a:font script="Taml" typeface="Latha"/>
+        <a:font script="Syrc" typeface="Estrangelo Edessa"/>
+        <a:font script="Orya" typeface="Kalinga"/>
+        <a:font script="Mlym" typeface="Kartika"/>
+        <a:font script="Laoo" typeface="DokChampa"/>
+        <a:font script="Sinh" typeface="Iskoola Pota"/>
+        <a:font script="Mong" typeface="Mongolian Baiti"/>
+        <a:font script="Viet" typeface="Times New Roman"/>
+        <a:font script="Uigh" typeface="Microsoft Uighur"/>
+        <a:font script="Geor" typeface="Sylfaen"/>
+      </a:majorFont>
+      <a:minorFont>
+        <a:latin typeface="游ゴシック" panose="020F0502020204030204"/>
+        <a:ea typeface=""/>
+        <a:cs typeface=""/>
+        <a:font script="Jpan" typeface="游ゴシック"/>
+        <a:font script="Hang" typeface="맑은 고딕"/>
+        <a:font script="Hans" typeface="等线"/>
+        <a:font script="Hant" typeface="新細明體"/>
+        <a:font script="Arab" typeface="Arial"/>
+        <a:font script="Hebr" typeface="Arial"/>
+        <a:font script="Thai" typeface="Cordia New"/>
+        <a:font script="Ethi" typeface="Nyala"/>
+        <a:font script="Beng" typeface="Vrinda"/>
+        <a:font script="Gujr" typeface="Shruti"/>
+        <a:font script="Khmr" typeface="DaunPenh"/>
+        <a:font script="Knda" typeface="Tunga"/>
+        <a:font script="Guru" typeface="Raavi"/>
+        <a:font script="Cans" typeface="Euphemia"/>
+        <a:font script="Cher" typeface="Plantagenet Cherokee"/>
+        <a:font script="Yiii" typeface="Microsoft Yi Baiti"/>
+        <a:font script="Tibt" typeface="Microsoft Himalaya"/>
+        <a:font script="Thaa" typeface="MV Boli"/>
+        <a:font script="Deva" typeface="Mangal"/>
+        <a:font script="Telu" typeface="Gautami"/>
+        <a:font script="Taml" typeface="Latha"/>
+        <a:font script="Syrc" typeface="Estrangelo Edessa"/>
+        <a:font script="Orya" typeface="Kalinga"/>
+        <a:font script="Mlym" typeface="Kartika"/>
+        <a:font script="Laoo" typeface="DokChampa"/>
+        <a:font script="Sinh" typeface="Iskoola Pota"/>
+        <a:font script="Mong" typeface="Mongolian Baiti"/>
+        <a:font script="Viet" typeface="Arial"/>
+        <a:font script="Uigh" typeface="Microsoft Uighur"/>
+        <a:font script="Geor" typeface="Sylfaen"/>
+      </a:minorFont>
+    </a:fontScheme>
+    <a:fmtScheme name="Office">
+      <a:fillStyleLst>
+        <a:solidFill>
+          <a:schemeClr val="phClr"/>
+        </a:solidFill>
+        <a:gradFill rotWithShape="1">
+          <a:gsLst>
+            <a:gs pos="0">
+              <a:schemeClr val="phClr">
+                <a:lumMod val="110000"/>
+                <a:satMod val="105000"/>
+                <a:tint val="67000"/>
+              </a:schemeClr>
+            </a:gs>
+            <a:gs pos="50000">
+              <a:schemeClr val="phClr">
+                <a:lumMod val="105000"/>
+                <a:satMod val="103000"/>
+                <a:tint val="73000"/>
+              </a:schemeClr>
+            </a:gs>
+            <a:gs pos="100000">
+              <a:schemeClr val="phClr">
+                <a:lumMod val="105000"/>
+                <a:satMod val="109000"/>
+                <a:tint val="81000"/>
+              </a:schemeClr>
+            </a:gs>
+          </a:gsLst>
+          <a:lin ang="5400000" scaled="0"/>
+        </a:gradFill>
+        <a:gradFill rotWithShape="1">
+          <a:gsLst>
+            <a:gs pos="0">
+              <a:schemeClr val="phClr">
+                <a:satMod val="103000"/>
+                <a:lumMod val="102000"/>
+                <a:tint val="94000"/>
+              </a:schemeClr>
+            </a:gs>
+            <a:gs pos="50000">
+              <a:schemeClr val="phClr">
+                <a:satMod val="110000"/>
+                <a:lumMod val="100000"/>
+                <a:shade val="100000"/>
+              </a:schemeClr>
+            </a:gs>
+            <a:gs pos="100000">
+              <a:schemeClr val="phClr">
+                <a:lumMod val="99000"/>
+                <a:satMod val="120000"/>
+                <a:shade val="78000"/>
+              </a:schemeClr>
+            </a:gs>
+          </a:gsLst>
+          <a:lin ang="5400000" scaled="0"/>
+        </a:gradFill>
+      </a:fillStyleLst>
+      <a:lnStyleLst>
+        <a:ln w="6350" cap="flat" cmpd="sng" algn="ctr">
+          <a:solidFill>
+            <a:schemeClr val="phClr"/>
+          </a:solidFill>
+          <a:prstDash val="solid"/>
+          <a:miter lim="800000"/>
+        </a:ln>
+        <a:ln w="12700" cap="flat" cmpd="sng" algn="ctr">
+          <a:solidFill>
+            <a:schemeClr val="phClr"/>
+          </a:solidFill>
+          <a:prstDash val="solid"/>
+          <a:miter lim="800000"/>
+        </a:ln>
+        <a:ln w="19050" cap="flat" cmpd="sng" algn="ctr">
+          <a:solidFill>
+            <a:schemeClr val="phClr"/>
+          </a:solidFill>
+          <a:prstDash val="solid"/>
+          <a:miter lim="800000"/>
+        </a:ln>
+      </a:lnStyleLst>
+      <a:effectStyleLst>
+        <a:effectStyle>
+          <a:effectLst/>
+        </a:effectStyle>
+        <a:effectStyle>
+          <a:effectLst/>
+        </a:effectStyle>
+        <a:effectStyle>
+          <a:effectLst>
+            <a:outerShdw blurRad="57150" dist="19050" dir="5400000" algn="ctr" rotWithShape="0">
+              <a:srgbClr val="000000">
+                <a:alpha val="63000"/>
+              </a:srgbClr>
+            </a:outerShdw>
+          </a:effectLst>
+        </a:effectStyle>
+      </a:effectStyleLst>
+      <a:bgFillStyleLst>
+        <a:solidFill>
+          <a:schemeClr val="phClr"/>
+        </a:solidFill>
+        <a:solidFill>
+          <a:schemeClr val="phClr">
+            <a:tint val="95000"/>
+            <a:satMod val="170000"/>
+          </a:schemeClr>
+        </a:solidFill>
+        <a:gradFill rotWithShape="1">
+          <a:gsLst>
+            <a:gs pos="0">
+              <a:schemeClr val="phClr">
+                <a:tint val="93000"/>
+                <a:satMod val="150000"/>
+                <a:shade val="98000"/>
+                <a:lumMod val="102000"/>
+              </a:schemeClr>
+            </a:gs>
+            <a:gs pos="50000">
+              <a:schemeClr val="phClr">
+                <a:tint val="98000"/>
+                <a:satMod val="130000"/>
+                <a:shade val="90000"/>
+                <a:lumMod val="103000"/>
+              </a:schemeClr>
+            </a:gs>
+            <a:gs pos="100000">
+              <a:schemeClr val="phClr">
+                <a:shade val="63000"/>
+                <a:satMod val="120000"/>
+              </a:schemeClr>
+            </a:gs>
+          </a:gsLst>
+          <a:lin ang="5400000" scaled="0"/>
+        </a:gradFill>
+      </a:bgFillStyleLst>
+    </a:fmtScheme>
+  </a:themeElements>
+  <a:objectDefaults/>
+  <a:extraClrSchemeLst/>
+  <a:extLst>
+    <a:ext uri="{05A4C25C-085E-4340-85A3-A5531E510DB2}">
+      <thm15:themeFamily xmlns:thm15="http://schemas.microsoft.com/office/thememl/2012/main" name="Office Theme" id="{62F939B6-93AF-4DB8-9C6B-D6C7DFDC589F}" vid="{4A3C46E8-61CC-4603-A589-7422A47A8E4A}"/>
+    </a:ext>
+  </a:extLst>
+</a:theme>
 </file>
--- a/高松ゲーム.pptx
+++ b/高松ゲーム.pptx
@@ -5,7 +5,7 @@
     <p:sldMasterId id="2147483648" r:id="rId1"/>
   </p:sldMasterIdLst>
   <p:notesMasterIdLst>
-    <p:notesMasterId r:id="rId12"/>
+    <p:notesMasterId r:id="rId13"/>
   </p:notesMasterIdLst>
   <p:sldIdLst>
     <p:sldId id="256" r:id="rId2"/>
@@ -16,8 +16,9 @@
     <p:sldId id="265" r:id="rId7"/>
     <p:sldId id="266" r:id="rId8"/>
     <p:sldId id="267" r:id="rId9"/>
-    <p:sldId id="269" r:id="rId10"/>
-    <p:sldId id="271" r:id="rId11"/>
+    <p:sldId id="272" r:id="rId10"/>
+    <p:sldId id="269" r:id="rId11"/>
+    <p:sldId id="271" r:id="rId12"/>
   </p:sldIdLst>
   <p:sldSz cx="12192000" cy="6858000"/>
   <p:notesSz cx="6858000" cy="9144000"/>
@@ -571,7 +572,7 @@
           <a:p>
             <a:fld id="{523CFAC8-B512-4276-9044-451557D9E452}" type="slidenum">
               <a:rPr kumimoji="1" lang="ja-JP" altLang="en-US" smtClean="0"/>
-              <a:t>9</a:t>
+              <a:t>10</a:t>
             </a:fld>
             <a:endParaRPr kumimoji="1" lang="ja-JP" altLang="en-US"/>
           </a:p>
@@ -655,7 +656,7 @@
           <a:p>
             <a:fld id="{523CFAC8-B512-4276-9044-451557D9E452}" type="slidenum">
               <a:rPr kumimoji="1" lang="ja-JP" altLang="en-US" smtClean="0"/>
-              <a:t>10</a:t>
+              <a:t>11</a:t>
             </a:fld>
             <a:endParaRPr kumimoji="1" lang="ja-JP" altLang="en-US"/>
           </a:p>
@@ -3968,6 +3969,1101 @@
           </p:spPr>
         </p:pic>
       </p:grpSp>
+      <p:sp>
+        <p:nvSpPr>
+          <p:cNvPr id="7" name="テキスト ボックス 6"/>
+          <p:cNvSpPr txBox="1"/>
+          <p:nvPr/>
+        </p:nvSpPr>
+        <p:spPr>
+          <a:xfrm>
+            <a:off x="9531142" y="259487"/>
+            <a:ext cx="2659224" cy="523220"/>
+          </a:xfrm>
+          <a:prstGeom prst="rect">
+            <a:avLst/>
+          </a:prstGeom>
+          <a:noFill/>
+        </p:spPr>
+        <p:txBody>
+          <a:bodyPr wrap="square" rtlCol="0">
+            <a:spAutoFit/>
+          </a:bodyPr>
+          <a:lstStyle/>
+          <a:p>
+            <a:pPr algn="ctr"/>
+            <a:r>
+              <a:rPr kumimoji="1" lang="ja-JP" altLang="en-US" sz="2800" dirty="0" smtClean="0">
+                <a:solidFill>
+                  <a:schemeClr val="bg1"/>
+                </a:solidFill>
+                <a:latin typeface="Arial Black" panose="020B0A04020102020204" pitchFamily="34" charset="0"/>
+              </a:rPr>
+              <a:t>１</a:t>
+            </a:r>
+            <a:r>
+              <a:rPr lang="en-US" altLang="ja-JP" sz="2800" dirty="0">
+                <a:solidFill>
+                  <a:schemeClr val="bg1"/>
+                </a:solidFill>
+                <a:latin typeface="Arial Black" panose="020B0A04020102020204" pitchFamily="34" charset="0"/>
+              </a:rPr>
+              <a:t>.</a:t>
+            </a:r>
+            <a:r>
+              <a:rPr kumimoji="1" lang="ja-JP" altLang="en-US" sz="2800" dirty="0" smtClean="0">
+                <a:solidFill>
+                  <a:schemeClr val="bg1"/>
+                </a:solidFill>
+                <a:latin typeface="Arial Black" panose="020B0A04020102020204" pitchFamily="34" charset="0"/>
+              </a:rPr>
+              <a:t>１１ｋｍ</a:t>
+            </a:r>
+            <a:endParaRPr kumimoji="1" lang="ja-JP" altLang="en-US" sz="2800" dirty="0">
+              <a:solidFill>
+                <a:schemeClr val="bg1"/>
+              </a:solidFill>
+              <a:latin typeface="Arial Black" panose="020B0A04020102020204" pitchFamily="34" charset="0"/>
+            </a:endParaRPr>
+          </a:p>
+        </p:txBody>
+      </p:sp>
+      <p:pic>
+        <p:nvPicPr>
+          <p:cNvPr id="26" name="図 25"/>
+          <p:cNvPicPr>
+            <a:picLocks noChangeAspect="1"/>
+          </p:cNvPicPr>
+          <p:nvPr/>
+        </p:nvPicPr>
+        <p:blipFill>
+          <a:blip r:embed="rId5" cstate="print">
+            <a:extLst>
+              <a:ext uri="{28A0092B-C50C-407E-A947-70E740481C1C}">
+                <a14:useLocalDpi xmlns:a14="http://schemas.microsoft.com/office/drawing/2010/main" val="0"/>
+              </a:ext>
+            </a:extLst>
+          </a:blip>
+          <a:stretch>
+            <a:fillRect/>
+          </a:stretch>
+        </p:blipFill>
+        <p:spPr>
+          <a:xfrm>
+            <a:off x="8870886" y="5860129"/>
+            <a:ext cx="773299" cy="831505"/>
+          </a:xfrm>
+          <a:prstGeom prst="rect">
+            <a:avLst/>
+          </a:prstGeom>
+        </p:spPr>
+      </p:pic>
+      <p:grpSp>
+        <p:nvGrpSpPr>
+          <p:cNvPr id="37" name="グループ化 36"/>
+          <p:cNvGrpSpPr/>
+          <p:nvPr/>
+        </p:nvGrpSpPr>
+        <p:grpSpPr>
+          <a:xfrm>
+            <a:off x="478100" y="336771"/>
+            <a:ext cx="1647912" cy="524951"/>
+            <a:chOff x="251973" y="183749"/>
+            <a:chExt cx="1647912" cy="524951"/>
+          </a:xfrm>
+        </p:grpSpPr>
+        <p:pic>
+          <p:nvPicPr>
+            <p:cNvPr id="30" name="図 29"/>
+            <p:cNvPicPr>
+              <a:picLocks noChangeAspect="1"/>
+            </p:cNvPicPr>
+            <p:nvPr/>
+          </p:nvPicPr>
+          <p:blipFill>
+            <a:blip r:embed="rId6" cstate="print">
+              <a:extLst>
+                <a:ext uri="{28A0092B-C50C-407E-A947-70E740481C1C}">
+                  <a14:useLocalDpi xmlns:a14="http://schemas.microsoft.com/office/drawing/2010/main" val="0"/>
+                </a:ext>
+              </a:extLst>
+            </a:blip>
+            <a:stretch>
+              <a:fillRect/>
+            </a:stretch>
+          </p:blipFill>
+          <p:spPr>
+            <a:xfrm flipH="1">
+              <a:off x="251973" y="183749"/>
+              <a:ext cx="521119" cy="524951"/>
+            </a:xfrm>
+            <a:prstGeom prst="rect">
+              <a:avLst/>
+            </a:prstGeom>
+          </p:spPr>
+        </p:pic>
+        <p:pic>
+          <p:nvPicPr>
+            <p:cNvPr id="31" name="図 30"/>
+            <p:cNvPicPr>
+              <a:picLocks noChangeAspect="1"/>
+            </p:cNvPicPr>
+            <p:nvPr/>
+          </p:nvPicPr>
+          <p:blipFill>
+            <a:blip r:embed="rId6" cstate="print">
+              <a:extLst>
+                <a:ext uri="{28A0092B-C50C-407E-A947-70E740481C1C}">
+                  <a14:useLocalDpi xmlns:a14="http://schemas.microsoft.com/office/drawing/2010/main" val="0"/>
+                </a:ext>
+              </a:extLst>
+            </a:blip>
+            <a:stretch>
+              <a:fillRect/>
+            </a:stretch>
+          </p:blipFill>
+          <p:spPr>
+            <a:xfrm flipH="1">
+              <a:off x="815370" y="183749"/>
+              <a:ext cx="521119" cy="524951"/>
+            </a:xfrm>
+            <a:prstGeom prst="rect">
+              <a:avLst/>
+            </a:prstGeom>
+          </p:spPr>
+        </p:pic>
+        <p:pic>
+          <p:nvPicPr>
+            <p:cNvPr id="32" name="図 31"/>
+            <p:cNvPicPr>
+              <a:picLocks noChangeAspect="1"/>
+            </p:cNvPicPr>
+            <p:nvPr/>
+          </p:nvPicPr>
+          <p:blipFill>
+            <a:blip r:embed="rId6" cstate="print">
+              <a:extLst>
+                <a:ext uri="{28A0092B-C50C-407E-A947-70E740481C1C}">
+                  <a14:useLocalDpi xmlns:a14="http://schemas.microsoft.com/office/drawing/2010/main" val="0"/>
+                </a:ext>
+              </a:extLst>
+            </a:blip>
+            <a:stretch>
+              <a:fillRect/>
+            </a:stretch>
+          </p:blipFill>
+          <p:spPr>
+            <a:xfrm flipH="1">
+              <a:off x="1378766" y="183749"/>
+              <a:ext cx="521119" cy="524951"/>
+            </a:xfrm>
+            <a:prstGeom prst="rect">
+              <a:avLst/>
+            </a:prstGeom>
+          </p:spPr>
+        </p:pic>
+      </p:grpSp>
+      <p:sp>
+        <p:nvSpPr>
+          <p:cNvPr id="28" name="テキスト ボックス 27"/>
+          <p:cNvSpPr txBox="1"/>
+          <p:nvPr/>
+        </p:nvSpPr>
+        <p:spPr>
+          <a:xfrm>
+            <a:off x="10922541" y="3516098"/>
+            <a:ext cx="523400" cy="461665"/>
+          </a:xfrm>
+          <a:prstGeom prst="rect">
+            <a:avLst/>
+          </a:prstGeom>
+          <a:solidFill>
+            <a:schemeClr val="accent2">
+              <a:lumMod val="60000"/>
+              <a:lumOff val="40000"/>
+            </a:schemeClr>
+          </a:solidFill>
+        </p:spPr>
+        <p:txBody>
+          <a:bodyPr wrap="square" rtlCol="0">
+            <a:spAutoFit/>
+          </a:bodyPr>
+          <a:lstStyle/>
+          <a:p>
+            <a:pPr algn="ctr"/>
+            <a:r>
+              <a:rPr lang="ja-JP" altLang="en-US" sz="2400" dirty="0"/>
+              <a:t>針</a:t>
+            </a:r>
+            <a:endParaRPr kumimoji="1" lang="ja-JP" altLang="en-US" sz="2400" dirty="0"/>
+          </a:p>
+        </p:txBody>
+      </p:sp>
+      <p:sp>
+        <p:nvSpPr>
+          <p:cNvPr id="35" name="テキスト ボックス 34"/>
+          <p:cNvSpPr txBox="1"/>
+          <p:nvPr/>
+        </p:nvSpPr>
+        <p:spPr>
+          <a:xfrm>
+            <a:off x="2912849" y="3227340"/>
+            <a:ext cx="1781879" cy="461665"/>
+          </a:xfrm>
+          <a:prstGeom prst="rect">
+            <a:avLst/>
+          </a:prstGeom>
+          <a:solidFill>
+            <a:schemeClr val="accent2">
+              <a:lumMod val="60000"/>
+              <a:lumOff val="40000"/>
+            </a:schemeClr>
+          </a:solidFill>
+        </p:spPr>
+        <p:txBody>
+          <a:bodyPr wrap="square" rtlCol="0">
+            <a:spAutoFit/>
+          </a:bodyPr>
+          <a:lstStyle/>
+          <a:p>
+            <a:pPr algn="ctr"/>
+            <a:r>
+              <a:rPr lang="ja-JP" altLang="en-US" sz="2400" dirty="0" smtClean="0"/>
+              <a:t>プレイヤー</a:t>
+            </a:r>
+            <a:endParaRPr kumimoji="1" lang="en-US" altLang="ja-JP" sz="2400" dirty="0" smtClean="0"/>
+          </a:p>
+        </p:txBody>
+      </p:sp>
+      <p:sp>
+        <p:nvSpPr>
+          <p:cNvPr id="36" name="テキスト ボックス 35"/>
+          <p:cNvSpPr txBox="1"/>
+          <p:nvPr/>
+        </p:nvSpPr>
+        <p:spPr>
+          <a:xfrm>
+            <a:off x="6601469" y="3901777"/>
+            <a:ext cx="560271" cy="461665"/>
+          </a:xfrm>
+          <a:prstGeom prst="rect">
+            <a:avLst/>
+          </a:prstGeom>
+          <a:solidFill>
+            <a:schemeClr val="accent2">
+              <a:lumMod val="60000"/>
+              <a:lumOff val="40000"/>
+            </a:schemeClr>
+          </a:solidFill>
+        </p:spPr>
+        <p:txBody>
+          <a:bodyPr wrap="square" rtlCol="0">
+            <a:spAutoFit/>
+          </a:bodyPr>
+          <a:lstStyle/>
+          <a:p>
+            <a:pPr algn="ctr"/>
+            <a:r>
+              <a:rPr lang="ja-JP" altLang="en-US" sz="2400" dirty="0"/>
+              <a:t>岩</a:t>
+            </a:r>
+            <a:endParaRPr lang="en-US" altLang="ja-JP" sz="2400" dirty="0" smtClean="0"/>
+          </a:p>
+        </p:txBody>
+      </p:sp>
+      <p:pic>
+        <p:nvPicPr>
+          <p:cNvPr id="29" name="図 28"/>
+          <p:cNvPicPr>
+            <a:picLocks noChangeAspect="1"/>
+          </p:cNvPicPr>
+          <p:nvPr/>
+        </p:nvPicPr>
+        <p:blipFill rotWithShape="1">
+          <a:blip r:embed="rId7" cstate="print">
+            <a:extLst>
+              <a:ext uri="{28A0092B-C50C-407E-A947-70E740481C1C}">
+                <a14:useLocalDpi xmlns:a14="http://schemas.microsoft.com/office/drawing/2010/main" val="0"/>
+              </a:ext>
+            </a:extLst>
+          </a:blip>
+          <a:srcRect l="27604" t="19307" r="10603" b="2564"/>
+          <a:stretch/>
+        </p:blipFill>
+        <p:spPr>
+          <a:xfrm rot="2091790">
+            <a:off x="5809559" y="4101253"/>
+            <a:ext cx="2076176" cy="1968814"/>
+          </a:xfrm>
+          <a:prstGeom prst="ellipse">
+            <a:avLst/>
+          </a:prstGeom>
+        </p:spPr>
+      </p:pic>
+      <p:sp>
+        <p:nvSpPr>
+          <p:cNvPr id="38" name="テキスト ボックス 37"/>
+          <p:cNvSpPr txBox="1"/>
+          <p:nvPr/>
+        </p:nvSpPr>
+        <p:spPr>
+          <a:xfrm>
+            <a:off x="5542827" y="1480640"/>
+            <a:ext cx="804615" cy="461665"/>
+          </a:xfrm>
+          <a:prstGeom prst="rect">
+            <a:avLst/>
+          </a:prstGeom>
+          <a:solidFill>
+            <a:schemeClr val="accent2">
+              <a:lumMod val="60000"/>
+              <a:lumOff val="40000"/>
+            </a:schemeClr>
+          </a:solidFill>
+        </p:spPr>
+        <p:txBody>
+          <a:bodyPr wrap="square" rtlCol="0">
+            <a:spAutoFit/>
+          </a:bodyPr>
+          <a:lstStyle/>
+          <a:p>
+            <a:pPr algn="ctr"/>
+            <a:r>
+              <a:rPr lang="ja-JP" altLang="en-US" sz="2400" dirty="0"/>
+              <a:t>背景</a:t>
+            </a:r>
+            <a:endParaRPr kumimoji="1" lang="en-US" altLang="ja-JP" sz="2400" dirty="0" smtClean="0"/>
+          </a:p>
+        </p:txBody>
+      </p:sp>
+      <p:sp>
+        <p:nvSpPr>
+          <p:cNvPr id="41" name="テキスト ボックス 40"/>
+          <p:cNvSpPr txBox="1"/>
+          <p:nvPr/>
+        </p:nvSpPr>
+        <p:spPr>
+          <a:xfrm>
+            <a:off x="9750426" y="5653933"/>
+            <a:ext cx="1491068" cy="461665"/>
+          </a:xfrm>
+          <a:prstGeom prst="rect">
+            <a:avLst/>
+          </a:prstGeom>
+          <a:solidFill>
+            <a:schemeClr val="accent2">
+              <a:lumMod val="60000"/>
+              <a:lumOff val="40000"/>
+            </a:schemeClr>
+          </a:solidFill>
+        </p:spPr>
+        <p:txBody>
+          <a:bodyPr wrap="square" rtlCol="0">
+            <a:spAutoFit/>
+          </a:bodyPr>
+          <a:lstStyle/>
+          <a:p>
+            <a:pPr algn="ctr"/>
+            <a:r>
+              <a:rPr lang="ja-JP" altLang="en-US" sz="2400" dirty="0" smtClean="0"/>
+              <a:t>アイテム</a:t>
+            </a:r>
+            <a:endParaRPr kumimoji="1" lang="en-US" altLang="ja-JP" sz="2400" dirty="0" smtClean="0"/>
+          </a:p>
+        </p:txBody>
+      </p:sp>
+      <p:pic>
+        <p:nvPicPr>
+          <p:cNvPr id="40" name="図 39"/>
+          <p:cNvPicPr>
+            <a:picLocks noChangeAspect="1"/>
+          </p:cNvPicPr>
+          <p:nvPr/>
+        </p:nvPicPr>
+        <p:blipFill>
+          <a:blip r:embed="rId8">
+            <a:extLst>
+              <a:ext uri="{BEBA8EAE-BF5A-486C-A8C5-ECC9F3942E4B}">
+                <a14:imgProps xmlns:a14="http://schemas.microsoft.com/office/drawing/2010/main">
+                  <a14:imgLayer r:embed="rId9">
+                    <a14:imgEffect>
+                      <a14:backgroundRemoval t="0" b="93750" l="6250" r="87500">
+                        <a14:foregroundMark x1="25000" y1="18750" x2="25000" y2="18750"/>
+                        <a14:foregroundMark x1="25000" y1="68750" x2="25000" y2="68750"/>
+                        <a14:foregroundMark x1="68750" y1="68750" x2="68750" y2="68750"/>
+                        <a14:foregroundMark x1="68750" y1="18750" x2="68750" y2="18750"/>
+                      </a14:backgroundRemoval>
+                    </a14:imgEffect>
+                  </a14:imgLayer>
+                </a14:imgProps>
+              </a:ext>
+              <a:ext uri="{28A0092B-C50C-407E-A947-70E740481C1C}">
+                <a14:useLocalDpi xmlns:a14="http://schemas.microsoft.com/office/drawing/2010/main" val="0"/>
+              </a:ext>
+            </a:extLst>
+          </a:blip>
+          <a:stretch>
+            <a:fillRect/>
+          </a:stretch>
+        </p:blipFill>
+        <p:spPr>
+          <a:xfrm>
+            <a:off x="8881514" y="3949381"/>
+            <a:ext cx="1136279" cy="1136279"/>
+          </a:xfrm>
+          <a:prstGeom prst="rect">
+            <a:avLst/>
+          </a:prstGeom>
+        </p:spPr>
+      </p:pic>
+      <p:pic>
+        <p:nvPicPr>
+          <p:cNvPr id="42" name="図 41"/>
+          <p:cNvPicPr>
+            <a:picLocks noChangeAspect="1"/>
+          </p:cNvPicPr>
+          <p:nvPr/>
+        </p:nvPicPr>
+        <p:blipFill>
+          <a:blip r:embed="rId8">
+            <a:extLst>
+              <a:ext uri="{BEBA8EAE-BF5A-486C-A8C5-ECC9F3942E4B}">
+                <a14:imgProps xmlns:a14="http://schemas.microsoft.com/office/drawing/2010/main">
+                  <a14:imgLayer r:embed="rId9">
+                    <a14:imgEffect>
+                      <a14:backgroundRemoval t="0" b="93750" l="6250" r="87500">
+                        <a14:foregroundMark x1="25000" y1="18750" x2="25000" y2="18750"/>
+                        <a14:foregroundMark x1="25000" y1="68750" x2="25000" y2="68750"/>
+                        <a14:foregroundMark x1="68750" y1="68750" x2="68750" y2="68750"/>
+                        <a14:foregroundMark x1="68750" y1="18750" x2="68750" y2="18750"/>
+                      </a14:backgroundRemoval>
+                    </a14:imgEffect>
+                  </a14:imgLayer>
+                </a14:imgProps>
+              </a:ext>
+              <a:ext uri="{28A0092B-C50C-407E-A947-70E740481C1C}">
+                <a14:useLocalDpi xmlns:a14="http://schemas.microsoft.com/office/drawing/2010/main" val="0"/>
+              </a:ext>
+            </a:extLst>
+          </a:blip>
+          <a:stretch>
+            <a:fillRect/>
+          </a:stretch>
+        </p:blipFill>
+        <p:spPr>
+          <a:xfrm>
+            <a:off x="10005122" y="3949381"/>
+            <a:ext cx="1136279" cy="1136279"/>
+          </a:xfrm>
+          <a:prstGeom prst="rect">
+            <a:avLst/>
+          </a:prstGeom>
+        </p:spPr>
+      </p:pic>
+      <p:pic>
+        <p:nvPicPr>
+          <p:cNvPr id="43" name="図 42"/>
+          <p:cNvPicPr>
+            <a:picLocks noChangeAspect="1"/>
+          </p:cNvPicPr>
+          <p:nvPr/>
+        </p:nvPicPr>
+        <p:blipFill>
+          <a:blip r:embed="rId8">
+            <a:extLst>
+              <a:ext uri="{BEBA8EAE-BF5A-486C-A8C5-ECC9F3942E4B}">
+                <a14:imgProps xmlns:a14="http://schemas.microsoft.com/office/drawing/2010/main">
+                  <a14:imgLayer r:embed="rId9">
+                    <a14:imgEffect>
+                      <a14:backgroundRemoval t="0" b="93750" l="6250" r="87500">
+                        <a14:foregroundMark x1="25000" y1="18750" x2="25000" y2="18750"/>
+                        <a14:foregroundMark x1="25000" y1="68750" x2="25000" y2="68750"/>
+                        <a14:foregroundMark x1="68750" y1="68750" x2="68750" y2="68750"/>
+                        <a14:foregroundMark x1="68750" y1="18750" x2="68750" y2="18750"/>
+                      </a14:backgroundRemoval>
+                    </a14:imgEffect>
+                  </a14:imgLayer>
+                </a14:imgProps>
+              </a:ext>
+              <a:ext uri="{28A0092B-C50C-407E-A947-70E740481C1C}">
+                <a14:useLocalDpi xmlns:a14="http://schemas.microsoft.com/office/drawing/2010/main" val="0"/>
+              </a:ext>
+            </a:extLst>
+          </a:blip>
+          <a:stretch>
+            <a:fillRect/>
+          </a:stretch>
+        </p:blipFill>
+        <p:spPr>
+          <a:xfrm>
+            <a:off x="11141401" y="3963582"/>
+            <a:ext cx="1136279" cy="1136279"/>
+          </a:xfrm>
+          <a:prstGeom prst="rect">
+            <a:avLst/>
+          </a:prstGeom>
+        </p:spPr>
+      </p:pic>
+      <p:pic>
+        <p:nvPicPr>
+          <p:cNvPr id="44" name="図 43"/>
+          <p:cNvPicPr>
+            <a:picLocks noChangeAspect="1"/>
+          </p:cNvPicPr>
+          <p:nvPr/>
+        </p:nvPicPr>
+        <p:blipFill>
+          <a:blip r:embed="rId8">
+            <a:extLst>
+              <a:ext uri="{BEBA8EAE-BF5A-486C-A8C5-ECC9F3942E4B}">
+                <a14:imgProps xmlns:a14="http://schemas.microsoft.com/office/drawing/2010/main">
+                  <a14:imgLayer r:embed="rId9">
+                    <a14:imgEffect>
+                      <a14:backgroundRemoval t="0" b="93750" l="6250" r="87500">
+                        <a14:foregroundMark x1="25000" y1="18750" x2="25000" y2="18750"/>
+                        <a14:foregroundMark x1="25000" y1="68750" x2="25000" y2="68750"/>
+                        <a14:foregroundMark x1="68750" y1="68750" x2="68750" y2="68750"/>
+                        <a14:foregroundMark x1="68750" y1="18750" x2="68750" y2="18750"/>
+                      </a14:backgroundRemoval>
+                    </a14:imgEffect>
+                  </a14:imgLayer>
+                </a14:imgProps>
+              </a:ext>
+              <a:ext uri="{28A0092B-C50C-407E-A947-70E740481C1C}">
+                <a14:useLocalDpi xmlns:a14="http://schemas.microsoft.com/office/drawing/2010/main" val="0"/>
+              </a:ext>
+            </a:extLst>
+          </a:blip>
+          <a:stretch>
+            <a:fillRect/>
+          </a:stretch>
+        </p:blipFill>
+        <p:spPr>
+          <a:xfrm>
+            <a:off x="118531" y="5819327"/>
+            <a:ext cx="1136279" cy="1136279"/>
+          </a:xfrm>
+          <a:prstGeom prst="rect">
+            <a:avLst/>
+          </a:prstGeom>
+        </p:spPr>
+      </p:pic>
+      <p:pic>
+        <p:nvPicPr>
+          <p:cNvPr id="46" name="図 45"/>
+          <p:cNvPicPr>
+            <a:picLocks noChangeAspect="1"/>
+          </p:cNvPicPr>
+          <p:nvPr/>
+        </p:nvPicPr>
+        <p:blipFill rotWithShape="1">
+          <a:blip r:embed="rId10" cstate="print">
+            <a:extLst>
+              <a:ext uri="{28A0092B-C50C-407E-A947-70E740481C1C}">
+                <a14:useLocalDpi xmlns:a14="http://schemas.microsoft.com/office/drawing/2010/main" val="0"/>
+              </a:ext>
+            </a:extLst>
+          </a:blip>
+          <a:srcRect l="27604" t="19307" r="10603" b="2564"/>
+          <a:stretch/>
+        </p:blipFill>
+        <p:spPr>
+          <a:xfrm rot="18485985">
+            <a:off x="2812370" y="1215677"/>
+            <a:ext cx="1045664" cy="991592"/>
+          </a:xfrm>
+          <a:prstGeom prst="ellipse">
+            <a:avLst/>
+          </a:prstGeom>
+        </p:spPr>
+      </p:pic>
+      <p:pic>
+        <p:nvPicPr>
+          <p:cNvPr id="47" name="図 46"/>
+          <p:cNvPicPr>
+            <a:picLocks noChangeAspect="1"/>
+          </p:cNvPicPr>
+          <p:nvPr/>
+        </p:nvPicPr>
+        <p:blipFill>
+          <a:blip r:embed="rId8">
+            <a:extLst>
+              <a:ext uri="{BEBA8EAE-BF5A-486C-A8C5-ECC9F3942E4B}">
+                <a14:imgProps xmlns:a14="http://schemas.microsoft.com/office/drawing/2010/main">
+                  <a14:imgLayer r:embed="rId9">
+                    <a14:imgEffect>
+                      <a14:backgroundRemoval t="0" b="93750" l="6250" r="87500">
+                        <a14:foregroundMark x1="25000" y1="18750" x2="25000" y2="18750"/>
+                        <a14:foregroundMark x1="25000" y1="68750" x2="25000" y2="68750"/>
+                        <a14:foregroundMark x1="68750" y1="68750" x2="68750" y2="68750"/>
+                        <a14:foregroundMark x1="68750" y1="18750" x2="68750" y2="18750"/>
+                      </a14:backgroundRemoval>
+                    </a14:imgEffect>
+                  </a14:imgLayer>
+                </a14:imgProps>
+              </a:ext>
+              <a:ext uri="{28A0092B-C50C-407E-A947-70E740481C1C}">
+                <a14:useLocalDpi xmlns:a14="http://schemas.microsoft.com/office/drawing/2010/main" val="0"/>
+              </a:ext>
+            </a:extLst>
+          </a:blip>
+          <a:stretch>
+            <a:fillRect/>
+          </a:stretch>
+        </p:blipFill>
+        <p:spPr>
+          <a:xfrm>
+            <a:off x="541640" y="4841804"/>
+            <a:ext cx="1136279" cy="1136279"/>
+          </a:xfrm>
+          <a:prstGeom prst="rect">
+            <a:avLst/>
+          </a:prstGeom>
+        </p:spPr>
+      </p:pic>
+      <p:pic>
+        <p:nvPicPr>
+          <p:cNvPr id="48" name="図 47"/>
+          <p:cNvPicPr>
+            <a:picLocks noChangeAspect="1"/>
+          </p:cNvPicPr>
+          <p:nvPr/>
+        </p:nvPicPr>
+        <p:blipFill>
+          <a:blip r:embed="rId8">
+            <a:extLst>
+              <a:ext uri="{BEBA8EAE-BF5A-486C-A8C5-ECC9F3942E4B}">
+                <a14:imgProps xmlns:a14="http://schemas.microsoft.com/office/drawing/2010/main">
+                  <a14:imgLayer r:embed="rId9">
+                    <a14:imgEffect>
+                      <a14:backgroundRemoval t="0" b="93750" l="6250" r="87500">
+                        <a14:foregroundMark x1="25000" y1="18750" x2="25000" y2="18750"/>
+                        <a14:foregroundMark x1="25000" y1="68750" x2="25000" y2="68750"/>
+                        <a14:foregroundMark x1="68750" y1="68750" x2="68750" y2="68750"/>
+                        <a14:foregroundMark x1="68750" y1="18750" x2="68750" y2="18750"/>
+                      </a14:backgroundRemoval>
+                    </a14:imgEffect>
+                  </a14:imgLayer>
+                </a14:imgProps>
+              </a:ext>
+              <a:ext uri="{28A0092B-C50C-407E-A947-70E740481C1C}">
+                <a14:useLocalDpi xmlns:a14="http://schemas.microsoft.com/office/drawing/2010/main" val="0"/>
+              </a:ext>
+            </a:extLst>
+          </a:blip>
+          <a:stretch>
+            <a:fillRect/>
+          </a:stretch>
+        </p:blipFill>
+        <p:spPr>
+          <a:xfrm>
+            <a:off x="967549" y="3795303"/>
+            <a:ext cx="1136279" cy="1136279"/>
+          </a:xfrm>
+          <a:prstGeom prst="rect">
+            <a:avLst/>
+          </a:prstGeom>
+        </p:spPr>
+      </p:pic>
+      <p:sp>
+        <p:nvSpPr>
+          <p:cNvPr id="39" name="楕円 38"/>
+          <p:cNvSpPr/>
+          <p:nvPr/>
+        </p:nvSpPr>
+        <p:spPr>
+          <a:xfrm>
+            <a:off x="2969515" y="4641426"/>
+            <a:ext cx="655782" cy="476715"/>
+          </a:xfrm>
+          <a:prstGeom prst="ellipse">
+            <a:avLst/>
+          </a:prstGeom>
+          <a:solidFill>
+            <a:schemeClr val="tx1">
+              <a:lumMod val="65000"/>
+              <a:lumOff val="35000"/>
+            </a:schemeClr>
+          </a:solidFill>
+          <a:ln>
+            <a:solidFill>
+              <a:schemeClr val="tx1">
+                <a:lumMod val="75000"/>
+                <a:lumOff val="25000"/>
+              </a:schemeClr>
+            </a:solidFill>
+          </a:ln>
+        </p:spPr>
+        <p:style>
+          <a:lnRef idx="2">
+            <a:schemeClr val="accent1">
+              <a:shade val="50000"/>
+            </a:schemeClr>
+          </a:lnRef>
+          <a:fillRef idx="1">
+            <a:schemeClr val="accent1"/>
+          </a:fillRef>
+          <a:effectRef idx="0">
+            <a:schemeClr val="accent1"/>
+          </a:effectRef>
+          <a:fontRef idx="minor">
+            <a:schemeClr val="lt1"/>
+          </a:fontRef>
+        </p:style>
+        <p:txBody>
+          <a:bodyPr rtlCol="0" anchor="ctr"/>
+          <a:lstStyle/>
+          <a:p>
+            <a:pPr algn="ctr"/>
+            <a:endParaRPr kumimoji="1" lang="ja-JP" altLang="en-US">
+              <a:solidFill>
+                <a:srgbClr val="FF0000"/>
+              </a:solidFill>
+            </a:endParaRPr>
+          </a:p>
+        </p:txBody>
+      </p:sp>
+      <p:sp>
+        <p:nvSpPr>
+          <p:cNvPr id="49" name="楕円 48"/>
+          <p:cNvSpPr/>
+          <p:nvPr/>
+        </p:nvSpPr>
+        <p:spPr>
+          <a:xfrm>
+            <a:off x="3443747" y="5722060"/>
+            <a:ext cx="2164014" cy="933490"/>
+          </a:xfrm>
+          <a:prstGeom prst="ellipse">
+            <a:avLst/>
+          </a:prstGeom>
+          <a:solidFill>
+            <a:schemeClr val="tx1">
+              <a:lumMod val="65000"/>
+              <a:lumOff val="35000"/>
+            </a:schemeClr>
+          </a:solidFill>
+          <a:ln>
+            <a:solidFill>
+              <a:schemeClr val="tx1">
+                <a:lumMod val="75000"/>
+                <a:lumOff val="25000"/>
+              </a:schemeClr>
+            </a:solidFill>
+          </a:ln>
+        </p:spPr>
+        <p:style>
+          <a:lnRef idx="2">
+            <a:schemeClr val="accent1">
+              <a:shade val="50000"/>
+            </a:schemeClr>
+          </a:lnRef>
+          <a:fillRef idx="1">
+            <a:schemeClr val="accent1"/>
+          </a:fillRef>
+          <a:effectRef idx="0">
+            <a:schemeClr val="accent1"/>
+          </a:effectRef>
+          <a:fontRef idx="minor">
+            <a:schemeClr val="lt1"/>
+          </a:fontRef>
+        </p:style>
+        <p:txBody>
+          <a:bodyPr rtlCol="0" anchor="ctr"/>
+          <a:lstStyle/>
+          <a:p>
+            <a:pPr algn="ctr"/>
+            <a:endParaRPr kumimoji="1" lang="ja-JP" altLang="en-US">
+              <a:solidFill>
+                <a:srgbClr val="FF0000"/>
+              </a:solidFill>
+            </a:endParaRPr>
+          </a:p>
+        </p:txBody>
+      </p:sp>
+      <p:pic>
+        <p:nvPicPr>
+          <p:cNvPr id="9" name="図 8"/>
+          <p:cNvPicPr>
+            <a:picLocks noChangeAspect="1"/>
+          </p:cNvPicPr>
+          <p:nvPr/>
+        </p:nvPicPr>
+        <p:blipFill rotWithShape="1">
+          <a:blip r:embed="rId11" cstate="print">
+            <a:extLst>
+              <a:ext uri="{28A0092B-C50C-407E-A947-70E740481C1C}">
+                <a14:useLocalDpi xmlns:a14="http://schemas.microsoft.com/office/drawing/2010/main" val="0"/>
+              </a:ext>
+            </a:extLst>
+          </a:blip>
+          <a:srcRect r="82173"/>
+          <a:stretch/>
+        </p:blipFill>
+        <p:spPr>
+          <a:xfrm>
+            <a:off x="3594720" y="3417038"/>
+            <a:ext cx="1948107" cy="3069737"/>
+          </a:xfrm>
+          <a:prstGeom prst="rect">
+            <a:avLst/>
+          </a:prstGeom>
+        </p:spPr>
+      </p:pic>
+      <p:sp>
+        <p:nvSpPr>
+          <p:cNvPr id="5" name="テキスト ボックス 4"/>
+          <p:cNvSpPr txBox="1"/>
+          <p:nvPr/>
+        </p:nvSpPr>
+        <p:spPr>
+          <a:xfrm>
+            <a:off x="6570" y="54499"/>
+            <a:ext cx="1985297" cy="369332"/>
+          </a:xfrm>
+          <a:prstGeom prst="rect">
+            <a:avLst/>
+          </a:prstGeom>
+          <a:noFill/>
+        </p:spPr>
+        <p:txBody>
+          <a:bodyPr wrap="square" rtlCol="0">
+            <a:spAutoFit/>
+          </a:bodyPr>
+          <a:lstStyle/>
+          <a:p>
+            <a:r>
+              <a:rPr kumimoji="1" lang="en-US" altLang="ja-JP" dirty="0" smtClean="0">
+                <a:solidFill>
+                  <a:schemeClr val="bg1"/>
+                </a:solidFill>
+              </a:rPr>
+              <a:t>(</a:t>
+            </a:r>
+            <a:r>
+              <a:rPr kumimoji="1" lang="ja-JP" altLang="en-US" dirty="0" smtClean="0">
+                <a:solidFill>
+                  <a:schemeClr val="bg1"/>
+                </a:solidFill>
+              </a:rPr>
+              <a:t>ゲーム画面</a:t>
+            </a:r>
+            <a:r>
+              <a:rPr kumimoji="1" lang="en-US" altLang="ja-JP" dirty="0" smtClean="0">
+                <a:solidFill>
+                  <a:schemeClr val="bg1"/>
+                </a:solidFill>
+              </a:rPr>
+              <a:t>)</a:t>
+            </a:r>
+            <a:endParaRPr kumimoji="1" lang="ja-JP" altLang="en-US" dirty="0">
+              <a:solidFill>
+                <a:schemeClr val="bg1"/>
+              </a:solidFill>
+            </a:endParaRPr>
+          </a:p>
+        </p:txBody>
+      </p:sp>
+      <p:sp>
+        <p:nvSpPr>
+          <p:cNvPr id="33" name="テキスト ボックス 32"/>
+          <p:cNvSpPr txBox="1"/>
+          <p:nvPr/>
+        </p:nvSpPr>
+        <p:spPr>
+          <a:xfrm>
+            <a:off x="2330023" y="368413"/>
+            <a:ext cx="1717944" cy="461665"/>
+          </a:xfrm>
+          <a:prstGeom prst="rect">
+            <a:avLst/>
+          </a:prstGeom>
+          <a:solidFill>
+            <a:schemeClr val="accent2">
+              <a:lumMod val="60000"/>
+              <a:lumOff val="40000"/>
+            </a:schemeClr>
+          </a:solidFill>
+        </p:spPr>
+        <p:txBody>
+          <a:bodyPr wrap="square" rtlCol="0">
+            <a:spAutoFit/>
+          </a:bodyPr>
+          <a:lstStyle/>
+          <a:p>
+            <a:pPr algn="ctr"/>
+            <a:r>
+              <a:rPr lang="en-US" altLang="ja-JP" sz="2400" dirty="0" smtClean="0"/>
+              <a:t>UI(</a:t>
+            </a:r>
+            <a:r>
+              <a:rPr lang="ja-JP" altLang="en-US" sz="2400" dirty="0" smtClean="0"/>
+              <a:t>ライフ</a:t>
+            </a:r>
+            <a:r>
+              <a:rPr lang="en-US" altLang="ja-JP" sz="2400" dirty="0" smtClean="0"/>
+              <a:t>)</a:t>
+            </a:r>
+            <a:endParaRPr kumimoji="1" lang="en-US" altLang="ja-JP" sz="2400" dirty="0" smtClean="0"/>
+          </a:p>
+        </p:txBody>
+      </p:sp>
+      <p:sp>
+        <p:nvSpPr>
+          <p:cNvPr id="34" name="テキスト ボックス 33"/>
+          <p:cNvSpPr txBox="1"/>
+          <p:nvPr/>
+        </p:nvSpPr>
+        <p:spPr>
+          <a:xfrm>
+            <a:off x="8116094" y="290264"/>
+            <a:ext cx="1703303" cy="461665"/>
+          </a:xfrm>
+          <a:prstGeom prst="rect">
+            <a:avLst/>
+          </a:prstGeom>
+          <a:solidFill>
+            <a:schemeClr val="accent2">
+              <a:lumMod val="60000"/>
+              <a:lumOff val="40000"/>
+            </a:schemeClr>
+          </a:solidFill>
+        </p:spPr>
+        <p:txBody>
+          <a:bodyPr wrap="square" rtlCol="0">
+            <a:spAutoFit/>
+          </a:bodyPr>
+          <a:lstStyle/>
+          <a:p>
+            <a:pPr algn="ctr"/>
+            <a:r>
+              <a:rPr lang="en-US" altLang="ja-JP" sz="2400" dirty="0" smtClean="0"/>
+              <a:t>UI(</a:t>
+            </a:r>
+            <a:r>
+              <a:rPr lang="ja-JP" altLang="en-US" sz="2400" dirty="0" smtClean="0"/>
+              <a:t>スコア</a:t>
+            </a:r>
+            <a:r>
+              <a:rPr lang="en-US" altLang="ja-JP" sz="2400" dirty="0" smtClean="0"/>
+              <a:t>)</a:t>
+            </a:r>
+            <a:endParaRPr kumimoji="1" lang="en-US" altLang="ja-JP" sz="2400" dirty="0" smtClean="0"/>
+          </a:p>
+        </p:txBody>
+      </p:sp>
+    </p:spTree>
+    <p:extLst>
+      <p:ext uri="{BB962C8B-B14F-4D97-AF65-F5344CB8AC3E}">
+        <p14:creationId xmlns:p14="http://schemas.microsoft.com/office/powerpoint/2010/main" val="550748795"/>
+      </p:ext>
+    </p:extLst>
+  </p:cSld>
+  <p:clrMapOvr>
+    <a:masterClrMapping/>
+  </p:clrMapOvr>
+  <p:timing>
+    <p:tnLst>
+      <p:par>
+        <p:cTn id="1" dur="indefinite" restart="never" nodeType="tmRoot"/>
+      </p:par>
+    </p:tnLst>
+  </p:timing>
+</p:sld>
+</file>
+
+<file path=ppt/slides/slide11.xml><?xml version="1.0" encoding="utf-8"?>
+<p:sld xmlns:a="http://schemas.openxmlformats.org/drawingml/2006/main" xmlns:r="http://schemas.openxmlformats.org/officeDocument/2006/relationships" xmlns:p="http://schemas.openxmlformats.org/presentationml/2006/main">
+  <p:cSld>
+    <p:spTree>
+      <p:nvGrpSpPr>
+        <p:cNvPr id="1" name=""/>
+        <p:cNvGrpSpPr/>
+        <p:nvPr/>
+      </p:nvGrpSpPr>
+      <p:grpSpPr>
+        <a:xfrm>
+          <a:off x="0" y="0"/>
+          <a:ext cx="0" cy="0"/>
+          <a:chOff x="0" y="0"/>
+          <a:chExt cx="0" cy="0"/>
+        </a:xfrm>
+      </p:grpSpPr>
+      <p:grpSp>
+        <p:nvGrpSpPr>
+          <p:cNvPr id="4" name="グループ化 3"/>
+          <p:cNvGrpSpPr/>
+          <p:nvPr/>
+        </p:nvGrpSpPr>
+        <p:grpSpPr>
+          <a:xfrm>
+            <a:off x="0" y="0"/>
+            <a:ext cx="12192000" cy="6858000"/>
+            <a:chOff x="2519258" y="1516930"/>
+            <a:chExt cx="6705614" cy="3768865"/>
+          </a:xfrm>
+        </p:grpSpPr>
+        <p:pic>
+          <p:nvPicPr>
+            <p:cNvPr id="2" name="図 1"/>
+            <p:cNvPicPr>
+              <a:picLocks noChangeAspect="1"/>
+            </p:cNvPicPr>
+            <p:nvPr/>
+          </p:nvPicPr>
+          <p:blipFill>
+            <a:blip r:embed="rId3" cstate="print">
+              <a:extLst>
+                <a:ext uri="{28A0092B-C50C-407E-A947-70E740481C1C}">
+                  <a14:useLocalDpi xmlns:a14="http://schemas.microsoft.com/office/drawing/2010/main" val="0"/>
+                </a:ext>
+              </a:extLst>
+            </a:blip>
+            <a:stretch>
+              <a:fillRect/>
+            </a:stretch>
+          </p:blipFill>
+          <p:spPr>
+            <a:xfrm>
+              <a:off x="2519258" y="1628188"/>
+              <a:ext cx="6705614" cy="3657607"/>
+            </a:xfrm>
+            <a:prstGeom prst="rect">
+              <a:avLst/>
+            </a:prstGeom>
+          </p:spPr>
+        </p:pic>
+        <p:pic>
+          <p:nvPicPr>
+            <p:cNvPr id="3" name="図 2"/>
+            <p:cNvPicPr>
+              <a:picLocks noChangeAspect="1"/>
+            </p:cNvPicPr>
+            <p:nvPr/>
+          </p:nvPicPr>
+          <p:blipFill>
+            <a:blip r:embed="rId4" cstate="print">
+              <a:extLst>
+                <a:ext uri="{28A0092B-C50C-407E-A947-70E740481C1C}">
+                  <a14:useLocalDpi xmlns:a14="http://schemas.microsoft.com/office/drawing/2010/main" val="0"/>
+                </a:ext>
+              </a:extLst>
+            </a:blip>
+            <a:stretch>
+              <a:fillRect/>
+            </a:stretch>
+          </p:blipFill>
+          <p:spPr>
+            <a:xfrm>
+              <a:off x="2519258" y="1516930"/>
+              <a:ext cx="6705614" cy="3657607"/>
+            </a:xfrm>
+            <a:prstGeom prst="rect">
+              <a:avLst/>
+            </a:prstGeom>
+          </p:spPr>
+        </p:pic>
+      </p:grpSp>
       <p:pic>
         <p:nvPicPr>
           <p:cNvPr id="26" name="図 25"/>
@@ -5517,6 +6613,36 @@
           <a:chExt cx="0" cy="0"/>
         </a:xfrm>
       </p:grpSpPr>
+      <p:pic>
+        <p:nvPicPr>
+          <p:cNvPr id="5" name="図 4"/>
+          <p:cNvPicPr>
+            <a:picLocks noChangeAspect="1"/>
+          </p:cNvPicPr>
+          <p:nvPr/>
+        </p:nvPicPr>
+        <p:blipFill>
+          <a:blip r:embed="rId2">
+            <a:extLst>
+              <a:ext uri="{28A0092B-C50C-407E-A947-70E740481C1C}">
+                <a14:useLocalDpi xmlns:a14="http://schemas.microsoft.com/office/drawing/2010/main" val="0"/>
+              </a:ext>
+            </a:extLst>
+          </a:blip>
+          <a:stretch>
+            <a:fillRect/>
+          </a:stretch>
+        </p:blipFill>
+        <p:spPr>
+          <a:xfrm>
+            <a:off x="1235993" y="318407"/>
+            <a:ext cx="9441706" cy="7679254"/>
+          </a:xfrm>
+          <a:prstGeom prst="rect">
+            <a:avLst/>
+          </a:prstGeom>
+        </p:spPr>
+      </p:pic>
       <p:sp>
         <p:nvSpPr>
           <p:cNvPr id="2" name="テキスト ボックス 1"/>
@@ -5526,7 +6652,7 @@
         <p:spPr>
           <a:xfrm>
             <a:off x="408214" y="318407"/>
-            <a:ext cx="2588079" cy="461665"/>
+            <a:ext cx="3273879" cy="461665"/>
           </a:xfrm>
           <a:prstGeom prst="rect">
             <a:avLst/>
@@ -5545,7 +6671,11 @@
             </a:r>
             <a:r>
               <a:rPr kumimoji="1" lang="ja-JP" altLang="en-US" sz="2400" dirty="0" smtClean="0"/>
-              <a:t>タイトル画面</a:t>
+              <a:t>タイトル</a:t>
+            </a:r>
+            <a:r>
+              <a:rPr kumimoji="1" lang="ja-JP" altLang="en-US" sz="2400" dirty="0" smtClean="0"/>
+              <a:t>画面：案１</a:t>
             </a:r>
             <a:r>
               <a:rPr kumimoji="1" lang="en-US" altLang="ja-JP" sz="2400" dirty="0" smtClean="0"/>
@@ -5579,26 +6709,44 @@
           <a:p>
             <a:pPr algn="ctr"/>
             <a:r>
-              <a:rPr lang="ja-JP" altLang="en-US" sz="4400" dirty="0" smtClean="0"/>
+              <a:rPr lang="ja-JP" altLang="en-US" sz="4400" dirty="0" smtClean="0">
+                <a:latin typeface="HGP創英ﾌﾟﾚｾﾞﾝｽEB" panose="02020800000000000000" pitchFamily="18" charset="-128"/>
+                <a:ea typeface="HGP創英ﾌﾟﾚｾﾞﾝｽEB" panose="02020800000000000000" pitchFamily="18" charset="-128"/>
+              </a:rPr>
               <a:t>ベルトスクロールアドベンチャー</a:t>
             </a:r>
-            <a:endParaRPr lang="en-US" altLang="ja-JP" sz="4400" dirty="0" smtClean="0"/>
+            <a:endParaRPr lang="en-US" altLang="ja-JP" sz="4400" dirty="0" smtClean="0">
+              <a:latin typeface="HGP創英ﾌﾟﾚｾﾞﾝｽEB" panose="02020800000000000000" pitchFamily="18" charset="-128"/>
+              <a:ea typeface="HGP創英ﾌﾟﾚｾﾞﾝｽEB" panose="02020800000000000000" pitchFamily="18" charset="-128"/>
+            </a:endParaRPr>
           </a:p>
           <a:p>
             <a:pPr algn="ctr"/>
             <a:r>
-              <a:rPr lang="en-US" altLang="ja-JP" sz="4400" dirty="0" smtClean="0"/>
+              <a:rPr lang="en-US" altLang="ja-JP" sz="4400" dirty="0" smtClean="0">
+                <a:latin typeface="HGP創英ﾌﾟﾚｾﾞﾝｽEB" panose="02020800000000000000" pitchFamily="18" charset="-128"/>
+                <a:ea typeface="HGP創英ﾌﾟﾚｾﾞﾝｽEB" panose="02020800000000000000" pitchFamily="18" charset="-128"/>
+              </a:rPr>
               <a:t>(</a:t>
             </a:r>
             <a:r>
-              <a:rPr lang="ja-JP" altLang="en-US" sz="4400" dirty="0" smtClean="0"/>
+              <a:rPr lang="ja-JP" altLang="en-US" sz="4400" dirty="0" smtClean="0">
+                <a:latin typeface="HGP創英ﾌﾟﾚｾﾞﾝｽEB" panose="02020800000000000000" pitchFamily="18" charset="-128"/>
+                <a:ea typeface="HGP創英ﾌﾟﾚｾﾞﾝｽEB" panose="02020800000000000000" pitchFamily="18" charset="-128"/>
+              </a:rPr>
               <a:t>仮タイトル：後で考える</a:t>
             </a:r>
             <a:r>
-              <a:rPr lang="en-US" altLang="ja-JP" sz="4400" dirty="0" smtClean="0"/>
+              <a:rPr lang="en-US" altLang="ja-JP" sz="4400" dirty="0" smtClean="0">
+                <a:latin typeface="HGP創英ﾌﾟﾚｾﾞﾝｽEB" panose="02020800000000000000" pitchFamily="18" charset="-128"/>
+                <a:ea typeface="HGP創英ﾌﾟﾚｾﾞﾝｽEB" panose="02020800000000000000" pitchFamily="18" charset="-128"/>
+              </a:rPr>
               <a:t>)</a:t>
             </a:r>
-            <a:endParaRPr kumimoji="1" lang="ja-JP" altLang="en-US" sz="4400" dirty="0"/>
+            <a:endParaRPr kumimoji="1" lang="ja-JP" altLang="en-US" sz="4400" dirty="0">
+              <a:latin typeface="HGP創英ﾌﾟﾚｾﾞﾝｽEB" panose="02020800000000000000" pitchFamily="18" charset="-128"/>
+              <a:ea typeface="HGP創英ﾌﾟﾚｾﾞﾝｽEB" panose="02020800000000000000" pitchFamily="18" charset="-128"/>
+            </a:endParaRPr>
           </a:p>
         </p:txBody>
       </p:sp>
@@ -5668,13 +6816,13 @@
       </p:grpSpPr>
       <p:grpSp>
         <p:nvGrpSpPr>
-          <p:cNvPr id="4" name="グループ化 3"/>
+          <p:cNvPr id="6" name="グループ化 5"/>
           <p:cNvGrpSpPr/>
           <p:nvPr/>
         </p:nvGrpSpPr>
         <p:grpSpPr>
           <a:xfrm>
-            <a:off x="0" y="0"/>
+            <a:off x="0" y="16328"/>
             <a:ext cx="12192000" cy="6858000"/>
             <a:chOff x="2519258" y="1516930"/>
             <a:chExt cx="6705614" cy="3768865"/>
@@ -5682,14 +6830,14 @@
         </p:grpSpPr>
         <p:pic>
           <p:nvPicPr>
-            <p:cNvPr id="2" name="図 1"/>
+            <p:cNvPr id="7" name="図 6"/>
             <p:cNvPicPr>
               <a:picLocks noChangeAspect="1"/>
             </p:cNvPicPr>
             <p:nvPr/>
           </p:nvPicPr>
           <p:blipFill>
-            <a:blip r:embed="rId3" cstate="print">
+            <a:blip r:embed="rId2" cstate="print">
               <a:extLst>
                 <a:ext uri="{28A0092B-C50C-407E-A947-70E740481C1C}">
                   <a14:useLocalDpi xmlns:a14="http://schemas.microsoft.com/office/drawing/2010/main" val="0"/>
@@ -5712,14 +6860,14 @@
         </p:pic>
         <p:pic>
           <p:nvPicPr>
-            <p:cNvPr id="3" name="図 2"/>
+            <p:cNvPr id="8" name="図 7"/>
             <p:cNvPicPr>
               <a:picLocks noChangeAspect="1"/>
             </p:cNvPicPr>
             <p:nvPr/>
           </p:nvPicPr>
           <p:blipFill>
-            <a:blip r:embed="rId4" cstate="print">
+            <a:blip r:embed="rId3" cstate="print">
               <a:extLst>
                 <a:ext uri="{28A0092B-C50C-407E-A947-70E740481C1C}">
                   <a14:useLocalDpi xmlns:a14="http://schemas.microsoft.com/office/drawing/2010/main" val="0"/>
@@ -5743,14 +6891,14 @@
       </p:grpSp>
       <p:sp>
         <p:nvSpPr>
-          <p:cNvPr id="7" name="テキスト ボックス 6"/>
+          <p:cNvPr id="2" name="テキスト ボックス 1"/>
           <p:cNvSpPr txBox="1"/>
           <p:nvPr/>
         </p:nvSpPr>
         <p:spPr>
           <a:xfrm>
-            <a:off x="9531142" y="259487"/>
-            <a:ext cx="2659224" cy="523220"/>
+            <a:off x="408214" y="318407"/>
+            <a:ext cx="3273879" cy="461665"/>
           </a:xfrm>
           <a:prstGeom prst="rect">
             <a:avLst/>
@@ -5763,188 +6911,145 @@
           </a:bodyPr>
           <a:lstStyle/>
           <a:p>
-            <a:pPr algn="ctr"/>
-            <a:r>
-              <a:rPr kumimoji="1" lang="ja-JP" altLang="en-US" sz="2800" dirty="0" smtClean="0">
+            <a:r>
+              <a:rPr kumimoji="1" lang="en-US" altLang="ja-JP" sz="2400" dirty="0" smtClean="0">
                 <a:solidFill>
                   <a:schemeClr val="bg1"/>
                 </a:solidFill>
-                <a:latin typeface="Arial Black" panose="020B0A04020102020204" pitchFamily="34" charset="0"/>
               </a:rPr>
-              <a:t>１</a:t>
-            </a:r>
-            <a:r>
-              <a:rPr lang="en-US" altLang="ja-JP" sz="2800" dirty="0">
+              <a:t>(</a:t>
+            </a:r>
+            <a:r>
+              <a:rPr kumimoji="1" lang="ja-JP" altLang="en-US" sz="2400" dirty="0" smtClean="0">
                 <a:solidFill>
                   <a:schemeClr val="bg1"/>
                 </a:solidFill>
-                <a:latin typeface="Arial Black" panose="020B0A04020102020204" pitchFamily="34" charset="0"/>
               </a:rPr>
-              <a:t>.</a:t>
-            </a:r>
-            <a:r>
-              <a:rPr kumimoji="1" lang="ja-JP" altLang="en-US" sz="2800" dirty="0" smtClean="0">
+              <a:t>タイトル</a:t>
+            </a:r>
+            <a:r>
+              <a:rPr kumimoji="1" lang="ja-JP" altLang="en-US" sz="2400" dirty="0" smtClean="0">
                 <a:solidFill>
                   <a:schemeClr val="bg1"/>
                 </a:solidFill>
-                <a:latin typeface="Arial Black" panose="020B0A04020102020204" pitchFamily="34" charset="0"/>
               </a:rPr>
-              <a:t>１１ｋｍ</a:t>
-            </a:r>
-            <a:endParaRPr kumimoji="1" lang="ja-JP" altLang="en-US" sz="2800" dirty="0">
+              <a:t>画面：案２</a:t>
+            </a:r>
+            <a:r>
+              <a:rPr kumimoji="1" lang="en-US" altLang="ja-JP" sz="2400" dirty="0" smtClean="0">
+                <a:solidFill>
+                  <a:schemeClr val="bg1"/>
+                </a:solidFill>
+              </a:rPr>
+              <a:t>)</a:t>
+            </a:r>
+            <a:endParaRPr kumimoji="1" lang="ja-JP" altLang="en-US" sz="2400" dirty="0">
               <a:solidFill>
                 <a:schemeClr val="bg1"/>
               </a:solidFill>
-              <a:latin typeface="Arial Black" panose="020B0A04020102020204" pitchFamily="34" charset="0"/>
             </a:endParaRPr>
           </a:p>
         </p:txBody>
       </p:sp>
-      <p:pic>
-        <p:nvPicPr>
-          <p:cNvPr id="26" name="図 25"/>
-          <p:cNvPicPr>
-            <a:picLocks noChangeAspect="1"/>
-          </p:cNvPicPr>
+      <p:sp>
+        <p:nvSpPr>
+          <p:cNvPr id="3" name="テキスト ボックス 2"/>
+          <p:cNvSpPr txBox="1"/>
           <p:nvPr/>
-        </p:nvPicPr>
-        <p:blipFill>
-          <a:blip r:embed="rId5" cstate="print">
-            <a:extLst>
-              <a:ext uri="{28A0092B-C50C-407E-A947-70E740481C1C}">
-                <a14:useLocalDpi xmlns:a14="http://schemas.microsoft.com/office/drawing/2010/main" val="0"/>
-              </a:ext>
-            </a:extLst>
-          </a:blip>
-          <a:stretch>
-            <a:fillRect/>
-          </a:stretch>
-        </p:blipFill>
-        <p:spPr>
-          <a:xfrm>
-            <a:off x="8870886" y="5860129"/>
-            <a:ext cx="773299" cy="831505"/>
+        </p:nvSpPr>
+        <p:spPr>
+          <a:xfrm>
+            <a:off x="1223456" y="2001288"/>
+            <a:ext cx="9454243" cy="769441"/>
           </a:xfrm>
           <a:prstGeom prst="rect">
             <a:avLst/>
           </a:prstGeom>
-        </p:spPr>
-      </p:pic>
-      <p:grpSp>
-        <p:nvGrpSpPr>
-          <p:cNvPr id="37" name="グループ化 36"/>
-          <p:cNvGrpSpPr/>
-          <p:nvPr/>
-        </p:nvGrpSpPr>
-        <p:grpSpPr>
-          <a:xfrm>
-            <a:off x="478100" y="336771"/>
-            <a:ext cx="1647912" cy="524951"/>
-            <a:chOff x="251973" y="183749"/>
-            <a:chExt cx="1647912" cy="524951"/>
-          </a:xfrm>
-        </p:grpSpPr>
-        <p:pic>
-          <p:nvPicPr>
-            <p:cNvPr id="30" name="図 29"/>
-            <p:cNvPicPr>
-              <a:picLocks noChangeAspect="1"/>
-            </p:cNvPicPr>
-            <p:nvPr/>
-          </p:nvPicPr>
-          <p:blipFill>
-            <a:blip r:embed="rId6" cstate="print">
-              <a:extLst>
-                <a:ext uri="{28A0092B-C50C-407E-A947-70E740481C1C}">
-                  <a14:useLocalDpi xmlns:a14="http://schemas.microsoft.com/office/drawing/2010/main" val="0"/>
-                </a:ext>
-              </a:extLst>
-            </a:blip>
-            <a:stretch>
-              <a:fillRect/>
-            </a:stretch>
-          </p:blipFill>
-          <p:spPr>
-            <a:xfrm flipH="1">
-              <a:off x="251973" y="183749"/>
-              <a:ext cx="521119" cy="524951"/>
-            </a:xfrm>
-            <a:prstGeom prst="rect">
-              <a:avLst/>
-            </a:prstGeom>
-          </p:spPr>
-        </p:pic>
-        <p:pic>
-          <p:nvPicPr>
-            <p:cNvPr id="31" name="図 30"/>
-            <p:cNvPicPr>
-              <a:picLocks noChangeAspect="1"/>
-            </p:cNvPicPr>
-            <p:nvPr/>
-          </p:nvPicPr>
-          <p:blipFill>
-            <a:blip r:embed="rId6" cstate="print">
-              <a:extLst>
-                <a:ext uri="{28A0092B-C50C-407E-A947-70E740481C1C}">
-                  <a14:useLocalDpi xmlns:a14="http://schemas.microsoft.com/office/drawing/2010/main" val="0"/>
-                </a:ext>
-              </a:extLst>
-            </a:blip>
-            <a:stretch>
-              <a:fillRect/>
-            </a:stretch>
-          </p:blipFill>
-          <p:spPr>
-            <a:xfrm flipH="1">
-              <a:off x="815370" y="183749"/>
-              <a:ext cx="521119" cy="524951"/>
-            </a:xfrm>
-            <a:prstGeom prst="rect">
-              <a:avLst/>
-            </a:prstGeom>
-          </p:spPr>
-        </p:pic>
-        <p:pic>
-          <p:nvPicPr>
-            <p:cNvPr id="32" name="図 31"/>
-            <p:cNvPicPr>
-              <a:picLocks noChangeAspect="1"/>
-            </p:cNvPicPr>
-            <p:nvPr/>
-          </p:nvPicPr>
-          <p:blipFill>
-            <a:blip r:embed="rId6" cstate="print">
-              <a:extLst>
-                <a:ext uri="{28A0092B-C50C-407E-A947-70E740481C1C}">
-                  <a14:useLocalDpi xmlns:a14="http://schemas.microsoft.com/office/drawing/2010/main" val="0"/>
-                </a:ext>
-              </a:extLst>
-            </a:blip>
-            <a:stretch>
-              <a:fillRect/>
-            </a:stretch>
-          </p:blipFill>
-          <p:spPr>
-            <a:xfrm flipH="1">
-              <a:off x="1378766" y="183749"/>
-              <a:ext cx="521119" cy="524951"/>
-            </a:xfrm>
-            <a:prstGeom prst="rect">
-              <a:avLst/>
-            </a:prstGeom>
-          </p:spPr>
-        </p:pic>
-      </p:grpSp>
-      <p:sp>
-        <p:nvSpPr>
-          <p:cNvPr id="28" name="テキスト ボックス 27"/>
+          <a:noFill/>
+        </p:spPr>
+        <p:txBody>
+          <a:bodyPr wrap="square" rtlCol="0">
+            <a:spAutoFit/>
+          </a:bodyPr>
+          <a:lstStyle/>
+          <a:p>
+            <a:pPr algn="ctr"/>
+            <a:r>
+              <a:rPr lang="ja-JP" altLang="en-US" sz="4400" dirty="0" smtClean="0">
+                <a:solidFill>
+                  <a:schemeClr val="bg1"/>
+                </a:solidFill>
+                <a:latin typeface="HGP創英ﾌﾟﾚｾﾞﾝｽEB" panose="02020800000000000000" pitchFamily="18" charset="-128"/>
+                <a:ea typeface="HGP創英ﾌﾟﾚｾﾞﾝｽEB" panose="02020800000000000000" pitchFamily="18" charset="-128"/>
+              </a:rPr>
+              <a:t>ベルトスクロールアドベンチャー</a:t>
+            </a:r>
+            <a:endParaRPr lang="en-US" altLang="ja-JP" sz="4400" dirty="0" smtClean="0">
+              <a:solidFill>
+                <a:schemeClr val="bg1"/>
+              </a:solidFill>
+              <a:latin typeface="HGP創英ﾌﾟﾚｾﾞﾝｽEB" panose="02020800000000000000" pitchFamily="18" charset="-128"/>
+              <a:ea typeface="HGP創英ﾌﾟﾚｾﾞﾝｽEB" panose="02020800000000000000" pitchFamily="18" charset="-128"/>
+            </a:endParaRPr>
+          </a:p>
+        </p:txBody>
+      </p:sp>
+      <p:sp>
+        <p:nvSpPr>
+          <p:cNvPr id="4" name="テキスト ボックス 3"/>
           <p:cNvSpPr txBox="1"/>
           <p:nvPr/>
         </p:nvSpPr>
         <p:spPr>
           <a:xfrm>
-            <a:off x="10922541" y="3516098"/>
-            <a:ext cx="523400" cy="461665"/>
+            <a:off x="4325884" y="4465864"/>
+            <a:ext cx="3249386" cy="584775"/>
+          </a:xfrm>
+          <a:prstGeom prst="rect">
+            <a:avLst/>
+          </a:prstGeom>
+          <a:noFill/>
+        </p:spPr>
+        <p:txBody>
+          <a:bodyPr wrap="square" rtlCol="0">
+            <a:spAutoFit/>
+          </a:bodyPr>
+          <a:lstStyle/>
+          <a:p>
+            <a:r>
+              <a:rPr kumimoji="1" lang="en-US" altLang="ja-JP" sz="3200" dirty="0" smtClean="0">
+                <a:solidFill>
+                  <a:schemeClr val="bg1"/>
+                </a:solidFill>
+              </a:rPr>
+              <a:t>PUSH </a:t>
+            </a:r>
+            <a:r>
+              <a:rPr kumimoji="1" lang="ja-JP" altLang="en-US" sz="3200" dirty="0" smtClean="0">
+                <a:solidFill>
+                  <a:schemeClr val="bg1"/>
+                </a:solidFill>
+              </a:rPr>
+              <a:t>～～～～</a:t>
+            </a:r>
+            <a:endParaRPr kumimoji="1" lang="ja-JP" altLang="en-US" sz="3200" dirty="0">
+              <a:solidFill>
+                <a:schemeClr val="bg1"/>
+              </a:solidFill>
+            </a:endParaRPr>
+          </a:p>
+        </p:txBody>
+      </p:sp>
+      <p:sp>
+        <p:nvSpPr>
+          <p:cNvPr id="10" name="テキスト ボックス 9"/>
+          <p:cNvSpPr txBox="1"/>
+          <p:nvPr/>
+        </p:nvSpPr>
+        <p:spPr>
+          <a:xfrm>
+            <a:off x="5376355" y="668433"/>
+            <a:ext cx="4020738" cy="584775"/>
           </a:xfrm>
           <a:prstGeom prst="rect">
             <a:avLst/>
@@ -5962,25 +7067,24 @@
           </a:bodyPr>
           <a:lstStyle/>
           <a:p>
-            <a:pPr algn="ctr"/>
-            <a:r>
-              <a:rPr lang="ja-JP" altLang="en-US" sz="2400" dirty="0"/>
-              <a:t>針</a:t>
-            </a:r>
-            <a:endParaRPr kumimoji="1" lang="ja-JP" altLang="en-US" sz="2400" dirty="0"/>
-          </a:p>
-        </p:txBody>
-      </p:sp>
-      <p:sp>
-        <p:nvSpPr>
-          <p:cNvPr id="35" name="テキスト ボックス 34"/>
+            <a:r>
+              <a:rPr lang="ja-JP" altLang="en-US" sz="3200" dirty="0" smtClean="0"/>
+              <a:t>スクロールする背景</a:t>
+            </a:r>
+            <a:endParaRPr kumimoji="1" lang="ja-JP" altLang="en-US" sz="3200" dirty="0"/>
+          </a:p>
+        </p:txBody>
+      </p:sp>
+      <p:sp>
+        <p:nvSpPr>
+          <p:cNvPr id="11" name="テキスト ボックス 10"/>
           <p:cNvSpPr txBox="1"/>
           <p:nvPr/>
         </p:nvSpPr>
         <p:spPr>
           <a:xfrm>
-            <a:off x="2912849" y="3227340"/>
-            <a:ext cx="1781879" cy="461665"/>
+            <a:off x="178426" y="5050639"/>
+            <a:ext cx="4744637" cy="1077218"/>
           </a:xfrm>
           <a:prstGeom prst="rect">
             <a:avLst/>
@@ -5998,749 +7102,28 @@
           </a:bodyPr>
           <a:lstStyle/>
           <a:p>
-            <a:pPr algn="ctr"/>
-            <a:r>
-              <a:rPr lang="ja-JP" altLang="en-US" sz="2400" dirty="0" smtClean="0"/>
-              <a:t>プレイヤー</a:t>
-            </a:r>
-            <a:endParaRPr kumimoji="1" lang="en-US" altLang="ja-JP" sz="2400" dirty="0" smtClean="0"/>
-          </a:p>
-        </p:txBody>
-      </p:sp>
-      <p:sp>
-        <p:nvSpPr>
-          <p:cNvPr id="36" name="テキスト ボックス 35"/>
-          <p:cNvSpPr txBox="1"/>
-          <p:nvPr/>
-        </p:nvSpPr>
-        <p:spPr>
-          <a:xfrm>
-            <a:off x="6601469" y="3901777"/>
-            <a:ext cx="560271" cy="461665"/>
-          </a:xfrm>
-          <a:prstGeom prst="rect">
-            <a:avLst/>
-          </a:prstGeom>
-          <a:solidFill>
-            <a:schemeClr val="accent2">
-              <a:lumMod val="60000"/>
-              <a:lumOff val="40000"/>
-            </a:schemeClr>
-          </a:solidFill>
-        </p:spPr>
-        <p:txBody>
-          <a:bodyPr wrap="square" rtlCol="0">
-            <a:spAutoFit/>
-          </a:bodyPr>
-          <a:lstStyle/>
-          <a:p>
-            <a:pPr algn="ctr"/>
-            <a:r>
-              <a:rPr lang="ja-JP" altLang="en-US" sz="2400" dirty="0"/>
-              <a:t>岩</a:t>
-            </a:r>
-            <a:endParaRPr lang="en-US" altLang="ja-JP" sz="2400" dirty="0" smtClean="0"/>
-          </a:p>
-        </p:txBody>
-      </p:sp>
-      <p:pic>
-        <p:nvPicPr>
-          <p:cNvPr id="29" name="図 28"/>
-          <p:cNvPicPr>
-            <a:picLocks noChangeAspect="1"/>
-          </p:cNvPicPr>
-          <p:nvPr/>
-        </p:nvPicPr>
-        <p:blipFill rotWithShape="1">
-          <a:blip r:embed="rId7" cstate="print">
-            <a:extLst>
-              <a:ext uri="{28A0092B-C50C-407E-A947-70E740481C1C}">
-                <a14:useLocalDpi xmlns:a14="http://schemas.microsoft.com/office/drawing/2010/main" val="0"/>
-              </a:ext>
-            </a:extLst>
-          </a:blip>
-          <a:srcRect l="27604" t="19307" r="10603" b="2564"/>
-          <a:stretch/>
-        </p:blipFill>
-        <p:spPr>
-          <a:xfrm rot="2091790">
-            <a:off x="5809559" y="4101253"/>
-            <a:ext cx="2076176" cy="1968814"/>
-          </a:xfrm>
-          <a:prstGeom prst="ellipse">
-            <a:avLst/>
-          </a:prstGeom>
-        </p:spPr>
-      </p:pic>
-      <p:sp>
-        <p:nvSpPr>
-          <p:cNvPr id="38" name="テキスト ボックス 37"/>
-          <p:cNvSpPr txBox="1"/>
-          <p:nvPr/>
-        </p:nvSpPr>
-        <p:spPr>
-          <a:xfrm>
-            <a:off x="5542827" y="1480640"/>
-            <a:ext cx="804615" cy="461665"/>
-          </a:xfrm>
-          <a:prstGeom prst="rect">
-            <a:avLst/>
-          </a:prstGeom>
-          <a:solidFill>
-            <a:schemeClr val="accent2">
-              <a:lumMod val="60000"/>
-              <a:lumOff val="40000"/>
-            </a:schemeClr>
-          </a:solidFill>
-        </p:spPr>
-        <p:txBody>
-          <a:bodyPr wrap="square" rtlCol="0">
-            <a:spAutoFit/>
-          </a:bodyPr>
-          <a:lstStyle/>
-          <a:p>
-            <a:pPr algn="ctr"/>
-            <a:r>
-              <a:rPr lang="ja-JP" altLang="en-US" sz="2400" dirty="0"/>
-              <a:t>背景</a:t>
-            </a:r>
-            <a:endParaRPr kumimoji="1" lang="en-US" altLang="ja-JP" sz="2400" dirty="0" smtClean="0"/>
-          </a:p>
-        </p:txBody>
-      </p:sp>
-      <p:sp>
-        <p:nvSpPr>
-          <p:cNvPr id="41" name="テキスト ボックス 40"/>
-          <p:cNvSpPr txBox="1"/>
-          <p:nvPr/>
-        </p:nvSpPr>
-        <p:spPr>
-          <a:xfrm>
-            <a:off x="9750426" y="5653933"/>
-            <a:ext cx="1491068" cy="461665"/>
-          </a:xfrm>
-          <a:prstGeom prst="rect">
-            <a:avLst/>
-          </a:prstGeom>
-          <a:solidFill>
-            <a:schemeClr val="accent2">
-              <a:lumMod val="60000"/>
-              <a:lumOff val="40000"/>
-            </a:schemeClr>
-          </a:solidFill>
-        </p:spPr>
-        <p:txBody>
-          <a:bodyPr wrap="square" rtlCol="0">
-            <a:spAutoFit/>
-          </a:bodyPr>
-          <a:lstStyle/>
-          <a:p>
-            <a:pPr algn="ctr"/>
-            <a:r>
-              <a:rPr lang="ja-JP" altLang="en-US" sz="2400" dirty="0" smtClean="0"/>
-              <a:t>アイテム</a:t>
-            </a:r>
-            <a:endParaRPr kumimoji="1" lang="en-US" altLang="ja-JP" sz="2400" dirty="0" smtClean="0"/>
-          </a:p>
-        </p:txBody>
-      </p:sp>
-      <p:pic>
-        <p:nvPicPr>
-          <p:cNvPr id="40" name="図 39"/>
-          <p:cNvPicPr>
-            <a:picLocks noChangeAspect="1"/>
-          </p:cNvPicPr>
-          <p:nvPr/>
-        </p:nvPicPr>
-        <p:blipFill>
-          <a:blip r:embed="rId8">
-            <a:extLst>
-              <a:ext uri="{BEBA8EAE-BF5A-486C-A8C5-ECC9F3942E4B}">
-                <a14:imgProps xmlns:a14="http://schemas.microsoft.com/office/drawing/2010/main">
-                  <a14:imgLayer r:embed="rId9">
-                    <a14:imgEffect>
-                      <a14:backgroundRemoval t="0" b="93750" l="6250" r="87500">
-                        <a14:foregroundMark x1="25000" y1="18750" x2="25000" y2="18750"/>
-                        <a14:foregroundMark x1="25000" y1="68750" x2="25000" y2="68750"/>
-                        <a14:foregroundMark x1="68750" y1="68750" x2="68750" y2="68750"/>
-                        <a14:foregroundMark x1="68750" y1="18750" x2="68750" y2="18750"/>
-                      </a14:backgroundRemoval>
-                    </a14:imgEffect>
-                  </a14:imgLayer>
-                </a14:imgProps>
-              </a:ext>
-              <a:ext uri="{28A0092B-C50C-407E-A947-70E740481C1C}">
-                <a14:useLocalDpi xmlns:a14="http://schemas.microsoft.com/office/drawing/2010/main" val="0"/>
-              </a:ext>
-            </a:extLst>
-          </a:blip>
-          <a:stretch>
-            <a:fillRect/>
-          </a:stretch>
-        </p:blipFill>
-        <p:spPr>
-          <a:xfrm>
-            <a:off x="8881514" y="3949381"/>
-            <a:ext cx="1136279" cy="1136279"/>
-          </a:xfrm>
-          <a:prstGeom prst="rect">
-            <a:avLst/>
-          </a:prstGeom>
-        </p:spPr>
-      </p:pic>
-      <p:pic>
-        <p:nvPicPr>
-          <p:cNvPr id="42" name="図 41"/>
-          <p:cNvPicPr>
-            <a:picLocks noChangeAspect="1"/>
-          </p:cNvPicPr>
-          <p:nvPr/>
-        </p:nvPicPr>
-        <p:blipFill>
-          <a:blip r:embed="rId8">
-            <a:extLst>
-              <a:ext uri="{BEBA8EAE-BF5A-486C-A8C5-ECC9F3942E4B}">
-                <a14:imgProps xmlns:a14="http://schemas.microsoft.com/office/drawing/2010/main">
-                  <a14:imgLayer r:embed="rId9">
-                    <a14:imgEffect>
-                      <a14:backgroundRemoval t="0" b="93750" l="6250" r="87500">
-                        <a14:foregroundMark x1="25000" y1="18750" x2="25000" y2="18750"/>
-                        <a14:foregroundMark x1="25000" y1="68750" x2="25000" y2="68750"/>
-                        <a14:foregroundMark x1="68750" y1="68750" x2="68750" y2="68750"/>
-                        <a14:foregroundMark x1="68750" y1="18750" x2="68750" y2="18750"/>
-                      </a14:backgroundRemoval>
-                    </a14:imgEffect>
-                  </a14:imgLayer>
-                </a14:imgProps>
-              </a:ext>
-              <a:ext uri="{28A0092B-C50C-407E-A947-70E740481C1C}">
-                <a14:useLocalDpi xmlns:a14="http://schemas.microsoft.com/office/drawing/2010/main" val="0"/>
-              </a:ext>
-            </a:extLst>
-          </a:blip>
-          <a:stretch>
-            <a:fillRect/>
-          </a:stretch>
-        </p:blipFill>
-        <p:spPr>
-          <a:xfrm>
-            <a:off x="10005122" y="3949381"/>
-            <a:ext cx="1136279" cy="1136279"/>
-          </a:xfrm>
-          <a:prstGeom prst="rect">
-            <a:avLst/>
-          </a:prstGeom>
-        </p:spPr>
-      </p:pic>
-      <p:pic>
-        <p:nvPicPr>
-          <p:cNvPr id="43" name="図 42"/>
-          <p:cNvPicPr>
-            <a:picLocks noChangeAspect="1"/>
-          </p:cNvPicPr>
-          <p:nvPr/>
-        </p:nvPicPr>
-        <p:blipFill>
-          <a:blip r:embed="rId8">
-            <a:extLst>
-              <a:ext uri="{BEBA8EAE-BF5A-486C-A8C5-ECC9F3942E4B}">
-                <a14:imgProps xmlns:a14="http://schemas.microsoft.com/office/drawing/2010/main">
-                  <a14:imgLayer r:embed="rId9">
-                    <a14:imgEffect>
-                      <a14:backgroundRemoval t="0" b="93750" l="6250" r="87500">
-                        <a14:foregroundMark x1="25000" y1="18750" x2="25000" y2="18750"/>
-                        <a14:foregroundMark x1="25000" y1="68750" x2="25000" y2="68750"/>
-                        <a14:foregroundMark x1="68750" y1="68750" x2="68750" y2="68750"/>
-                        <a14:foregroundMark x1="68750" y1="18750" x2="68750" y2="18750"/>
-                      </a14:backgroundRemoval>
-                    </a14:imgEffect>
-                  </a14:imgLayer>
-                </a14:imgProps>
-              </a:ext>
-              <a:ext uri="{28A0092B-C50C-407E-A947-70E740481C1C}">
-                <a14:useLocalDpi xmlns:a14="http://schemas.microsoft.com/office/drawing/2010/main" val="0"/>
-              </a:ext>
-            </a:extLst>
-          </a:blip>
-          <a:stretch>
-            <a:fillRect/>
-          </a:stretch>
-        </p:blipFill>
-        <p:spPr>
-          <a:xfrm>
-            <a:off x="11141401" y="3963582"/>
-            <a:ext cx="1136279" cy="1136279"/>
-          </a:xfrm>
-          <a:prstGeom prst="rect">
-            <a:avLst/>
-          </a:prstGeom>
-        </p:spPr>
-      </p:pic>
-      <p:pic>
-        <p:nvPicPr>
-          <p:cNvPr id="44" name="図 43"/>
-          <p:cNvPicPr>
-            <a:picLocks noChangeAspect="1"/>
-          </p:cNvPicPr>
-          <p:nvPr/>
-        </p:nvPicPr>
-        <p:blipFill>
-          <a:blip r:embed="rId8">
-            <a:extLst>
-              <a:ext uri="{BEBA8EAE-BF5A-486C-A8C5-ECC9F3942E4B}">
-                <a14:imgProps xmlns:a14="http://schemas.microsoft.com/office/drawing/2010/main">
-                  <a14:imgLayer r:embed="rId9">
-                    <a14:imgEffect>
-                      <a14:backgroundRemoval t="0" b="93750" l="6250" r="87500">
-                        <a14:foregroundMark x1="25000" y1="18750" x2="25000" y2="18750"/>
-                        <a14:foregroundMark x1="25000" y1="68750" x2="25000" y2="68750"/>
-                        <a14:foregroundMark x1="68750" y1="68750" x2="68750" y2="68750"/>
-                        <a14:foregroundMark x1="68750" y1="18750" x2="68750" y2="18750"/>
-                      </a14:backgroundRemoval>
-                    </a14:imgEffect>
-                  </a14:imgLayer>
-                </a14:imgProps>
-              </a:ext>
-              <a:ext uri="{28A0092B-C50C-407E-A947-70E740481C1C}">
-                <a14:useLocalDpi xmlns:a14="http://schemas.microsoft.com/office/drawing/2010/main" val="0"/>
-              </a:ext>
-            </a:extLst>
-          </a:blip>
-          <a:stretch>
-            <a:fillRect/>
-          </a:stretch>
-        </p:blipFill>
-        <p:spPr>
-          <a:xfrm>
-            <a:off x="118531" y="5819327"/>
-            <a:ext cx="1136279" cy="1136279"/>
-          </a:xfrm>
-          <a:prstGeom prst="rect">
-            <a:avLst/>
-          </a:prstGeom>
-        </p:spPr>
-      </p:pic>
-      <p:pic>
-        <p:nvPicPr>
-          <p:cNvPr id="46" name="図 45"/>
-          <p:cNvPicPr>
-            <a:picLocks noChangeAspect="1"/>
-          </p:cNvPicPr>
-          <p:nvPr/>
-        </p:nvPicPr>
-        <p:blipFill rotWithShape="1">
-          <a:blip r:embed="rId10" cstate="print">
-            <a:extLst>
-              <a:ext uri="{28A0092B-C50C-407E-A947-70E740481C1C}">
-                <a14:useLocalDpi xmlns:a14="http://schemas.microsoft.com/office/drawing/2010/main" val="0"/>
-              </a:ext>
-            </a:extLst>
-          </a:blip>
-          <a:srcRect l="27604" t="19307" r="10603" b="2564"/>
-          <a:stretch/>
-        </p:blipFill>
-        <p:spPr>
-          <a:xfrm rot="18485985">
-            <a:off x="2812370" y="1215677"/>
-            <a:ext cx="1045664" cy="991592"/>
-          </a:xfrm>
-          <a:prstGeom prst="ellipse">
-            <a:avLst/>
-          </a:prstGeom>
-        </p:spPr>
-      </p:pic>
-      <p:pic>
-        <p:nvPicPr>
-          <p:cNvPr id="47" name="図 46"/>
-          <p:cNvPicPr>
-            <a:picLocks noChangeAspect="1"/>
-          </p:cNvPicPr>
-          <p:nvPr/>
-        </p:nvPicPr>
-        <p:blipFill>
-          <a:blip r:embed="rId8">
-            <a:extLst>
-              <a:ext uri="{BEBA8EAE-BF5A-486C-A8C5-ECC9F3942E4B}">
-                <a14:imgProps xmlns:a14="http://schemas.microsoft.com/office/drawing/2010/main">
-                  <a14:imgLayer r:embed="rId9">
-                    <a14:imgEffect>
-                      <a14:backgroundRemoval t="0" b="93750" l="6250" r="87500">
-                        <a14:foregroundMark x1="25000" y1="18750" x2="25000" y2="18750"/>
-                        <a14:foregroundMark x1="25000" y1="68750" x2="25000" y2="68750"/>
-                        <a14:foregroundMark x1="68750" y1="68750" x2="68750" y2="68750"/>
-                        <a14:foregroundMark x1="68750" y1="18750" x2="68750" y2="18750"/>
-                      </a14:backgroundRemoval>
-                    </a14:imgEffect>
-                  </a14:imgLayer>
-                </a14:imgProps>
-              </a:ext>
-              <a:ext uri="{28A0092B-C50C-407E-A947-70E740481C1C}">
-                <a14:useLocalDpi xmlns:a14="http://schemas.microsoft.com/office/drawing/2010/main" val="0"/>
-              </a:ext>
-            </a:extLst>
-          </a:blip>
-          <a:stretch>
-            <a:fillRect/>
-          </a:stretch>
-        </p:blipFill>
-        <p:spPr>
-          <a:xfrm>
-            <a:off x="541640" y="4841804"/>
-            <a:ext cx="1136279" cy="1136279"/>
-          </a:xfrm>
-          <a:prstGeom prst="rect">
-            <a:avLst/>
-          </a:prstGeom>
-        </p:spPr>
-      </p:pic>
-      <p:pic>
-        <p:nvPicPr>
-          <p:cNvPr id="48" name="図 47"/>
-          <p:cNvPicPr>
-            <a:picLocks noChangeAspect="1"/>
-          </p:cNvPicPr>
-          <p:nvPr/>
-        </p:nvPicPr>
-        <p:blipFill>
-          <a:blip r:embed="rId8">
-            <a:extLst>
-              <a:ext uri="{BEBA8EAE-BF5A-486C-A8C5-ECC9F3942E4B}">
-                <a14:imgProps xmlns:a14="http://schemas.microsoft.com/office/drawing/2010/main">
-                  <a14:imgLayer r:embed="rId9">
-                    <a14:imgEffect>
-                      <a14:backgroundRemoval t="0" b="93750" l="6250" r="87500">
-                        <a14:foregroundMark x1="25000" y1="18750" x2="25000" y2="18750"/>
-                        <a14:foregroundMark x1="25000" y1="68750" x2="25000" y2="68750"/>
-                        <a14:foregroundMark x1="68750" y1="68750" x2="68750" y2="68750"/>
-                        <a14:foregroundMark x1="68750" y1="18750" x2="68750" y2="18750"/>
-                      </a14:backgroundRemoval>
-                    </a14:imgEffect>
-                  </a14:imgLayer>
-                </a14:imgProps>
-              </a:ext>
-              <a:ext uri="{28A0092B-C50C-407E-A947-70E740481C1C}">
-                <a14:useLocalDpi xmlns:a14="http://schemas.microsoft.com/office/drawing/2010/main" val="0"/>
-              </a:ext>
-            </a:extLst>
-          </a:blip>
-          <a:stretch>
-            <a:fillRect/>
-          </a:stretch>
-        </p:blipFill>
-        <p:spPr>
-          <a:xfrm>
-            <a:off x="967549" y="3795303"/>
-            <a:ext cx="1136279" cy="1136279"/>
-          </a:xfrm>
-          <a:prstGeom prst="rect">
-            <a:avLst/>
-          </a:prstGeom>
-        </p:spPr>
-      </p:pic>
-      <p:sp>
-        <p:nvSpPr>
-          <p:cNvPr id="39" name="楕円 38"/>
-          <p:cNvSpPr/>
-          <p:nvPr/>
-        </p:nvSpPr>
-        <p:spPr>
-          <a:xfrm>
-            <a:off x="2969515" y="4641426"/>
-            <a:ext cx="655782" cy="476715"/>
-          </a:xfrm>
-          <a:prstGeom prst="ellipse">
-            <a:avLst/>
-          </a:prstGeom>
-          <a:solidFill>
-            <a:schemeClr val="tx1">
-              <a:lumMod val="65000"/>
-              <a:lumOff val="35000"/>
-            </a:schemeClr>
-          </a:solidFill>
-          <a:ln>
-            <a:solidFill>
-              <a:schemeClr val="tx1">
-                <a:lumMod val="75000"/>
-                <a:lumOff val="25000"/>
-              </a:schemeClr>
-            </a:solidFill>
-          </a:ln>
-        </p:spPr>
-        <p:style>
-          <a:lnRef idx="2">
-            <a:schemeClr val="accent1">
-              <a:shade val="50000"/>
-            </a:schemeClr>
-          </a:lnRef>
-          <a:fillRef idx="1">
-            <a:schemeClr val="accent1"/>
-          </a:fillRef>
-          <a:effectRef idx="0">
-            <a:schemeClr val="accent1"/>
-          </a:effectRef>
-          <a:fontRef idx="minor">
-            <a:schemeClr val="lt1"/>
-          </a:fontRef>
-        </p:style>
-        <p:txBody>
-          <a:bodyPr rtlCol="0" anchor="ctr"/>
-          <a:lstStyle/>
-          <a:p>
-            <a:pPr algn="ctr"/>
-            <a:endParaRPr kumimoji="1" lang="ja-JP" altLang="en-US">
-              <a:solidFill>
-                <a:srgbClr val="FF0000"/>
-              </a:solidFill>
-            </a:endParaRPr>
-          </a:p>
-        </p:txBody>
-      </p:sp>
-      <p:sp>
-        <p:nvSpPr>
-          <p:cNvPr id="49" name="楕円 48"/>
-          <p:cNvSpPr/>
-          <p:nvPr/>
-        </p:nvSpPr>
-        <p:spPr>
-          <a:xfrm>
-            <a:off x="3443747" y="5722060"/>
-            <a:ext cx="2164014" cy="933490"/>
-          </a:xfrm>
-          <a:prstGeom prst="ellipse">
-            <a:avLst/>
-          </a:prstGeom>
-          <a:solidFill>
-            <a:schemeClr val="tx1">
-              <a:lumMod val="65000"/>
-              <a:lumOff val="35000"/>
-            </a:schemeClr>
-          </a:solidFill>
-          <a:ln>
-            <a:solidFill>
-              <a:schemeClr val="tx1">
-                <a:lumMod val="75000"/>
-                <a:lumOff val="25000"/>
-              </a:schemeClr>
-            </a:solidFill>
-          </a:ln>
-        </p:spPr>
-        <p:style>
-          <a:lnRef idx="2">
-            <a:schemeClr val="accent1">
-              <a:shade val="50000"/>
-            </a:schemeClr>
-          </a:lnRef>
-          <a:fillRef idx="1">
-            <a:schemeClr val="accent1"/>
-          </a:fillRef>
-          <a:effectRef idx="0">
-            <a:schemeClr val="accent1"/>
-          </a:effectRef>
-          <a:fontRef idx="minor">
-            <a:schemeClr val="lt1"/>
-          </a:fontRef>
-        </p:style>
-        <p:txBody>
-          <a:bodyPr rtlCol="0" anchor="ctr"/>
-          <a:lstStyle/>
-          <a:p>
-            <a:pPr algn="ctr"/>
-            <a:endParaRPr kumimoji="1" lang="ja-JP" altLang="en-US">
-              <a:solidFill>
-                <a:srgbClr val="FF0000"/>
-              </a:solidFill>
-            </a:endParaRPr>
-          </a:p>
-        </p:txBody>
-      </p:sp>
-      <p:pic>
-        <p:nvPicPr>
-          <p:cNvPr id="9" name="図 8"/>
-          <p:cNvPicPr>
-            <a:picLocks noChangeAspect="1"/>
-          </p:cNvPicPr>
-          <p:nvPr/>
-        </p:nvPicPr>
-        <p:blipFill rotWithShape="1">
-          <a:blip r:embed="rId11" cstate="print">
-            <a:extLst>
-              <a:ext uri="{28A0092B-C50C-407E-A947-70E740481C1C}">
-                <a14:useLocalDpi xmlns:a14="http://schemas.microsoft.com/office/drawing/2010/main" val="0"/>
-              </a:ext>
-            </a:extLst>
-          </a:blip>
-          <a:srcRect r="82173"/>
-          <a:stretch/>
-        </p:blipFill>
-        <p:spPr>
-          <a:xfrm>
-            <a:off x="3594720" y="3417038"/>
-            <a:ext cx="1948107" cy="3069737"/>
-          </a:xfrm>
-          <a:prstGeom prst="rect">
-            <a:avLst/>
-          </a:prstGeom>
-        </p:spPr>
-      </p:pic>
-      <p:sp>
-        <p:nvSpPr>
-          <p:cNvPr id="5" name="テキスト ボックス 4"/>
-          <p:cNvSpPr txBox="1"/>
-          <p:nvPr/>
-        </p:nvSpPr>
-        <p:spPr>
-          <a:xfrm>
-            <a:off x="6570" y="54499"/>
-            <a:ext cx="1985297" cy="369332"/>
-          </a:xfrm>
-          <a:prstGeom prst="rect">
-            <a:avLst/>
-          </a:prstGeom>
-          <a:noFill/>
-        </p:spPr>
-        <p:txBody>
-          <a:bodyPr wrap="square" rtlCol="0">
-            <a:spAutoFit/>
-          </a:bodyPr>
-          <a:lstStyle/>
-          <a:p>
-            <a:r>
-              <a:rPr kumimoji="1" lang="en-US" altLang="ja-JP" dirty="0" smtClean="0">
-                <a:solidFill>
-                  <a:schemeClr val="bg1"/>
-                </a:solidFill>
-              </a:rPr>
-              <a:t>(</a:t>
-            </a:r>
-            <a:r>
-              <a:rPr kumimoji="1" lang="ja-JP" altLang="en-US" dirty="0" smtClean="0">
-                <a:solidFill>
-                  <a:schemeClr val="bg1"/>
-                </a:solidFill>
-              </a:rPr>
-              <a:t>ゲーム画面</a:t>
-            </a:r>
-            <a:r>
-              <a:rPr kumimoji="1" lang="en-US" altLang="ja-JP" dirty="0" smtClean="0">
-                <a:solidFill>
-                  <a:schemeClr val="bg1"/>
-                </a:solidFill>
-              </a:rPr>
-              <a:t>)</a:t>
-            </a:r>
-            <a:endParaRPr kumimoji="1" lang="ja-JP" altLang="en-US" dirty="0">
-              <a:solidFill>
-                <a:schemeClr val="bg1"/>
-              </a:solidFill>
-            </a:endParaRPr>
-          </a:p>
-        </p:txBody>
-      </p:sp>
-      <p:sp>
-        <p:nvSpPr>
-          <p:cNvPr id="33" name="テキスト ボックス 32"/>
-          <p:cNvSpPr txBox="1"/>
-          <p:nvPr/>
-        </p:nvSpPr>
-        <p:spPr>
-          <a:xfrm>
-            <a:off x="2330023" y="368413"/>
-            <a:ext cx="1717944" cy="461665"/>
-          </a:xfrm>
-          <a:prstGeom prst="rect">
-            <a:avLst/>
-          </a:prstGeom>
-          <a:solidFill>
-            <a:schemeClr val="accent2">
-              <a:lumMod val="60000"/>
-              <a:lumOff val="40000"/>
-            </a:schemeClr>
-          </a:solidFill>
-        </p:spPr>
-        <p:txBody>
-          <a:bodyPr wrap="square" rtlCol="0">
-            <a:spAutoFit/>
-          </a:bodyPr>
-          <a:lstStyle/>
-          <a:p>
-            <a:pPr algn="ctr"/>
-            <a:r>
-              <a:rPr lang="en-US" altLang="ja-JP" sz="2400" dirty="0" smtClean="0"/>
-              <a:t>UI(</a:t>
-            </a:r>
-            <a:r>
-              <a:rPr lang="ja-JP" altLang="en-US" sz="2400" dirty="0" smtClean="0"/>
-              <a:t>ライフ</a:t>
-            </a:r>
-            <a:r>
-              <a:rPr lang="en-US" altLang="ja-JP" sz="2400" dirty="0" smtClean="0"/>
-              <a:t>)</a:t>
-            </a:r>
-            <a:endParaRPr kumimoji="1" lang="en-US" altLang="ja-JP" sz="2400" dirty="0" smtClean="0"/>
-          </a:p>
-        </p:txBody>
-      </p:sp>
-      <p:sp>
-        <p:nvSpPr>
-          <p:cNvPr id="34" name="テキスト ボックス 33"/>
-          <p:cNvSpPr txBox="1"/>
-          <p:nvPr/>
-        </p:nvSpPr>
-        <p:spPr>
-          <a:xfrm>
-            <a:off x="8116094" y="290264"/>
-            <a:ext cx="1703303" cy="461665"/>
-          </a:xfrm>
-          <a:prstGeom prst="rect">
-            <a:avLst/>
-          </a:prstGeom>
-          <a:solidFill>
-            <a:schemeClr val="accent2">
-              <a:lumMod val="60000"/>
-              <a:lumOff val="40000"/>
-            </a:schemeClr>
-          </a:solidFill>
-        </p:spPr>
-        <p:txBody>
-          <a:bodyPr wrap="square" rtlCol="0">
-            <a:spAutoFit/>
-          </a:bodyPr>
-          <a:lstStyle/>
-          <a:p>
-            <a:pPr algn="ctr"/>
-            <a:r>
-              <a:rPr lang="en-US" altLang="ja-JP" sz="2400" dirty="0" smtClean="0"/>
-              <a:t>UI(</a:t>
-            </a:r>
-            <a:r>
-              <a:rPr lang="ja-JP" altLang="en-US" sz="2400" dirty="0" smtClean="0"/>
-              <a:t>スコア</a:t>
-            </a:r>
-            <a:r>
-              <a:rPr lang="en-US" altLang="ja-JP" sz="2400" dirty="0" smtClean="0"/>
-              <a:t>)</a:t>
-            </a:r>
-            <a:endParaRPr kumimoji="1" lang="en-US" altLang="ja-JP" sz="2400" dirty="0" smtClean="0"/>
+            <a:r>
+              <a:rPr lang="ja-JP" altLang="en-US" sz="3200" dirty="0" smtClean="0"/>
+              <a:t>スタートボタンを押すとプレイヤーが</a:t>
+            </a:r>
+            <a:r>
+              <a:rPr lang="ja-JP" altLang="en-US" sz="3200" dirty="0" smtClean="0"/>
+              <a:t>左から登場</a:t>
+            </a:r>
+            <a:endParaRPr kumimoji="1" lang="ja-JP" altLang="en-US" sz="3200" dirty="0"/>
           </a:p>
         </p:txBody>
       </p:sp>
     </p:spTree>
     <p:extLst>
       <p:ext uri="{BB962C8B-B14F-4D97-AF65-F5344CB8AC3E}">
-        <p14:creationId xmlns:p14="http://schemas.microsoft.com/office/powerpoint/2010/main" val="550748795"/>
+        <p14:creationId xmlns:p14="http://schemas.microsoft.com/office/powerpoint/2010/main" val="2223627573"/>
       </p:ext>
     </p:extLst>
   </p:cSld>
   <p:clrMapOvr>
     <a:masterClrMapping/>
   </p:clrMapOvr>
-  <p:timing>
-    <p:tnLst>
-      <p:par>
-        <p:cTn id="1" dur="indefinite" restart="never" nodeType="tmRoot"/>
-      </p:par>
-    </p:tnLst>
-  </p:timing>
 </p:sld>
 </file>
 
